--- a/design-docs/Viva.pptx
+++ b/design-docs/Viva.pptx
@@ -9,10 +9,11 @@
     <p:sldId id="262" r:id="rId3"/>
     <p:sldId id="257" r:id="rId4"/>
     <p:sldId id="258" r:id="rId5"/>
-    <p:sldId id="259" r:id="rId6"/>
-    <p:sldId id="260" r:id="rId7"/>
-    <p:sldId id="264" r:id="rId8"/>
-    <p:sldId id="261" r:id="rId9"/>
+    <p:sldId id="265" r:id="rId6"/>
+    <p:sldId id="259" r:id="rId7"/>
+    <p:sldId id="260" r:id="rId8"/>
+    <p:sldId id="264" r:id="rId9"/>
+    <p:sldId id="261" r:id="rId10"/>
   </p:sldIdLst>
   <p:sldSz cx="12192000" cy="6858000"/>
   <p:notesSz cx="6858000" cy="9144000"/>
@@ -406,7 +407,7 @@
           <a:p>
             <a:fld id="{8743BC9A-4EBD-418F-9131-3AD27218D0EC}" type="datetimeFigureOut">
               <a:rPr lang="en-GB" smtClean="0"/>
-              <a:t>12/04/2018</a:t>
+              <a:t>16/04/2018</a:t>
             </a:fld>
             <a:endParaRPr lang="en-GB"/>
           </a:p>
@@ -729,7 +730,7 @@
           <a:p>
             <a:fld id="{8743BC9A-4EBD-418F-9131-3AD27218D0EC}" type="datetimeFigureOut">
               <a:rPr lang="en-GB" smtClean="0"/>
-              <a:t>12/04/2018</a:t>
+              <a:t>16/04/2018</a:t>
             </a:fld>
             <a:endParaRPr lang="en-GB"/>
           </a:p>
@@ -1217,7 +1218,7 @@
           <a:p>
             <a:fld id="{8743BC9A-4EBD-418F-9131-3AD27218D0EC}" type="datetimeFigureOut">
               <a:rPr lang="en-GB" smtClean="0"/>
-              <a:t>12/04/2018</a:t>
+              <a:t>16/04/2018</a:t>
             </a:fld>
             <a:endParaRPr lang="en-GB"/>
           </a:p>
@@ -1586,7 +1587,7 @@
           <a:p>
             <a:fld id="{8743BC9A-4EBD-418F-9131-3AD27218D0EC}" type="datetimeFigureOut">
               <a:rPr lang="en-GB" smtClean="0"/>
-              <a:t>12/04/2018</a:t>
+              <a:t>16/04/2018</a:t>
             </a:fld>
             <a:endParaRPr lang="en-GB"/>
           </a:p>
@@ -1859,7 +1860,7 @@
           <a:p>
             <a:fld id="{8743BC9A-4EBD-418F-9131-3AD27218D0EC}" type="datetimeFigureOut">
               <a:rPr lang="en-GB" smtClean="0"/>
-              <a:t>12/04/2018</a:t>
+              <a:t>16/04/2018</a:t>
             </a:fld>
             <a:endParaRPr lang="en-GB"/>
           </a:p>
@@ -2144,7 +2145,7 @@
           <a:p>
             <a:fld id="{8743BC9A-4EBD-418F-9131-3AD27218D0EC}" type="datetimeFigureOut">
               <a:rPr lang="en-GB" smtClean="0"/>
-              <a:t>12/04/2018</a:t>
+              <a:t>16/04/2018</a:t>
             </a:fld>
             <a:endParaRPr lang="en-GB"/>
           </a:p>
@@ -2432,7 +2433,7 @@
           <a:p>
             <a:fld id="{8743BC9A-4EBD-418F-9131-3AD27218D0EC}" type="datetimeFigureOut">
               <a:rPr lang="en-GB" smtClean="0"/>
-              <a:t>12/04/2018</a:t>
+              <a:t>16/04/2018</a:t>
             </a:fld>
             <a:endParaRPr lang="en-GB"/>
           </a:p>
@@ -2775,7 +2776,7 @@
           <a:p>
             <a:fld id="{8743BC9A-4EBD-418F-9131-3AD27218D0EC}" type="datetimeFigureOut">
               <a:rPr lang="en-GB" smtClean="0"/>
-              <a:t>12/04/2018</a:t>
+              <a:t>16/04/2018</a:t>
             </a:fld>
             <a:endParaRPr lang="en-GB"/>
           </a:p>
@@ -3119,7 +3120,7 @@
           <a:p>
             <a:fld id="{8743BC9A-4EBD-418F-9131-3AD27218D0EC}" type="datetimeFigureOut">
               <a:rPr lang="en-GB" smtClean="0"/>
-              <a:t>12/04/2018</a:t>
+              <a:t>16/04/2018</a:t>
             </a:fld>
             <a:endParaRPr lang="en-GB"/>
           </a:p>
@@ -3596,7 +3597,7 @@
           <a:p>
             <a:fld id="{8743BC9A-4EBD-418F-9131-3AD27218D0EC}" type="datetimeFigureOut">
               <a:rPr lang="en-GB" smtClean="0"/>
-              <a:t>12/04/2018</a:t>
+              <a:t>16/04/2018</a:t>
             </a:fld>
             <a:endParaRPr lang="en-GB"/>
           </a:p>
@@ -3817,7 +3818,7 @@
           <a:p>
             <a:fld id="{8743BC9A-4EBD-418F-9131-3AD27218D0EC}" type="datetimeFigureOut">
               <a:rPr lang="en-GB" smtClean="0"/>
-              <a:t>12/04/2018</a:t>
+              <a:t>16/04/2018</a:t>
             </a:fld>
             <a:endParaRPr lang="en-GB"/>
           </a:p>
@@ -3912,7 +3913,7 @@
           <a:p>
             <a:fld id="{8743BC9A-4EBD-418F-9131-3AD27218D0EC}" type="datetimeFigureOut">
               <a:rPr lang="en-GB" smtClean="0"/>
-              <a:t>12/04/2018</a:t>
+              <a:t>16/04/2018</a:t>
             </a:fld>
             <a:endParaRPr lang="en-GB"/>
           </a:p>
@@ -4379,7 +4380,7 @@
           <a:p>
             <a:fld id="{8743BC9A-4EBD-418F-9131-3AD27218D0EC}" type="datetimeFigureOut">
               <a:rPr lang="en-GB" smtClean="0"/>
-              <a:t>12/04/2018</a:t>
+              <a:t>16/04/2018</a:t>
             </a:fld>
             <a:endParaRPr lang="en-GB"/>
           </a:p>
@@ -4692,7 +4693,7 @@
           <a:p>
             <a:fld id="{8743BC9A-4EBD-418F-9131-3AD27218D0EC}" type="datetimeFigureOut">
               <a:rPr lang="en-GB" smtClean="0"/>
-              <a:t>12/04/2018</a:t>
+              <a:t>16/04/2018</a:t>
             </a:fld>
             <a:endParaRPr lang="en-GB"/>
           </a:p>
@@ -4962,7 +4963,7 @@
           <a:p>
             <a:fld id="{8743BC9A-4EBD-418F-9131-3AD27218D0EC}" type="datetimeFigureOut">
               <a:rPr lang="en-GB" smtClean="0"/>
-              <a:t>12/04/2018</a:t>
+              <a:t>16/04/2018</a:t>
             </a:fld>
             <a:endParaRPr lang="en-GB"/>
           </a:p>
@@ -5582,12 +5583,20 @@
           <a:lstStyle/>
           <a:p>
             <a:r>
+              <a:rPr lang="en-GB" dirty="0" smtClean="0"/>
+              <a:t>“</a:t>
+            </a:r>
+            <a:r>
               <a:rPr lang="en-GB" dirty="0" err="1" smtClean="0"/>
               <a:t>csar</a:t>
             </a:r>
             <a:r>
               <a:rPr lang="en-GB" dirty="0" smtClean="0"/>
-              <a:t> is a versatile, </a:t>
+              <a:t> </a:t>
+            </a:r>
+            <a:r>
+              <a:rPr lang="en-GB" dirty="0" smtClean="0"/>
+              <a:t>is a versatile, </a:t>
             </a:r>
             <a:r>
               <a:rPr lang="en-GB" dirty="0"/>
@@ -5603,8 +5612,13 @@
             </a:r>
             <a:r>
               <a:rPr lang="en-GB" dirty="0" smtClean="0"/>
-              <a:t>code search and refactoring framework.</a:t>
-            </a:r>
+              <a:t>code search and refactoring framework</a:t>
+            </a:r>
+            <a:r>
+              <a:rPr lang="en-GB" dirty="0" smtClean="0"/>
+              <a:t>.”</a:t>
+            </a:r>
+            <a:endParaRPr lang="en-GB" dirty="0" smtClean="0"/>
           </a:p>
           <a:p>
             <a:r>
@@ -5678,25 +5692,130 @@
           </a:p>
         </p:txBody>
       </p:sp>
-      <p:sp>
-        <p:nvSpPr>
-          <p:cNvPr id="3" name="Content Placeholder 2"/>
-          <p:cNvSpPr>
-            <a:spLocks noGrp="1"/>
-          </p:cNvSpPr>
-          <p:nvPr>
-            <p:ph idx="1"/>
-          </p:nvPr>
-        </p:nvSpPr>
-        <p:spPr/>
-        <p:txBody>
-          <a:bodyPr/>
-          <a:lstStyle/>
-          <a:p>
-            <a:endParaRPr lang="en-GB" dirty="0"/>
-          </a:p>
-        </p:txBody>
-      </p:sp>
+      <mc:AlternateContent xmlns:mc="http://schemas.openxmlformats.org/markup-compatibility/2006">
+        <mc:Choice xmlns:a14="http://schemas.microsoft.com/office/drawing/2010/main" Requires="a14">
+          <p:sp>
+            <p:nvSpPr>
+              <p:cNvPr id="3" name="Content Placeholder 2"/>
+              <p:cNvSpPr>
+                <a:spLocks noGrp="1"/>
+              </p:cNvSpPr>
+              <p:nvPr>
+                <p:ph idx="1"/>
+              </p:nvPr>
+            </p:nvSpPr>
+            <p:spPr/>
+            <p:txBody>
+              <a:bodyPr/>
+              <a:lstStyle/>
+              <a:p>
+                <a:r>
+                  <a:rPr lang="en-GB" dirty="0" smtClean="0"/>
+                  <a:t>Basis: Unifying </a:t>
+                </a:r>
+                <a:r>
+                  <a:rPr lang="en-GB" dirty="0"/>
+                  <a:t>searching and </a:t>
+                </a:r>
+                <a:r>
+                  <a:rPr lang="en-GB" dirty="0" smtClean="0"/>
+                  <a:t>refactoring</a:t>
+                </a:r>
+              </a:p>
+              <a:p>
+                <a:r>
+                  <a:rPr lang="en-GB" dirty="0" smtClean="0"/>
+                  <a:t>Semantics-based Searching</a:t>
+                </a:r>
+                <a:endParaRPr lang="en-GB" dirty="0" smtClean="0"/>
+              </a:p>
+              <a:p>
+                <a:r>
+                  <a:rPr lang="en-GB" dirty="0" smtClean="0"/>
+                  <a:t>Query-driven </a:t>
+                </a:r>
+                <a:r>
+                  <a:rPr lang="en-GB" dirty="0" smtClean="0"/>
+                  <a:t>(SQL-</a:t>
+                </a:r>
+                <a:r>
+                  <a:rPr lang="en-GB" dirty="0" err="1" smtClean="0"/>
+                  <a:t>esque</a:t>
+                </a:r>
+                <a:r>
+                  <a:rPr lang="en-GB" dirty="0" smtClean="0"/>
+                  <a:t>)</a:t>
+                </a:r>
+              </a:p>
+              <a:p>
+                <a:r>
+                  <a:rPr lang="en-GB" dirty="0" smtClean="0"/>
+                  <a:t>Extensible </a:t>
+                </a:r>
+                <a14:m>
+                  <m:oMath xmlns:m="http://schemas.openxmlformats.org/officeDocument/2006/math">
+                    <m:r>
+                      <a:rPr lang="en-GB" b="0" i="1" smtClean="0">
+                        <a:latin typeface="Cambria Math" panose="02040503050406030204" pitchFamily="18" charset="0"/>
+                      </a:rPr>
+                      <m:t>⟹</m:t>
+                    </m:r>
+                  </m:oMath>
+                </a14:m>
+                <a:r>
+                  <a:rPr lang="en-GB" dirty="0"/>
+                  <a:t> </a:t>
+                </a:r>
+                <a:r>
+                  <a:rPr lang="en-GB" dirty="0" smtClean="0"/>
+                  <a:t>Language-agnostic</a:t>
+                </a:r>
+                <a:endParaRPr lang="en-GB" dirty="0" smtClean="0"/>
+              </a:p>
+              <a:p>
+                <a:r>
+                  <a:rPr lang="en-GB" dirty="0" smtClean="0"/>
+                  <a:t>Scalable: multi-threaded and efficient.</a:t>
+                </a:r>
+                <a:endParaRPr lang="en-GB" dirty="0" smtClean="0"/>
+              </a:p>
+            </p:txBody>
+          </p:sp>
+        </mc:Choice>
+        <mc:Fallback>
+          <p:sp>
+            <p:nvSpPr>
+              <p:cNvPr id="3" name="Content Placeholder 2"/>
+              <p:cNvSpPr>
+                <a:spLocks noGrp="1" noRot="1" noChangeAspect="1" noMove="1" noResize="1" noEditPoints="1" noAdjustHandles="1" noChangeArrowheads="1" noChangeShapeType="1" noTextEdit="1"/>
+              </p:cNvSpPr>
+              <p:nvPr>
+                <p:ph idx="1"/>
+              </p:nvPr>
+            </p:nvSpPr>
+            <p:spPr>
+              <a:blipFill>
+                <a:blip r:embed="rId2"/>
+                <a:stretch>
+                  <a:fillRect/>
+                </a:stretch>
+              </a:blipFill>
+            </p:spPr>
+            <p:txBody>
+              <a:bodyPr/>
+              <a:lstStyle/>
+              <a:p>
+                <a:r>
+                  <a:rPr lang="en-GB">
+                    <a:noFill/>
+                  </a:rPr>
+                  <a:t> </a:t>
+                </a:r>
+              </a:p>
+            </p:txBody>
+          </p:sp>
+        </mc:Fallback>
+      </mc:AlternateContent>
     </p:spTree>
     <p:extLst>
       <p:ext uri="{BB962C8B-B14F-4D97-AF65-F5344CB8AC3E}">
@@ -5772,10 +5891,58 @@
           <a:bodyPr/>
           <a:lstStyle/>
           <a:p>
-            <a:endParaRPr lang="en-GB"/>
-          </a:p>
-        </p:txBody>
-      </p:sp>
+            <a:r>
+              <a:rPr lang="en-GB" dirty="0" smtClean="0"/>
+              <a:t>Modular Design:</a:t>
+            </a:r>
+          </a:p>
+          <a:p>
+            <a:pPr lvl="1"/>
+            <a:r>
+              <a:rPr lang="en-GB" dirty="0" smtClean="0"/>
+              <a:t>Frontend</a:t>
+            </a:r>
+          </a:p>
+          <a:p>
+            <a:pPr lvl="1"/>
+            <a:r>
+              <a:rPr lang="en-GB" dirty="0" smtClean="0"/>
+              <a:t>API</a:t>
+            </a:r>
+          </a:p>
+          <a:p>
+            <a:pPr lvl="1"/>
+            <a:r>
+              <a:rPr lang="en-GB" dirty="0" smtClean="0"/>
+              <a:t>Plugins</a:t>
+            </a:r>
+          </a:p>
+        </p:txBody>
+      </p:sp>
+      <p:pic>
+        <p:nvPicPr>
+          <p:cNvPr id="4" name="Picture 3"/>
+          <p:cNvPicPr>
+            <a:picLocks noChangeAspect="1"/>
+          </p:cNvPicPr>
+          <p:nvPr/>
+        </p:nvPicPr>
+        <p:blipFill>
+          <a:blip r:embed="rId2"/>
+          <a:stretch>
+            <a:fillRect/>
+          </a:stretch>
+        </p:blipFill>
+        <p:spPr>
+          <a:xfrm>
+            <a:off x="8995843" y="2213974"/>
+            <a:ext cx="2966172" cy="4191009"/>
+          </a:xfrm>
+          <a:prstGeom prst="rect">
+            <a:avLst/>
+          </a:prstGeom>
+        </p:spPr>
+      </p:pic>
     </p:spTree>
     <p:extLst>
       <p:ext uri="{BB962C8B-B14F-4D97-AF65-F5344CB8AC3E}">
@@ -5830,7 +5997,7 @@
           <a:p>
             <a:r>
               <a:rPr lang="en-GB" dirty="0" smtClean="0"/>
-              <a:t>User Experience</a:t>
+              <a:t>Scope</a:t>
             </a:r>
             <a:endParaRPr lang="en-GB" dirty="0"/>
           </a:p>
@@ -5851,14 +6018,50 @@
           <a:bodyPr/>
           <a:lstStyle/>
           <a:p>
-            <a:endParaRPr lang="en-GB"/>
+            <a:r>
+              <a:rPr lang="en-GB" dirty="0" smtClean="0"/>
+              <a:t>Design and implement </a:t>
+            </a:r>
+            <a:r>
+              <a:rPr lang="en-GB" dirty="0" smtClean="0"/>
+              <a:t>a query </a:t>
+            </a:r>
+            <a:r>
+              <a:rPr lang="en-GB" dirty="0" smtClean="0"/>
+              <a:t>language</a:t>
+            </a:r>
+          </a:p>
+          <a:p>
+            <a:r>
+              <a:rPr lang="en-GB" dirty="0" smtClean="0"/>
+              <a:t>Semantics-based Searching</a:t>
+            </a:r>
+            <a:endParaRPr lang="en-GB" dirty="0" smtClean="0"/>
+          </a:p>
+          <a:p>
+            <a:r>
+              <a:rPr lang="en-GB" dirty="0" smtClean="0"/>
+              <a:t>Code Refactoring</a:t>
+            </a:r>
+            <a:endParaRPr lang="en-GB" dirty="0" smtClean="0"/>
+          </a:p>
+          <a:p>
+            <a:r>
+              <a:rPr lang="en-GB" dirty="0" smtClean="0"/>
+              <a:t>Sample implementation for </a:t>
+            </a:r>
+            <a:r>
+              <a:rPr lang="en-GB" dirty="0" smtClean="0"/>
+              <a:t>Java 8</a:t>
+            </a:r>
+            <a:endParaRPr lang="en-GB" dirty="0" smtClean="0"/>
           </a:p>
         </p:txBody>
       </p:sp>
     </p:spTree>
     <p:extLst>
       <p:ext uri="{BB962C8B-B14F-4D97-AF65-F5344CB8AC3E}">
-        <p14:creationId xmlns:p14="http://schemas.microsoft.com/office/powerpoint/2010/main" val="1727412427"/>
+        <p14:creationId xmlns:p14="http://schemas.microsoft.com/office/powerpoint/2010/main" val="998663269"/>
       </p:ext>
     </p:extLst>
   </p:cSld>
@@ -5909,7 +6112,7 @@
           <a:p>
             <a:r>
               <a:rPr lang="en-GB" dirty="0" smtClean="0"/>
-              <a:t>Achievements – Successes</a:t>
+              <a:t>User Experience</a:t>
             </a:r>
             <a:endParaRPr lang="en-GB" dirty="0"/>
           </a:p>
@@ -5927,107 +6130,105 @@
         </p:nvSpPr>
         <p:spPr/>
         <p:txBody>
-          <a:bodyPr>
-            <a:normAutofit/>
-          </a:bodyPr>
-          <a:lstStyle/>
-          <a:p>
-            <a:r>
-              <a:rPr lang="en-GB" dirty="0" smtClean="0"/>
-              <a:t>…</a:t>
-            </a:r>
-          </a:p>
-          <a:p>
+          <a:bodyPr/>
+          <a:lstStyle/>
+          <a:p>
+            <a:r>
+              <a:rPr lang="en-GB" dirty="0" smtClean="0"/>
+              <a:t>Invoke a frontend (e.g. CLI):</a:t>
+            </a:r>
+          </a:p>
+          <a:p>
+            <a:pPr marL="0" indent="0" algn="ctr">
+              <a:buNone/>
+            </a:pPr>
             <a:r>
               <a:rPr lang="en-GB" dirty="0"/>
-              <a:t>Support for git, hg</a:t>
-            </a:r>
-            <a:r>
-              <a:rPr lang="en-GB" dirty="0" smtClean="0"/>
-              <a:t>, </a:t>
+              <a:t>j</a:t>
+            </a:r>
+            <a:r>
+              <a:rPr lang="en-GB" dirty="0" smtClean="0"/>
+              <a:t>ava </a:t>
             </a:r>
             <a:r>
               <a:rPr lang="en-GB" dirty="0"/>
-              <a:t>and </a:t>
+              <a:t>-jar csar.jar SELECT </a:t>
             </a:r>
             <a:r>
               <a:rPr lang="en-GB" dirty="0" err="1" smtClean="0"/>
-              <a:t>svn</a:t>
-            </a:r>
-            <a:r>
-              <a:rPr lang="en-GB" dirty="0" smtClean="0"/>
-              <a:t> repositories</a:t>
-            </a:r>
-          </a:p>
-          <a:p>
-            <a:r>
-              <a:rPr lang="en-GB" dirty="0" smtClean="0"/>
-              <a:t>Implemented support for Java 8</a:t>
-            </a:r>
-          </a:p>
-          <a:p>
-            <a:pPr lvl="1"/>
+              <a:t>method:def:ADD</a:t>
+            </a:r>
+            <a:r>
+              <a:rPr lang="en-GB" dirty="0" smtClean="0"/>
+              <a:t> </a:t>
+            </a:r>
             <a:r>
               <a:rPr lang="en-GB" dirty="0"/>
-              <a:t>Searching for methods (definitions and usages)</a:t>
-            </a:r>
-          </a:p>
-          <a:p>
-            <a:pPr lvl="1"/>
+              <a:t>REFACTOR </a:t>
+            </a:r>
+            <a:r>
+              <a:rPr lang="en-GB" dirty="0" err="1" smtClean="0"/>
+              <a:t>RENAME:add</a:t>
+            </a:r>
+            <a:r>
+              <a:rPr lang="en-GB" dirty="0" smtClean="0"/>
+              <a:t> -t 4</a:t>
+            </a:r>
+          </a:p>
+          <a:p>
+            <a:r>
+              <a:rPr lang="en-GB" dirty="0" smtClean="0"/>
+              <a:t>Outputs: </a:t>
+            </a:r>
+            <a:r>
+              <a:rPr lang="en-GB" dirty="0" smtClean="0"/>
+              <a:t>search results and then refactor </a:t>
+            </a:r>
+            <a:r>
+              <a:rPr lang="en-GB" dirty="0" smtClean="0"/>
+              <a:t>results (on ‘standard’ output stream)</a:t>
+            </a:r>
+          </a:p>
+          <a:p>
+            <a:r>
+              <a:rPr lang="en-GB" dirty="0" smtClean="0"/>
+              <a:t>Note: debugging info is </a:t>
+            </a:r>
             <a:r>
               <a:rPr lang="en-GB" dirty="0"/>
-              <a:t>Refactoring for methods (renaming and changing parameters</a:t>
-            </a:r>
-            <a:r>
-              <a:rPr lang="en-GB" dirty="0" smtClean="0"/>
-              <a:t>)</a:t>
-            </a:r>
-          </a:p>
-          <a:p>
-            <a:pPr lvl="1"/>
-            <a:r>
-              <a:rPr lang="en-GB" dirty="0" smtClean="0"/>
-              <a:t>Post-processing</a:t>
-            </a:r>
-          </a:p>
-          <a:p>
-            <a:pPr lvl="2"/>
-            <a:r>
-              <a:rPr lang="en-GB" dirty="0" smtClean="0"/>
-              <a:t>Method usage to method definition mapping</a:t>
-            </a:r>
-          </a:p>
-          <a:p>
-            <a:pPr lvl="2"/>
-            <a:r>
-              <a:rPr lang="en-GB" dirty="0" smtClean="0"/>
-              <a:t>Type hierarchy generation</a:t>
-            </a:r>
-          </a:p>
-          <a:p>
-            <a:pPr lvl="2"/>
-            <a:r>
-              <a:rPr lang="en-GB" dirty="0" smtClean="0"/>
-              <a:t>Qualified name resolving</a:t>
-            </a:r>
-          </a:p>
-          <a:p>
-            <a:pPr lvl="2"/>
-            <a:r>
-              <a:rPr lang="en-GB" dirty="0" smtClean="0"/>
-              <a:t>Expression </a:t>
-            </a:r>
-            <a:r>
-              <a:rPr lang="en-GB" smtClean="0"/>
-              <a:t>type resolving</a:t>
-            </a:r>
+              <a:t>available </a:t>
+            </a:r>
+            <a:r>
+              <a:rPr lang="en-GB" dirty="0" smtClean="0"/>
+              <a:t>(on </a:t>
+            </a:r>
+            <a:r>
+              <a:rPr lang="en-GB" dirty="0"/>
+              <a:t>the ‘standard’ error output </a:t>
+            </a:r>
+            <a:r>
+              <a:rPr lang="en-GB" dirty="0" smtClean="0"/>
+              <a:t>stream)</a:t>
+            </a:r>
+            <a:endParaRPr lang="en-GB" dirty="0" smtClean="0"/>
+          </a:p>
+          <a:p>
+            <a:r>
+              <a:rPr lang="en-GB" dirty="0" smtClean="0"/>
+              <a:t>Configurable output schema: plain text, JSON, or your own</a:t>
+            </a:r>
+            <a:r>
+              <a:rPr lang="en-GB" dirty="0" smtClean="0"/>
+              <a:t>!</a:t>
+            </a:r>
+            <a:endParaRPr lang="en-GB" dirty="0" smtClean="0"/>
           </a:p>
         </p:txBody>
       </p:sp>
     </p:spTree>
     <p:extLst>
       <p:ext uri="{BB962C8B-B14F-4D97-AF65-F5344CB8AC3E}">
-        <p14:creationId xmlns:p14="http://schemas.microsoft.com/office/powerpoint/2010/main" val="2479752326"/>
+        <p14:creationId xmlns:p14="http://schemas.microsoft.com/office/powerpoint/2010/main" val="1727412427"/>
       </p:ext>
     </p:extLst>
   </p:cSld>
@@ -6078,7 +6279,7 @@
           <a:p>
             <a:r>
               <a:rPr lang="en-GB" dirty="0" smtClean="0"/>
-              <a:t>Achievements – Selected External Contributions</a:t>
+              <a:t>Achievements – Successes</a:t>
             </a:r>
             <a:endParaRPr lang="en-GB" dirty="0"/>
           </a:p>
@@ -6102,24 +6303,59 @@
           <a:lstStyle/>
           <a:p>
             <a:r>
-              <a:rPr lang="en-GB" dirty="0" err="1"/>
-              <a:t>antlr</a:t>
+              <a:rPr lang="en-GB" dirty="0" smtClean="0"/>
+              <a:t>Support </a:t>
             </a:r>
             <a:r>
               <a:rPr lang="en-GB" dirty="0"/>
-              <a:t>/grammars-v4 (</a:t>
-            </a:r>
-            <a:r>
-              <a:rPr lang="en-GB" dirty="0">
-                <a:hlinkClick r:id="rId2"/>
-              </a:rPr>
-              <a:t>https://github.com/antlr/grammars-v4</a:t>
-            </a:r>
-            <a:r>
-              <a:rPr lang="en-GB" dirty="0" smtClean="0">
-                <a:hlinkClick r:id="rId2"/>
-              </a:rPr>
-              <a:t>/</a:t>
+              <a:t>for git, hg</a:t>
+            </a:r>
+            <a:r>
+              <a:rPr lang="en-GB" dirty="0" smtClean="0"/>
+              <a:t>, </a:t>
+            </a:r>
+            <a:r>
+              <a:rPr lang="en-GB" dirty="0"/>
+              <a:t>and </a:t>
+            </a:r>
+            <a:r>
+              <a:rPr lang="en-GB" dirty="0" err="1" smtClean="0"/>
+              <a:t>svn</a:t>
+            </a:r>
+            <a:r>
+              <a:rPr lang="en-GB" dirty="0" smtClean="0"/>
+              <a:t> </a:t>
+            </a:r>
+            <a:r>
+              <a:rPr lang="en-GB" dirty="0" smtClean="0"/>
+              <a:t>repositories</a:t>
+            </a:r>
+          </a:p>
+          <a:p>
+            <a:r>
+              <a:rPr lang="en-GB" dirty="0" smtClean="0"/>
+              <a:t>Implemented query language</a:t>
+            </a:r>
+            <a:endParaRPr lang="en-GB" dirty="0" smtClean="0"/>
+          </a:p>
+          <a:p>
+            <a:r>
+              <a:rPr lang="en-GB" dirty="0" smtClean="0"/>
+              <a:t>Implemented support for Java 8</a:t>
+            </a:r>
+          </a:p>
+          <a:p>
+            <a:pPr lvl="1"/>
+            <a:r>
+              <a:rPr lang="en-GB" dirty="0"/>
+              <a:t>Searching for methods (definitions and usages)</a:t>
+            </a:r>
+          </a:p>
+          <a:p>
+            <a:pPr lvl="1"/>
+            <a:r>
+              <a:rPr lang="en-GB" dirty="0"/>
+              <a:t>Refactoring for methods (renaming and changing parameters</a:t>
             </a:r>
             <a:r>
               <a:rPr lang="en-GB" dirty="0" smtClean="0"/>
@@ -6129,130 +6365,57 @@
           <a:p>
             <a:pPr lvl="1"/>
             <a:r>
-              <a:rPr lang="en-GB" dirty="0"/>
-              <a:t>Disallow local </a:t>
-            </a:r>
-            <a:r>
-              <a:rPr lang="en-GB" dirty="0" err="1"/>
-              <a:t>enums</a:t>
-            </a:r>
-            <a:r>
-              <a:rPr lang="en-GB" dirty="0"/>
-              <a:t>/annotations in Java8PT </a:t>
-            </a:r>
-            <a:r>
-              <a:rPr lang="en-GB" dirty="0" smtClean="0"/>
-              <a:t>grammar</a:t>
-            </a:r>
-          </a:p>
-          <a:p>
-            <a:pPr lvl="1"/>
-            <a:r>
-              <a:rPr lang="en-GB" dirty="0"/>
-              <a:t>Allow method reference leading with `this` in Java8PT grammar + minor </a:t>
-            </a:r>
-            <a:r>
-              <a:rPr lang="en-GB" dirty="0" smtClean="0"/>
-              <a:t>reformatting</a:t>
-            </a:r>
-          </a:p>
-          <a:p>
-            <a:pPr lvl="1"/>
-            <a:r>
-              <a:rPr lang="en-GB" dirty="0"/>
-              <a:t>Improve Java8PT </a:t>
-            </a:r>
-            <a:r>
-              <a:rPr lang="en-GB" dirty="0" err="1"/>
-              <a:t>methodReference</a:t>
-            </a:r>
-            <a:r>
-              <a:rPr lang="en-GB" dirty="0"/>
-              <a:t> </a:t>
-            </a:r>
-            <a:r>
-              <a:rPr lang="en-GB" dirty="0" smtClean="0"/>
-              <a:t>rule</a:t>
-            </a:r>
-          </a:p>
-          <a:p>
-            <a:r>
-              <a:rPr lang="en-GB" smtClean="0"/>
-              <a:t>JCommander</a:t>
-            </a:r>
-            <a:r>
-              <a:rPr lang="en-GB" dirty="0" smtClean="0"/>
-              <a:t> </a:t>
-            </a:r>
-            <a:r>
-              <a:rPr lang="en-GB" dirty="0"/>
-              <a:t>(</a:t>
-            </a:r>
-            <a:r>
-              <a:rPr lang="en-GB" dirty="0">
-                <a:hlinkClick r:id="rId3"/>
-              </a:rPr>
-              <a:t>https://</a:t>
-            </a:r>
-            <a:r>
-              <a:rPr lang="en-GB" dirty="0" smtClean="0">
-                <a:hlinkClick r:id="rId3"/>
-              </a:rPr>
-              <a:t>github.com/cbeust/jcommander/</a:t>
-            </a:r>
-            <a:r>
-              <a:rPr lang="en-GB" dirty="0" smtClean="0"/>
-              <a:t>)</a:t>
-            </a:r>
-          </a:p>
-          <a:p>
-            <a:pPr lvl="1"/>
-            <a:r>
-              <a:rPr lang="en-GB" dirty="0" smtClean="0"/>
-              <a:t>Flexible </a:t>
-            </a:r>
-            <a:r>
-              <a:rPr lang="en-GB" dirty="0"/>
-              <a:t>usage </a:t>
-            </a:r>
-            <a:r>
-              <a:rPr lang="en-GB" dirty="0" smtClean="0"/>
-              <a:t>formatting</a:t>
-            </a:r>
-          </a:p>
-          <a:p>
-            <a:pPr lvl="1"/>
-            <a:r>
-              <a:rPr lang="en-GB" dirty="0" smtClean="0"/>
-              <a:t>Fix </a:t>
-            </a:r>
-            <a:r>
-              <a:rPr lang="en-GB" dirty="0"/>
-              <a:t>locale-related issues in usage formatter </a:t>
-            </a:r>
-            <a:r>
-              <a:rPr lang="en-GB" dirty="0" smtClean="0"/>
-              <a:t>tests</a:t>
-            </a:r>
-          </a:p>
-          <a:p>
-            <a:pPr lvl="1"/>
-            <a:r>
-              <a:rPr lang="en-GB" dirty="0"/>
-              <a:t>Java 7 </a:t>
-            </a:r>
-            <a:r>
-              <a:rPr lang="en-GB" dirty="0" smtClean="0"/>
-              <a:t>compliance</a:t>
-            </a:r>
-            <a:endParaRPr lang="en-GB" dirty="0"/>
+              <a:rPr lang="en-GB" dirty="0" smtClean="0"/>
+              <a:t>Post-processing</a:t>
+            </a:r>
+          </a:p>
+          <a:p>
+            <a:pPr lvl="2"/>
+            <a:r>
+              <a:rPr lang="en-GB" dirty="0" smtClean="0"/>
+              <a:t>Map m</a:t>
+            </a:r>
+            <a:r>
+              <a:rPr lang="en-GB" dirty="0" smtClean="0"/>
+              <a:t>ethod usages </a:t>
+            </a:r>
+            <a:r>
+              <a:rPr lang="en-GB" dirty="0" smtClean="0"/>
+              <a:t>to method </a:t>
+            </a:r>
+            <a:r>
+              <a:rPr lang="en-GB" dirty="0" smtClean="0"/>
+              <a:t>definitions</a:t>
+            </a:r>
+            <a:endParaRPr lang="en-GB" dirty="0" smtClean="0"/>
+          </a:p>
+          <a:p>
+            <a:pPr lvl="2"/>
+            <a:r>
+              <a:rPr lang="en-GB" dirty="0" smtClean="0"/>
+              <a:t>Type hierarchy generation</a:t>
+            </a:r>
+          </a:p>
+          <a:p>
+            <a:pPr lvl="2"/>
+            <a:r>
+              <a:rPr lang="en-GB" dirty="0" smtClean="0"/>
+              <a:t>Qualified name resolving</a:t>
+            </a:r>
+          </a:p>
+          <a:p>
+            <a:pPr lvl="2"/>
+            <a:r>
+              <a:rPr lang="en-GB" dirty="0" smtClean="0"/>
+              <a:t>Expression type resolving</a:t>
+            </a:r>
           </a:p>
         </p:txBody>
       </p:sp>
     </p:spTree>
     <p:extLst>
       <p:ext uri="{BB962C8B-B14F-4D97-AF65-F5344CB8AC3E}">
-        <p14:creationId xmlns:p14="http://schemas.microsoft.com/office/powerpoint/2010/main" val="1661368123"/>
+        <p14:creationId xmlns:p14="http://schemas.microsoft.com/office/powerpoint/2010/main" val="2479752326"/>
       </p:ext>
     </p:extLst>
   </p:cSld>
@@ -6303,7 +6466,233 @@
           <a:p>
             <a:r>
               <a:rPr lang="en-GB" dirty="0" smtClean="0"/>
-              <a:t>Citations</a:t>
+              <a:t>Achievements – Selected External Contributions</a:t>
+            </a:r>
+            <a:endParaRPr lang="en-GB" dirty="0"/>
+          </a:p>
+        </p:txBody>
+      </p:sp>
+      <p:sp>
+        <p:nvSpPr>
+          <p:cNvPr id="3" name="Content Placeholder 2"/>
+          <p:cNvSpPr>
+            <a:spLocks noGrp="1"/>
+          </p:cNvSpPr>
+          <p:nvPr>
+            <p:ph idx="1"/>
+          </p:nvPr>
+        </p:nvSpPr>
+        <p:spPr/>
+        <p:txBody>
+          <a:bodyPr>
+            <a:normAutofit/>
+          </a:bodyPr>
+          <a:lstStyle/>
+          <a:p>
+            <a:r>
+              <a:rPr lang="en-GB" dirty="0" err="1"/>
+              <a:t>antlr</a:t>
+            </a:r>
+            <a:r>
+              <a:rPr lang="en-GB" dirty="0"/>
+              <a:t>/grammars-v4 (</a:t>
+            </a:r>
+            <a:r>
+              <a:rPr lang="en-GB" dirty="0">
+                <a:hlinkClick r:id="rId2"/>
+              </a:rPr>
+              <a:t>https://github.com/antlr/grammars-v4</a:t>
+            </a:r>
+            <a:r>
+              <a:rPr lang="en-GB" dirty="0" smtClean="0">
+                <a:hlinkClick r:id="rId2"/>
+              </a:rPr>
+              <a:t>/</a:t>
+            </a:r>
+            <a:r>
+              <a:rPr lang="en-GB" dirty="0" smtClean="0"/>
+              <a:t>): 2,500</a:t>
+            </a:r>
+            <a:r>
+              <a:rPr lang="en-GB" smtClean="0"/>
+              <a:t>+ stars</a:t>
+            </a:r>
+            <a:endParaRPr lang="en-GB" dirty="0" smtClean="0"/>
+          </a:p>
+          <a:p>
+            <a:pPr lvl="1"/>
+            <a:r>
+              <a:rPr lang="en-GB" dirty="0"/>
+              <a:t>Disallow local </a:t>
+            </a:r>
+            <a:r>
+              <a:rPr lang="en-GB" dirty="0" err="1"/>
+              <a:t>enums</a:t>
+            </a:r>
+            <a:r>
+              <a:rPr lang="en-GB" dirty="0"/>
+              <a:t>/annotations in Java8PT </a:t>
+            </a:r>
+            <a:r>
+              <a:rPr lang="en-GB" dirty="0" smtClean="0"/>
+              <a:t>grammar</a:t>
+            </a:r>
+          </a:p>
+          <a:p>
+            <a:pPr lvl="1"/>
+            <a:r>
+              <a:rPr lang="en-GB" dirty="0"/>
+              <a:t>Allow method reference leading with `this` in Java8PT grammar + minor </a:t>
+            </a:r>
+            <a:r>
+              <a:rPr lang="en-GB" dirty="0" smtClean="0"/>
+              <a:t>reformatting</a:t>
+            </a:r>
+          </a:p>
+          <a:p>
+            <a:pPr lvl="1"/>
+            <a:r>
+              <a:rPr lang="en-GB" dirty="0"/>
+              <a:t>Improve Java8PT </a:t>
+            </a:r>
+            <a:r>
+              <a:rPr lang="en-GB" dirty="0" err="1"/>
+              <a:t>methodReference</a:t>
+            </a:r>
+            <a:r>
+              <a:rPr lang="en-GB" dirty="0"/>
+              <a:t> </a:t>
+            </a:r>
+            <a:r>
+              <a:rPr lang="en-GB" dirty="0" smtClean="0"/>
+              <a:t>rule</a:t>
+            </a:r>
+          </a:p>
+          <a:p>
+            <a:r>
+              <a:rPr lang="en-GB" dirty="0" err="1" smtClean="0"/>
+              <a:t>JCommander</a:t>
+            </a:r>
+            <a:r>
+              <a:rPr lang="en-GB" dirty="0" smtClean="0"/>
+              <a:t> </a:t>
+            </a:r>
+            <a:r>
+              <a:rPr lang="en-GB" dirty="0"/>
+              <a:t>(</a:t>
+            </a:r>
+            <a:r>
+              <a:rPr lang="en-GB" dirty="0">
+                <a:hlinkClick r:id="rId3"/>
+              </a:rPr>
+              <a:t>https://</a:t>
+            </a:r>
+            <a:r>
+              <a:rPr lang="en-GB" dirty="0" smtClean="0">
+                <a:hlinkClick r:id="rId3"/>
+              </a:rPr>
+              <a:t>github.com/cbeust/jcommander</a:t>
+            </a:r>
+            <a:r>
+              <a:rPr lang="en-GB" dirty="0" smtClean="0">
+                <a:hlinkClick r:id="rId3"/>
+              </a:rPr>
+              <a:t>/</a:t>
+            </a:r>
+            <a:r>
+              <a:rPr lang="en-GB" dirty="0" smtClean="0"/>
+              <a:t>): 1,000+ stars</a:t>
+            </a:r>
+            <a:endParaRPr lang="en-GB" dirty="0" smtClean="0"/>
+          </a:p>
+          <a:p>
+            <a:pPr lvl="1"/>
+            <a:r>
+              <a:rPr lang="en-GB" dirty="0" smtClean="0"/>
+              <a:t>Flexible </a:t>
+            </a:r>
+            <a:r>
+              <a:rPr lang="en-GB" dirty="0"/>
+              <a:t>usage </a:t>
+            </a:r>
+            <a:r>
+              <a:rPr lang="en-GB" dirty="0" smtClean="0"/>
+              <a:t>formatting</a:t>
+            </a:r>
+          </a:p>
+          <a:p>
+            <a:pPr lvl="1"/>
+            <a:r>
+              <a:rPr lang="en-GB" dirty="0" smtClean="0"/>
+              <a:t>Fix </a:t>
+            </a:r>
+            <a:r>
+              <a:rPr lang="en-GB" dirty="0"/>
+              <a:t>locale-related issues in usage formatter </a:t>
+            </a:r>
+            <a:r>
+              <a:rPr lang="en-GB" dirty="0" smtClean="0"/>
+              <a:t>tests</a:t>
+            </a:r>
+            <a:endParaRPr lang="en-GB" dirty="0" smtClean="0"/>
+          </a:p>
+        </p:txBody>
+      </p:sp>
+    </p:spTree>
+    <p:extLst>
+      <p:ext uri="{BB962C8B-B14F-4D97-AF65-F5344CB8AC3E}">
+        <p14:creationId xmlns:p14="http://schemas.microsoft.com/office/powerpoint/2010/main" val="1661368123"/>
+      </p:ext>
+    </p:extLst>
+  </p:cSld>
+  <p:clrMapOvr>
+    <a:masterClrMapping/>
+  </p:clrMapOvr>
+  <p:timing>
+    <p:tnLst>
+      <p:par>
+        <p:cTn id="1" dur="indefinite" restart="never" nodeType="tmRoot"/>
+      </p:par>
+    </p:tnLst>
+  </p:timing>
+</p:sld>
+</file>
+
+<file path=ppt/slides/slide9.xml><?xml version="1.0" encoding="utf-8"?>
+<p:sld xmlns:a="http://schemas.openxmlformats.org/drawingml/2006/main" xmlns:r="http://schemas.openxmlformats.org/officeDocument/2006/relationships" xmlns:p="http://schemas.openxmlformats.org/presentationml/2006/main">
+  <p:cSld>
+    <p:spTree>
+      <p:nvGrpSpPr>
+        <p:cNvPr id="1" name=""/>
+        <p:cNvGrpSpPr/>
+        <p:nvPr/>
+      </p:nvGrpSpPr>
+      <p:grpSpPr>
+        <a:xfrm>
+          <a:off x="0" y="0"/>
+          <a:ext cx="0" cy="0"/>
+          <a:chOff x="0" y="0"/>
+          <a:chExt cx="0" cy="0"/>
+        </a:xfrm>
+      </p:grpSpPr>
+      <p:sp>
+        <p:nvSpPr>
+          <p:cNvPr id="2" name="Title 1"/>
+          <p:cNvSpPr>
+            <a:spLocks noGrp="1"/>
+          </p:cNvSpPr>
+          <p:nvPr>
+            <p:ph type="title"/>
+          </p:nvPr>
+        </p:nvSpPr>
+        <p:spPr/>
+        <p:txBody>
+          <a:bodyPr/>
+          <a:lstStyle/>
+          <a:p>
+            <a:r>
+              <a:rPr lang="en-GB" dirty="0" smtClean="0"/>
+              <a:t>References</a:t>
             </a:r>
             <a:endParaRPr lang="en-GB" dirty="0"/>
           </a:p>
@@ -6340,23 +6729,56 @@
           <a:p>
             <a:r>
               <a:rPr lang="en-GB" dirty="0" smtClean="0"/>
-              <a:t>Popularity of Version Control Software: https</a:t>
+              <a:t>Popularity of Version Control Software: </a:t>
+            </a:r>
+            <a:r>
+              <a:rPr lang="en-GB" dirty="0" smtClean="0">
+                <a:hlinkClick r:id="rId2"/>
+              </a:rPr>
+              <a:t>https</a:t>
+            </a:r>
+            <a:r>
+              <a:rPr lang="en-GB" dirty="0">
+                <a:hlinkClick r:id="rId2"/>
+              </a:rPr>
+              <a:t>://</a:t>
+            </a:r>
+            <a:r>
+              <a:rPr lang="en-GB" dirty="0" smtClean="0">
+                <a:hlinkClick r:id="rId2"/>
+              </a:rPr>
+              <a:t>rhodecode.com/insights/version-control-systems-2016</a:t>
+            </a:r>
+            <a:endParaRPr lang="en-GB" dirty="0"/>
+          </a:p>
+          <a:p>
+            <a:r>
+              <a:rPr lang="en-GB" dirty="0" smtClean="0"/>
+              <a:t>Standard </a:t>
             </a:r>
             <a:r>
               <a:rPr lang="en-GB" dirty="0"/>
-              <a:t>://</a:t>
-            </a:r>
-            <a:r>
-              <a:rPr lang="en-GB" dirty="0" smtClean="0"/>
-              <a:t>rhodecode.com/insights/version-control-systems-2016</a:t>
-            </a:r>
-          </a:p>
-          <a:p>
-            <a:r>
-              <a:rPr lang="en-GB" dirty="0" smtClean="0"/>
-              <a:t>….</a:t>
-            </a:r>
-            <a:endParaRPr lang="en-GB" dirty="0"/>
+              <a:t>output stream: </a:t>
+            </a:r>
+            <a:r>
+              <a:rPr lang="en-GB" dirty="0">
+                <a:hlinkClick r:id="rId3"/>
+              </a:rPr>
+              <a:t>https://</a:t>
+            </a:r>
+            <a:r>
+              <a:rPr lang="en-GB" dirty="0" smtClean="0">
+                <a:hlinkClick r:id="rId3"/>
+              </a:rPr>
+              <a:t>docs.oracle.com/javase/7/docs/api/java/lang/System.html</a:t>
+            </a:r>
+            <a:endParaRPr lang="en-GB" dirty="0" smtClean="0"/>
+          </a:p>
+          <a:p>
+            <a:r>
+              <a:rPr lang="en-GB" dirty="0" smtClean="0"/>
+              <a:t>..</a:t>
+            </a:r>
           </a:p>
         </p:txBody>
       </p:sp>

--- a/design-docs/Viva.pptx
+++ b/design-docs/Viva.pptx
@@ -4,16 +4,24 @@
   <p:sldMasterIdLst>
     <p:sldMasterId id="2147483798" r:id="rId1"/>
   </p:sldMasterIdLst>
+  <p:notesMasterIdLst>
+    <p:notesMasterId r:id="rId16"/>
+  </p:notesMasterIdLst>
   <p:sldIdLst>
     <p:sldId id="256" r:id="rId2"/>
-    <p:sldId id="262" r:id="rId3"/>
-    <p:sldId id="257" r:id="rId4"/>
-    <p:sldId id="258" r:id="rId5"/>
-    <p:sldId id="265" r:id="rId6"/>
-    <p:sldId id="259" r:id="rId7"/>
-    <p:sldId id="260" r:id="rId8"/>
-    <p:sldId id="264" r:id="rId9"/>
-    <p:sldId id="261" r:id="rId10"/>
+    <p:sldId id="273" r:id="rId3"/>
+    <p:sldId id="262" r:id="rId4"/>
+    <p:sldId id="266" r:id="rId5"/>
+    <p:sldId id="269" r:id="rId6"/>
+    <p:sldId id="276" r:id="rId7"/>
+    <p:sldId id="258" r:id="rId8"/>
+    <p:sldId id="272" r:id="rId9"/>
+    <p:sldId id="260" r:id="rId10"/>
+    <p:sldId id="270" r:id="rId11"/>
+    <p:sldId id="274" r:id="rId12"/>
+    <p:sldId id="268" r:id="rId13"/>
+    <p:sldId id="271" r:id="rId14"/>
+    <p:sldId id="261" r:id="rId15"/>
   </p:sldIdLst>
   <p:sldSz cx="12192000" cy="6858000"/>
   <p:notesSz cx="6858000" cy="9144000"/>
@@ -120,6 +128,444 @@
 </p:presentation>
 </file>
 
+<file path=ppt/notesMasters/notesMaster1.xml><?xml version="1.0" encoding="utf-8"?>
+<p:notesMaster xmlns:a="http://schemas.openxmlformats.org/drawingml/2006/main" xmlns:r="http://schemas.openxmlformats.org/officeDocument/2006/relationships" xmlns:p="http://schemas.openxmlformats.org/presentationml/2006/main">
+  <p:cSld>
+    <p:bg>
+      <p:bgRef idx="1001">
+        <a:schemeClr val="bg1"/>
+      </p:bgRef>
+    </p:bg>
+    <p:spTree>
+      <p:nvGrpSpPr>
+        <p:cNvPr id="1" name=""/>
+        <p:cNvGrpSpPr/>
+        <p:nvPr/>
+      </p:nvGrpSpPr>
+      <p:grpSpPr>
+        <a:xfrm>
+          <a:off x="0" y="0"/>
+          <a:ext cx="0" cy="0"/>
+          <a:chOff x="0" y="0"/>
+          <a:chExt cx="0" cy="0"/>
+        </a:xfrm>
+      </p:grpSpPr>
+      <p:sp>
+        <p:nvSpPr>
+          <p:cNvPr id="2" name="Header Placeholder 1"/>
+          <p:cNvSpPr>
+            <a:spLocks noGrp="1"/>
+          </p:cNvSpPr>
+          <p:nvPr>
+            <p:ph type="hdr" sz="quarter"/>
+          </p:nvPr>
+        </p:nvSpPr>
+        <p:spPr>
+          <a:xfrm>
+            <a:off x="0" y="0"/>
+            <a:ext cx="2971800" cy="458788"/>
+          </a:xfrm>
+          <a:prstGeom prst="rect">
+            <a:avLst/>
+          </a:prstGeom>
+        </p:spPr>
+        <p:txBody>
+          <a:bodyPr vert="horz" lIns="91440" tIns="45720" rIns="91440" bIns="45720" rtlCol="0"/>
+          <a:lstStyle>
+            <a:lvl1pPr algn="l">
+              <a:defRPr sz="1200"/>
+            </a:lvl1pPr>
+          </a:lstStyle>
+          <a:p>
+            <a:endParaRPr lang="en-GB"/>
+          </a:p>
+        </p:txBody>
+      </p:sp>
+      <p:sp>
+        <p:nvSpPr>
+          <p:cNvPr id="3" name="Date Placeholder 2"/>
+          <p:cNvSpPr>
+            <a:spLocks noGrp="1"/>
+          </p:cNvSpPr>
+          <p:nvPr>
+            <p:ph type="dt" idx="1"/>
+          </p:nvPr>
+        </p:nvSpPr>
+        <p:spPr>
+          <a:xfrm>
+            <a:off x="3884613" y="0"/>
+            <a:ext cx="2971800" cy="458788"/>
+          </a:xfrm>
+          <a:prstGeom prst="rect">
+            <a:avLst/>
+          </a:prstGeom>
+        </p:spPr>
+        <p:txBody>
+          <a:bodyPr vert="horz" lIns="91440" tIns="45720" rIns="91440" bIns="45720" rtlCol="0"/>
+          <a:lstStyle>
+            <a:lvl1pPr algn="r">
+              <a:defRPr sz="1200"/>
+            </a:lvl1pPr>
+          </a:lstStyle>
+          <a:p>
+            <a:fld id="{C5FBD2BB-C938-4B2F-AEFC-A8470FAAE4D4}" type="datetimeFigureOut">
+              <a:rPr lang="en-GB" smtClean="0"/>
+              <a:t>01/05/2018</a:t>
+            </a:fld>
+            <a:endParaRPr lang="en-GB"/>
+          </a:p>
+        </p:txBody>
+      </p:sp>
+      <p:sp>
+        <p:nvSpPr>
+          <p:cNvPr id="4" name="Slide Image Placeholder 3"/>
+          <p:cNvSpPr>
+            <a:spLocks noGrp="1" noRot="1" noChangeAspect="1"/>
+          </p:cNvSpPr>
+          <p:nvPr>
+            <p:ph type="sldImg" idx="2"/>
+          </p:nvPr>
+        </p:nvSpPr>
+        <p:spPr>
+          <a:xfrm>
+            <a:off x="685800" y="1143000"/>
+            <a:ext cx="5486400" cy="3086100"/>
+          </a:xfrm>
+          <a:prstGeom prst="rect">
+            <a:avLst/>
+          </a:prstGeom>
+          <a:noFill/>
+          <a:ln w="12700">
+            <a:solidFill>
+              <a:prstClr val="black"/>
+            </a:solidFill>
+          </a:ln>
+        </p:spPr>
+        <p:txBody>
+          <a:bodyPr vert="horz" lIns="91440" tIns="45720" rIns="91440" bIns="45720" rtlCol="0" anchor="ctr"/>
+          <a:lstStyle/>
+          <a:p>
+            <a:endParaRPr lang="en-GB"/>
+          </a:p>
+        </p:txBody>
+      </p:sp>
+      <p:sp>
+        <p:nvSpPr>
+          <p:cNvPr id="5" name="Notes Placeholder 4"/>
+          <p:cNvSpPr>
+            <a:spLocks noGrp="1"/>
+          </p:cNvSpPr>
+          <p:nvPr>
+            <p:ph type="body" sz="quarter" idx="3"/>
+          </p:nvPr>
+        </p:nvSpPr>
+        <p:spPr>
+          <a:xfrm>
+            <a:off x="685800" y="4400550"/>
+            <a:ext cx="5486400" cy="3600450"/>
+          </a:xfrm>
+          <a:prstGeom prst="rect">
+            <a:avLst/>
+          </a:prstGeom>
+        </p:spPr>
+        <p:txBody>
+          <a:bodyPr vert="horz" lIns="91440" tIns="45720" rIns="91440" bIns="45720" rtlCol="0"/>
+          <a:lstStyle/>
+          <a:p>
+            <a:pPr lvl="0"/>
+            <a:r>
+              <a:rPr lang="en-US" smtClean="0"/>
+              <a:t>Edit Master text styles</a:t>
+            </a:r>
+          </a:p>
+          <a:p>
+            <a:pPr lvl="1"/>
+            <a:r>
+              <a:rPr lang="en-US" smtClean="0"/>
+              <a:t>Second level</a:t>
+            </a:r>
+          </a:p>
+          <a:p>
+            <a:pPr lvl="2"/>
+            <a:r>
+              <a:rPr lang="en-US" smtClean="0"/>
+              <a:t>Third level</a:t>
+            </a:r>
+          </a:p>
+          <a:p>
+            <a:pPr lvl="3"/>
+            <a:r>
+              <a:rPr lang="en-US" smtClean="0"/>
+              <a:t>Fourth level</a:t>
+            </a:r>
+          </a:p>
+          <a:p>
+            <a:pPr lvl="4"/>
+            <a:r>
+              <a:rPr lang="en-US" smtClean="0"/>
+              <a:t>Fifth level</a:t>
+            </a:r>
+            <a:endParaRPr lang="en-GB"/>
+          </a:p>
+        </p:txBody>
+      </p:sp>
+      <p:sp>
+        <p:nvSpPr>
+          <p:cNvPr id="6" name="Footer Placeholder 5"/>
+          <p:cNvSpPr>
+            <a:spLocks noGrp="1"/>
+          </p:cNvSpPr>
+          <p:nvPr>
+            <p:ph type="ftr" sz="quarter" idx="4"/>
+          </p:nvPr>
+        </p:nvSpPr>
+        <p:spPr>
+          <a:xfrm>
+            <a:off x="0" y="8685213"/>
+            <a:ext cx="2971800" cy="458787"/>
+          </a:xfrm>
+          <a:prstGeom prst="rect">
+            <a:avLst/>
+          </a:prstGeom>
+        </p:spPr>
+        <p:txBody>
+          <a:bodyPr vert="horz" lIns="91440" tIns="45720" rIns="91440" bIns="45720" rtlCol="0" anchor="b"/>
+          <a:lstStyle>
+            <a:lvl1pPr algn="l">
+              <a:defRPr sz="1200"/>
+            </a:lvl1pPr>
+          </a:lstStyle>
+          <a:p>
+            <a:endParaRPr lang="en-GB"/>
+          </a:p>
+        </p:txBody>
+      </p:sp>
+      <p:sp>
+        <p:nvSpPr>
+          <p:cNvPr id="7" name="Slide Number Placeholder 6"/>
+          <p:cNvSpPr>
+            <a:spLocks noGrp="1"/>
+          </p:cNvSpPr>
+          <p:nvPr>
+            <p:ph type="sldNum" sz="quarter" idx="5"/>
+          </p:nvPr>
+        </p:nvSpPr>
+        <p:spPr>
+          <a:xfrm>
+            <a:off x="3884613" y="8685213"/>
+            <a:ext cx="2971800" cy="458787"/>
+          </a:xfrm>
+          <a:prstGeom prst="rect">
+            <a:avLst/>
+          </a:prstGeom>
+        </p:spPr>
+        <p:txBody>
+          <a:bodyPr vert="horz" lIns="91440" tIns="45720" rIns="91440" bIns="45720" rtlCol="0" anchor="b"/>
+          <a:lstStyle>
+            <a:lvl1pPr algn="r">
+              <a:defRPr sz="1200"/>
+            </a:lvl1pPr>
+          </a:lstStyle>
+          <a:p>
+            <a:fld id="{530D555F-DE26-4ACE-BBA8-15DDA513136B}" type="slidenum">
+              <a:rPr lang="en-GB" smtClean="0"/>
+              <a:t>‹#›</a:t>
+            </a:fld>
+            <a:endParaRPr lang="en-GB"/>
+          </a:p>
+        </p:txBody>
+      </p:sp>
+    </p:spTree>
+    <p:extLst>
+      <p:ext uri="{BB962C8B-B14F-4D97-AF65-F5344CB8AC3E}">
+        <p14:creationId xmlns:p14="http://schemas.microsoft.com/office/powerpoint/2010/main" val="317222503"/>
+      </p:ext>
+    </p:extLst>
+  </p:cSld>
+  <p:clrMap bg1="lt1" tx1="dk1" bg2="lt2" tx2="dk2" accent1="accent1" accent2="accent2" accent3="accent3" accent4="accent4" accent5="accent5" accent6="accent6" hlink="hlink" folHlink="folHlink"/>
+  <p:notesStyle>
+    <a:lvl1pPr marL="0" algn="l" defTabSz="914400" rtl="0" eaLnBrk="1" latinLnBrk="0" hangingPunct="1">
+      <a:defRPr sz="1200" kern="1200">
+        <a:solidFill>
+          <a:schemeClr val="tx1"/>
+        </a:solidFill>
+        <a:latin typeface="+mn-lt"/>
+        <a:ea typeface="+mn-ea"/>
+        <a:cs typeface="+mn-cs"/>
+      </a:defRPr>
+    </a:lvl1pPr>
+    <a:lvl2pPr marL="457200" algn="l" defTabSz="914400" rtl="0" eaLnBrk="1" latinLnBrk="0" hangingPunct="1">
+      <a:defRPr sz="1200" kern="1200">
+        <a:solidFill>
+          <a:schemeClr val="tx1"/>
+        </a:solidFill>
+        <a:latin typeface="+mn-lt"/>
+        <a:ea typeface="+mn-ea"/>
+        <a:cs typeface="+mn-cs"/>
+      </a:defRPr>
+    </a:lvl2pPr>
+    <a:lvl3pPr marL="914400" algn="l" defTabSz="914400" rtl="0" eaLnBrk="1" latinLnBrk="0" hangingPunct="1">
+      <a:defRPr sz="1200" kern="1200">
+        <a:solidFill>
+          <a:schemeClr val="tx1"/>
+        </a:solidFill>
+        <a:latin typeface="+mn-lt"/>
+        <a:ea typeface="+mn-ea"/>
+        <a:cs typeface="+mn-cs"/>
+      </a:defRPr>
+    </a:lvl3pPr>
+    <a:lvl4pPr marL="1371600" algn="l" defTabSz="914400" rtl="0" eaLnBrk="1" latinLnBrk="0" hangingPunct="1">
+      <a:defRPr sz="1200" kern="1200">
+        <a:solidFill>
+          <a:schemeClr val="tx1"/>
+        </a:solidFill>
+        <a:latin typeface="+mn-lt"/>
+        <a:ea typeface="+mn-ea"/>
+        <a:cs typeface="+mn-cs"/>
+      </a:defRPr>
+    </a:lvl4pPr>
+    <a:lvl5pPr marL="1828800" algn="l" defTabSz="914400" rtl="0" eaLnBrk="1" latinLnBrk="0" hangingPunct="1">
+      <a:defRPr sz="1200" kern="1200">
+        <a:solidFill>
+          <a:schemeClr val="tx1"/>
+        </a:solidFill>
+        <a:latin typeface="+mn-lt"/>
+        <a:ea typeface="+mn-ea"/>
+        <a:cs typeface="+mn-cs"/>
+      </a:defRPr>
+    </a:lvl5pPr>
+    <a:lvl6pPr marL="2286000" algn="l" defTabSz="914400" rtl="0" eaLnBrk="1" latinLnBrk="0" hangingPunct="1">
+      <a:defRPr sz="1200" kern="1200">
+        <a:solidFill>
+          <a:schemeClr val="tx1"/>
+        </a:solidFill>
+        <a:latin typeface="+mn-lt"/>
+        <a:ea typeface="+mn-ea"/>
+        <a:cs typeface="+mn-cs"/>
+      </a:defRPr>
+    </a:lvl6pPr>
+    <a:lvl7pPr marL="2743200" algn="l" defTabSz="914400" rtl="0" eaLnBrk="1" latinLnBrk="0" hangingPunct="1">
+      <a:defRPr sz="1200" kern="1200">
+        <a:solidFill>
+          <a:schemeClr val="tx1"/>
+        </a:solidFill>
+        <a:latin typeface="+mn-lt"/>
+        <a:ea typeface="+mn-ea"/>
+        <a:cs typeface="+mn-cs"/>
+      </a:defRPr>
+    </a:lvl7pPr>
+    <a:lvl8pPr marL="3200400" algn="l" defTabSz="914400" rtl="0" eaLnBrk="1" latinLnBrk="0" hangingPunct="1">
+      <a:defRPr sz="1200" kern="1200">
+        <a:solidFill>
+          <a:schemeClr val="tx1"/>
+        </a:solidFill>
+        <a:latin typeface="+mn-lt"/>
+        <a:ea typeface="+mn-ea"/>
+        <a:cs typeface="+mn-cs"/>
+      </a:defRPr>
+    </a:lvl8pPr>
+    <a:lvl9pPr marL="3657600" algn="l" defTabSz="914400" rtl="0" eaLnBrk="1" latinLnBrk="0" hangingPunct="1">
+      <a:defRPr sz="1200" kern="1200">
+        <a:solidFill>
+          <a:schemeClr val="tx1"/>
+        </a:solidFill>
+        <a:latin typeface="+mn-lt"/>
+        <a:ea typeface="+mn-ea"/>
+        <a:cs typeface="+mn-cs"/>
+      </a:defRPr>
+    </a:lvl9pPr>
+  </p:notesStyle>
+</p:notesMaster>
+</file>
+
+<file path=ppt/notesSlides/notesSlide1.xml><?xml version="1.0" encoding="utf-8"?>
+<p:notes xmlns:a="http://schemas.openxmlformats.org/drawingml/2006/main" xmlns:r="http://schemas.openxmlformats.org/officeDocument/2006/relationships" xmlns:p="http://schemas.openxmlformats.org/presentationml/2006/main">
+  <p:cSld>
+    <p:spTree>
+      <p:nvGrpSpPr>
+        <p:cNvPr id="1" name=""/>
+        <p:cNvGrpSpPr/>
+        <p:nvPr/>
+      </p:nvGrpSpPr>
+      <p:grpSpPr>
+        <a:xfrm>
+          <a:off x="0" y="0"/>
+          <a:ext cx="0" cy="0"/>
+          <a:chOff x="0" y="0"/>
+          <a:chExt cx="0" cy="0"/>
+        </a:xfrm>
+      </p:grpSpPr>
+      <p:sp>
+        <p:nvSpPr>
+          <p:cNvPr id="2" name="Slide Image Placeholder 1"/>
+          <p:cNvSpPr>
+            <a:spLocks noGrp="1" noRot="1" noChangeAspect="1"/>
+          </p:cNvSpPr>
+          <p:nvPr>
+            <p:ph type="sldImg"/>
+          </p:nvPr>
+        </p:nvSpPr>
+        <p:spPr/>
+      </p:sp>
+      <p:sp>
+        <p:nvSpPr>
+          <p:cNvPr id="3" name="Notes Placeholder 2"/>
+          <p:cNvSpPr>
+            <a:spLocks noGrp="1"/>
+          </p:cNvSpPr>
+          <p:nvPr>
+            <p:ph type="body" idx="1"/>
+          </p:nvPr>
+        </p:nvSpPr>
+        <p:spPr/>
+        <p:txBody>
+          <a:bodyPr/>
+          <a:lstStyle/>
+          <a:p>
+            <a:r>
+              <a:rPr lang="en-GB" dirty="0" smtClean="0"/>
+              <a:t>* This is not mentioned in the report because it was not known at the time.</a:t>
+            </a:r>
+            <a:endParaRPr lang="en-GB" dirty="0"/>
+          </a:p>
+        </p:txBody>
+      </p:sp>
+      <p:sp>
+        <p:nvSpPr>
+          <p:cNvPr id="4" name="Slide Number Placeholder 3"/>
+          <p:cNvSpPr>
+            <a:spLocks noGrp="1"/>
+          </p:cNvSpPr>
+          <p:nvPr>
+            <p:ph type="sldNum" sz="quarter" idx="10"/>
+          </p:nvPr>
+        </p:nvSpPr>
+        <p:spPr/>
+        <p:txBody>
+          <a:bodyPr/>
+          <a:lstStyle/>
+          <a:p>
+            <a:fld id="{530D555F-DE26-4ACE-BBA8-15DDA513136B}" type="slidenum">
+              <a:rPr lang="en-GB" smtClean="0"/>
+              <a:t>12</a:t>
+            </a:fld>
+            <a:endParaRPr lang="en-GB"/>
+          </a:p>
+        </p:txBody>
+      </p:sp>
+    </p:spTree>
+    <p:extLst>
+      <p:ext uri="{BB962C8B-B14F-4D97-AF65-F5344CB8AC3E}">
+        <p14:creationId xmlns:p14="http://schemas.microsoft.com/office/powerpoint/2010/main" val="1672456348"/>
+      </p:ext>
+    </p:extLst>
+  </p:cSld>
+  <p:clrMapOvr>
+    <a:masterClrMapping/>
+  </p:clrMapOvr>
+</p:notes>
+</file>
+
 <file path=ppt/slideLayouts/slideLayout1.xml><?xml version="1.0" encoding="utf-8"?>
 <p:sldLayout xmlns:a="http://schemas.openxmlformats.org/drawingml/2006/main" xmlns:r="http://schemas.openxmlformats.org/officeDocument/2006/relationships" xmlns:p="http://schemas.openxmlformats.org/presentationml/2006/main" type="title" preserve="1">
   <p:cSld name="Title Slide">
@@ -407,7 +853,7 @@
           <a:p>
             <a:fld id="{8743BC9A-4EBD-418F-9131-3AD27218D0EC}" type="datetimeFigureOut">
               <a:rPr lang="en-GB" smtClean="0"/>
-              <a:t>16/04/2018</a:t>
+              <a:t>01/05/2018</a:t>
             </a:fld>
             <a:endParaRPr lang="en-GB"/>
           </a:p>
@@ -730,7 +1176,7 @@
           <a:p>
             <a:fld id="{8743BC9A-4EBD-418F-9131-3AD27218D0EC}" type="datetimeFigureOut">
               <a:rPr lang="en-GB" smtClean="0"/>
-              <a:t>16/04/2018</a:t>
+              <a:t>01/05/2018</a:t>
             </a:fld>
             <a:endParaRPr lang="en-GB"/>
           </a:p>
@@ -1218,7 +1664,7 @@
           <a:p>
             <a:fld id="{8743BC9A-4EBD-418F-9131-3AD27218D0EC}" type="datetimeFigureOut">
               <a:rPr lang="en-GB" smtClean="0"/>
-              <a:t>16/04/2018</a:t>
+              <a:t>01/05/2018</a:t>
             </a:fld>
             <a:endParaRPr lang="en-GB"/>
           </a:p>
@@ -1587,7 +2033,7 @@
           <a:p>
             <a:fld id="{8743BC9A-4EBD-418F-9131-3AD27218D0EC}" type="datetimeFigureOut">
               <a:rPr lang="en-GB" smtClean="0"/>
-              <a:t>16/04/2018</a:t>
+              <a:t>01/05/2018</a:t>
             </a:fld>
             <a:endParaRPr lang="en-GB"/>
           </a:p>
@@ -1860,7 +2306,7 @@
           <a:p>
             <a:fld id="{8743BC9A-4EBD-418F-9131-3AD27218D0EC}" type="datetimeFigureOut">
               <a:rPr lang="en-GB" smtClean="0"/>
-              <a:t>16/04/2018</a:t>
+              <a:t>01/05/2018</a:t>
             </a:fld>
             <a:endParaRPr lang="en-GB"/>
           </a:p>
@@ -2145,7 +2591,7 @@
           <a:p>
             <a:fld id="{8743BC9A-4EBD-418F-9131-3AD27218D0EC}" type="datetimeFigureOut">
               <a:rPr lang="en-GB" smtClean="0"/>
-              <a:t>16/04/2018</a:t>
+              <a:t>01/05/2018</a:t>
             </a:fld>
             <a:endParaRPr lang="en-GB"/>
           </a:p>
@@ -2433,7 +2879,7 @@
           <a:p>
             <a:fld id="{8743BC9A-4EBD-418F-9131-3AD27218D0EC}" type="datetimeFigureOut">
               <a:rPr lang="en-GB" smtClean="0"/>
-              <a:t>16/04/2018</a:t>
+              <a:t>01/05/2018</a:t>
             </a:fld>
             <a:endParaRPr lang="en-GB"/>
           </a:p>
@@ -2776,7 +3222,7 @@
           <a:p>
             <a:fld id="{8743BC9A-4EBD-418F-9131-3AD27218D0EC}" type="datetimeFigureOut">
               <a:rPr lang="en-GB" smtClean="0"/>
-              <a:t>16/04/2018</a:t>
+              <a:t>01/05/2018</a:t>
             </a:fld>
             <a:endParaRPr lang="en-GB"/>
           </a:p>
@@ -3120,7 +3566,7 @@
           <a:p>
             <a:fld id="{8743BC9A-4EBD-418F-9131-3AD27218D0EC}" type="datetimeFigureOut">
               <a:rPr lang="en-GB" smtClean="0"/>
-              <a:t>16/04/2018</a:t>
+              <a:t>01/05/2018</a:t>
             </a:fld>
             <a:endParaRPr lang="en-GB"/>
           </a:p>
@@ -3597,7 +4043,7 @@
           <a:p>
             <a:fld id="{8743BC9A-4EBD-418F-9131-3AD27218D0EC}" type="datetimeFigureOut">
               <a:rPr lang="en-GB" smtClean="0"/>
-              <a:t>16/04/2018</a:t>
+              <a:t>01/05/2018</a:t>
             </a:fld>
             <a:endParaRPr lang="en-GB"/>
           </a:p>
@@ -3818,7 +4264,7 @@
           <a:p>
             <a:fld id="{8743BC9A-4EBD-418F-9131-3AD27218D0EC}" type="datetimeFigureOut">
               <a:rPr lang="en-GB" smtClean="0"/>
-              <a:t>16/04/2018</a:t>
+              <a:t>01/05/2018</a:t>
             </a:fld>
             <a:endParaRPr lang="en-GB"/>
           </a:p>
@@ -3913,7 +4359,7 @@
           <a:p>
             <a:fld id="{8743BC9A-4EBD-418F-9131-3AD27218D0EC}" type="datetimeFigureOut">
               <a:rPr lang="en-GB" smtClean="0"/>
-              <a:t>16/04/2018</a:t>
+              <a:t>01/05/2018</a:t>
             </a:fld>
             <a:endParaRPr lang="en-GB"/>
           </a:p>
@@ -4380,7 +4826,7 @@
           <a:p>
             <a:fld id="{8743BC9A-4EBD-418F-9131-3AD27218D0EC}" type="datetimeFigureOut">
               <a:rPr lang="en-GB" smtClean="0"/>
-              <a:t>16/04/2018</a:t>
+              <a:t>01/05/2018</a:t>
             </a:fld>
             <a:endParaRPr lang="en-GB"/>
           </a:p>
@@ -4693,7 +5139,7 @@
           <a:p>
             <a:fld id="{8743BC9A-4EBD-418F-9131-3AD27218D0EC}" type="datetimeFigureOut">
               <a:rPr lang="en-GB" smtClean="0"/>
-              <a:t>16/04/2018</a:t>
+              <a:t>01/05/2018</a:t>
             </a:fld>
             <a:endParaRPr lang="en-GB"/>
           </a:p>
@@ -4963,7 +5409,7 @@
           <a:p>
             <a:fld id="{8743BC9A-4EBD-418F-9131-3AD27218D0EC}" type="datetimeFigureOut">
               <a:rPr lang="en-GB" smtClean="0"/>
-              <a:t>16/04/2018</a:t>
+              <a:t>01/05/2018</a:t>
             </a:fld>
             <a:endParaRPr lang="en-GB"/>
           </a:p>
@@ -5527,6 +5973,901 @@
 </p:sld>
 </file>
 
+<file path=ppt/slides/slide10.xml><?xml version="1.0" encoding="utf-8"?>
+<p:sld xmlns:a="http://schemas.openxmlformats.org/drawingml/2006/main" xmlns:r="http://schemas.openxmlformats.org/officeDocument/2006/relationships" xmlns:p="http://schemas.openxmlformats.org/presentationml/2006/main">
+  <p:cSld>
+    <p:spTree>
+      <p:nvGrpSpPr>
+        <p:cNvPr id="1" name=""/>
+        <p:cNvGrpSpPr/>
+        <p:nvPr/>
+      </p:nvGrpSpPr>
+      <p:grpSpPr>
+        <a:xfrm>
+          <a:off x="0" y="0"/>
+          <a:ext cx="0" cy="0"/>
+          <a:chOff x="0" y="0"/>
+          <a:chExt cx="0" cy="0"/>
+        </a:xfrm>
+      </p:grpSpPr>
+      <p:sp>
+        <p:nvSpPr>
+          <p:cNvPr id="2" name="Title 1"/>
+          <p:cNvSpPr>
+            <a:spLocks noGrp="1"/>
+          </p:cNvSpPr>
+          <p:nvPr>
+            <p:ph type="title"/>
+          </p:nvPr>
+        </p:nvSpPr>
+        <p:spPr/>
+        <p:txBody>
+          <a:bodyPr/>
+          <a:lstStyle/>
+          <a:p>
+            <a:pPr lvl="2"/>
+            <a:r>
+              <a:rPr lang="en-GB" sz="4000" b="1" dirty="0" smtClean="0">
+                <a:solidFill>
+                  <a:schemeClr val="tx1"/>
+                </a:solidFill>
+                <a:latin typeface="+mj-lt"/>
+              </a:rPr>
+              <a:t>Map method usages to method definitions</a:t>
+            </a:r>
+            <a:endParaRPr lang="en-GB" sz="4000" b="1" dirty="0">
+              <a:solidFill>
+                <a:schemeClr val="tx1"/>
+              </a:solidFill>
+              <a:latin typeface="+mj-lt"/>
+            </a:endParaRPr>
+          </a:p>
+        </p:txBody>
+      </p:sp>
+      <p:sp>
+        <p:nvSpPr>
+          <p:cNvPr id="3" name="Content Placeholder 2"/>
+          <p:cNvSpPr>
+            <a:spLocks noGrp="1"/>
+          </p:cNvSpPr>
+          <p:nvPr>
+            <p:ph idx="1"/>
+          </p:nvPr>
+        </p:nvSpPr>
+        <p:spPr/>
+        <p:txBody>
+          <a:bodyPr/>
+          <a:lstStyle/>
+          <a:p>
+            <a:r>
+              <a:rPr lang="en-GB" dirty="0" smtClean="0"/>
+              <a:t>Suppose you have the following expression, can you predict in what class the method c might be in?</a:t>
+            </a:r>
+            <a:endParaRPr lang="en-GB" dirty="0"/>
+          </a:p>
+          <a:p>
+            <a:pPr marL="0" indent="0" algn="ctr">
+              <a:buNone/>
+            </a:pPr>
+            <a:r>
+              <a:rPr lang="en-GB" dirty="0" err="1" smtClean="0">
+                <a:solidFill>
+                  <a:srgbClr val="00B0F0"/>
+                </a:solidFill>
+                <a:latin typeface="Consolas" panose="020B0609020204030204" pitchFamily="49" charset="0"/>
+              </a:rPr>
+              <a:t>super</a:t>
+            </a:r>
+            <a:r>
+              <a:rPr lang="en-GB" dirty="0" err="1" smtClean="0">
+                <a:latin typeface="Consolas" panose="020B0609020204030204" pitchFamily="49" charset="0"/>
+              </a:rPr>
+              <a:t>.a.getB</a:t>
+            </a:r>
+            <a:r>
+              <a:rPr lang="en-GB" dirty="0" smtClean="0">
+                <a:latin typeface="Consolas" panose="020B0609020204030204" pitchFamily="49" charset="0"/>
+              </a:rPr>
+              <a:t>(</a:t>
+            </a:r>
+            <a:r>
+              <a:rPr lang="en-GB" dirty="0" err="1" smtClean="0">
+                <a:latin typeface="Consolas" panose="020B0609020204030204" pitchFamily="49" charset="0"/>
+              </a:rPr>
+              <a:t>i</a:t>
+            </a:r>
+            <a:r>
+              <a:rPr lang="en-GB" dirty="0" smtClean="0">
+                <a:latin typeface="Consolas" panose="020B0609020204030204" pitchFamily="49" charset="0"/>
+              </a:rPr>
+              <a:t>, </a:t>
+            </a:r>
+            <a:r>
+              <a:rPr lang="en-GB" dirty="0" err="1" smtClean="0">
+                <a:latin typeface="Consolas" panose="020B0609020204030204" pitchFamily="49" charset="0"/>
+              </a:rPr>
+              <a:t>Factory.</a:t>
+            </a:r>
+            <a:r>
+              <a:rPr lang="en-GB" dirty="0" err="1" smtClean="0">
+                <a:solidFill>
+                  <a:srgbClr val="00B0F0"/>
+                </a:solidFill>
+                <a:latin typeface="Consolas" panose="020B0609020204030204" pitchFamily="49" charset="0"/>
+              </a:rPr>
+              <a:t>class</a:t>
+            </a:r>
+            <a:r>
+              <a:rPr lang="en-GB" dirty="0" smtClean="0">
+                <a:latin typeface="Consolas" panose="020B0609020204030204" pitchFamily="49" charset="0"/>
+              </a:rPr>
+              <a:t>).c((Cooler) hot, </a:t>
+            </a:r>
+            <a:r>
+              <a:rPr lang="en-GB" dirty="0" smtClean="0">
+                <a:solidFill>
+                  <a:srgbClr val="FFC000"/>
+                </a:solidFill>
+                <a:latin typeface="Consolas" panose="020B0609020204030204" pitchFamily="49" charset="0"/>
+              </a:rPr>
+              <a:t>3</a:t>
+            </a:r>
+            <a:r>
+              <a:rPr lang="en-GB" dirty="0" smtClean="0">
+                <a:latin typeface="Consolas" panose="020B0609020204030204" pitchFamily="49" charset="0"/>
+              </a:rPr>
+              <a:t>, </a:t>
+            </a:r>
+            <a:r>
+              <a:rPr lang="en-GB" dirty="0" smtClean="0">
+                <a:solidFill>
+                  <a:srgbClr val="FFC000"/>
+                </a:solidFill>
+                <a:latin typeface="Consolas" panose="020B0609020204030204" pitchFamily="49" charset="0"/>
+              </a:rPr>
+              <a:t>100.0d</a:t>
+            </a:r>
+            <a:r>
+              <a:rPr lang="en-GB" dirty="0" smtClean="0">
+                <a:latin typeface="Consolas" panose="020B0609020204030204" pitchFamily="49" charset="0"/>
+              </a:rPr>
+              <a:t>, </a:t>
+            </a:r>
+            <a:r>
+              <a:rPr lang="en-GB" dirty="0" smtClean="0">
+                <a:solidFill>
+                  <a:srgbClr val="FFC000"/>
+                </a:solidFill>
+                <a:latin typeface="Consolas" panose="020B0609020204030204" pitchFamily="49" charset="0"/>
+              </a:rPr>
+              <a:t>0x30</a:t>
+            </a:r>
+            <a:r>
+              <a:rPr lang="en-GB" dirty="0" smtClean="0">
+                <a:latin typeface="Consolas" panose="020B0609020204030204" pitchFamily="49" charset="0"/>
+              </a:rPr>
+              <a:t>)</a:t>
+            </a:r>
+          </a:p>
+          <a:p>
+            <a:r>
+              <a:rPr lang="en-GB" dirty="0" smtClean="0"/>
+              <a:t>Resolving the LHS of these expressions is necessary, hence the expression type resolver</a:t>
+            </a:r>
+          </a:p>
+        </p:txBody>
+      </p:sp>
+    </p:spTree>
+    <p:extLst>
+      <p:ext uri="{BB962C8B-B14F-4D97-AF65-F5344CB8AC3E}">
+        <p14:creationId xmlns:p14="http://schemas.microsoft.com/office/powerpoint/2010/main" val="3400547012"/>
+      </p:ext>
+    </p:extLst>
+  </p:cSld>
+  <p:clrMapOvr>
+    <a:masterClrMapping/>
+  </p:clrMapOvr>
+  <p:timing>
+    <p:tnLst>
+      <p:par>
+        <p:cTn id="1" dur="indefinite" restart="never" nodeType="tmRoot"/>
+      </p:par>
+    </p:tnLst>
+  </p:timing>
+</p:sld>
+</file>
+
+<file path=ppt/slides/slide11.xml><?xml version="1.0" encoding="utf-8"?>
+<p:sld xmlns:a="http://schemas.openxmlformats.org/drawingml/2006/main" xmlns:r="http://schemas.openxmlformats.org/officeDocument/2006/relationships" xmlns:p="http://schemas.openxmlformats.org/presentationml/2006/main">
+  <p:cSld>
+    <p:spTree>
+      <p:nvGrpSpPr>
+        <p:cNvPr id="1" name=""/>
+        <p:cNvGrpSpPr/>
+        <p:nvPr/>
+      </p:nvGrpSpPr>
+      <p:grpSpPr>
+        <a:xfrm>
+          <a:off x="0" y="0"/>
+          <a:ext cx="0" cy="0"/>
+          <a:chOff x="0" y="0"/>
+          <a:chExt cx="0" cy="0"/>
+        </a:xfrm>
+      </p:grpSpPr>
+      <p:sp>
+        <p:nvSpPr>
+          <p:cNvPr id="2" name="Title 1"/>
+          <p:cNvSpPr>
+            <a:spLocks noGrp="1"/>
+          </p:cNvSpPr>
+          <p:nvPr>
+            <p:ph type="title"/>
+          </p:nvPr>
+        </p:nvSpPr>
+        <p:spPr/>
+        <p:txBody>
+          <a:bodyPr/>
+          <a:lstStyle/>
+          <a:p>
+            <a:r>
+              <a:rPr lang="en-GB" dirty="0" smtClean="0">
+                <a:solidFill>
+                  <a:schemeClr val="tx1"/>
+                </a:solidFill>
+              </a:rPr>
+              <a:t>Achievements – Selected External Contributions</a:t>
+            </a:r>
+            <a:endParaRPr lang="en-GB" dirty="0">
+              <a:solidFill>
+                <a:schemeClr val="tx1"/>
+              </a:solidFill>
+            </a:endParaRPr>
+          </a:p>
+        </p:txBody>
+      </p:sp>
+      <p:sp>
+        <p:nvSpPr>
+          <p:cNvPr id="3" name="Content Placeholder 2"/>
+          <p:cNvSpPr>
+            <a:spLocks noGrp="1"/>
+          </p:cNvSpPr>
+          <p:nvPr>
+            <p:ph idx="1"/>
+          </p:nvPr>
+        </p:nvSpPr>
+        <p:spPr/>
+        <p:txBody>
+          <a:bodyPr>
+            <a:normAutofit/>
+          </a:bodyPr>
+          <a:lstStyle/>
+          <a:p>
+            <a:r>
+              <a:rPr lang="en-GB" dirty="0" err="1"/>
+              <a:t>antlr</a:t>
+            </a:r>
+            <a:r>
+              <a:rPr lang="en-GB" dirty="0"/>
+              <a:t>/grammars-v4 (</a:t>
+            </a:r>
+            <a:r>
+              <a:rPr lang="en-GB" dirty="0">
+                <a:hlinkClick r:id="rId2"/>
+              </a:rPr>
+              <a:t>https://github.com/antlr/grammars-v4</a:t>
+            </a:r>
+            <a:r>
+              <a:rPr lang="en-GB" dirty="0" smtClean="0">
+                <a:hlinkClick r:id="rId2"/>
+              </a:rPr>
+              <a:t>/</a:t>
+            </a:r>
+            <a:r>
+              <a:rPr lang="en-GB" dirty="0" smtClean="0"/>
+              <a:t>): 2,500+</a:t>
+            </a:r>
+          </a:p>
+          <a:p>
+            <a:pPr lvl="1"/>
+            <a:r>
+              <a:rPr lang="en-GB" dirty="0"/>
+              <a:t>Disallow local </a:t>
+            </a:r>
+            <a:r>
+              <a:rPr lang="en-GB" dirty="0" err="1"/>
+              <a:t>enums</a:t>
+            </a:r>
+            <a:r>
+              <a:rPr lang="en-GB" dirty="0"/>
+              <a:t>/annotations in </a:t>
+            </a:r>
+            <a:r>
+              <a:rPr lang="en-GB" dirty="0" smtClean="0"/>
+              <a:t>Java 8 grammar</a:t>
+            </a:r>
+          </a:p>
+          <a:p>
+            <a:pPr lvl="1"/>
+            <a:r>
+              <a:rPr lang="en-GB" dirty="0" smtClean="0"/>
+              <a:t>Improve </a:t>
+            </a:r>
+            <a:r>
+              <a:rPr lang="en-GB" dirty="0" err="1" smtClean="0"/>
+              <a:t>methodReference</a:t>
+            </a:r>
+            <a:r>
+              <a:rPr lang="en-GB" dirty="0"/>
+              <a:t> rule in Java 8 </a:t>
+            </a:r>
+            <a:r>
+              <a:rPr lang="en-GB" dirty="0" smtClean="0"/>
+              <a:t>grammar</a:t>
+            </a:r>
+          </a:p>
+          <a:p>
+            <a:r>
+              <a:rPr lang="en-GB" dirty="0" err="1" smtClean="0"/>
+              <a:t>JCommander</a:t>
+            </a:r>
+            <a:r>
+              <a:rPr lang="en-GB" dirty="0" smtClean="0"/>
+              <a:t> </a:t>
+            </a:r>
+            <a:r>
+              <a:rPr lang="en-GB" dirty="0"/>
+              <a:t>(</a:t>
+            </a:r>
+            <a:r>
+              <a:rPr lang="en-GB" dirty="0">
+                <a:hlinkClick r:id="rId3"/>
+              </a:rPr>
+              <a:t>https://</a:t>
+            </a:r>
+            <a:r>
+              <a:rPr lang="en-GB" dirty="0" smtClean="0">
+                <a:hlinkClick r:id="rId3"/>
+              </a:rPr>
+              <a:t>github.com/cbeust/jcommander/</a:t>
+            </a:r>
+            <a:r>
+              <a:rPr lang="en-GB" dirty="0" smtClean="0"/>
+              <a:t>): 1,000+</a:t>
+            </a:r>
+          </a:p>
+          <a:p>
+            <a:pPr lvl="1"/>
+            <a:r>
+              <a:rPr lang="en-GB" dirty="0" smtClean="0"/>
+              <a:t>Flexible </a:t>
+            </a:r>
+            <a:r>
+              <a:rPr lang="en-GB" dirty="0"/>
+              <a:t>usage </a:t>
+            </a:r>
+            <a:r>
+              <a:rPr lang="en-GB" dirty="0" smtClean="0"/>
+              <a:t>formatting</a:t>
+            </a:r>
+          </a:p>
+          <a:p>
+            <a:pPr lvl="1"/>
+            <a:r>
+              <a:rPr lang="en-GB" dirty="0" smtClean="0"/>
+              <a:t>Fix </a:t>
+            </a:r>
+            <a:r>
+              <a:rPr lang="en-GB" dirty="0"/>
+              <a:t>locale-related issues in usage formatter </a:t>
+            </a:r>
+            <a:r>
+              <a:rPr lang="en-GB" dirty="0" smtClean="0"/>
+              <a:t>tests</a:t>
+            </a:r>
+          </a:p>
+        </p:txBody>
+      </p:sp>
+      <p:pic>
+        <p:nvPicPr>
+          <p:cNvPr id="4" name="Picture 3"/>
+          <p:cNvPicPr>
+            <a:picLocks noChangeAspect="1"/>
+          </p:cNvPicPr>
+          <p:nvPr/>
+        </p:nvPicPr>
+        <p:blipFill>
+          <a:blip r:embed="rId4" cstate="print">
+            <a:extLst>
+              <a:ext uri="{28A0092B-C50C-407E-A947-70E740481C1C}">
+                <a14:useLocalDpi xmlns:a14="http://schemas.microsoft.com/office/drawing/2010/main" val="0"/>
+              </a:ext>
+            </a:extLst>
+          </a:blip>
+          <a:stretch>
+            <a:fillRect/>
+          </a:stretch>
+        </p:blipFill>
+        <p:spPr>
+          <a:xfrm>
+            <a:off x="8716803" y="2992582"/>
+            <a:ext cx="236004" cy="225619"/>
+          </a:xfrm>
+          <a:prstGeom prst="rect">
+            <a:avLst/>
+          </a:prstGeom>
+        </p:spPr>
+      </p:pic>
+      <p:pic>
+        <p:nvPicPr>
+          <p:cNvPr id="5" name="Picture 4"/>
+          <p:cNvPicPr>
+            <a:picLocks noChangeAspect="1"/>
+          </p:cNvPicPr>
+          <p:nvPr/>
+        </p:nvPicPr>
+        <p:blipFill>
+          <a:blip r:embed="rId5" cstate="print">
+            <a:extLst>
+              <a:ext uri="{28A0092B-C50C-407E-A947-70E740481C1C}">
+                <a14:useLocalDpi xmlns:a14="http://schemas.microsoft.com/office/drawing/2010/main" val="0"/>
+              </a:ext>
+            </a:extLst>
+          </a:blip>
+          <a:stretch>
+            <a:fillRect/>
+          </a:stretch>
+        </p:blipFill>
+        <p:spPr>
+          <a:xfrm>
+            <a:off x="8480800" y="4126431"/>
+            <a:ext cx="244316" cy="233566"/>
+          </a:xfrm>
+          <a:prstGeom prst="rect">
+            <a:avLst/>
+          </a:prstGeom>
+        </p:spPr>
+      </p:pic>
+    </p:spTree>
+    <p:extLst>
+      <p:ext uri="{BB962C8B-B14F-4D97-AF65-F5344CB8AC3E}">
+        <p14:creationId xmlns:p14="http://schemas.microsoft.com/office/powerpoint/2010/main" val="1245160953"/>
+      </p:ext>
+    </p:extLst>
+  </p:cSld>
+  <p:clrMapOvr>
+    <a:masterClrMapping/>
+  </p:clrMapOvr>
+  <p:timing>
+    <p:tnLst>
+      <p:par>
+        <p:cTn id="1" dur="indefinite" restart="never" nodeType="tmRoot"/>
+      </p:par>
+    </p:tnLst>
+  </p:timing>
+</p:sld>
+</file>
+
+<file path=ppt/slides/slide12.xml><?xml version="1.0" encoding="utf-8"?>
+<p:sld xmlns:a="http://schemas.openxmlformats.org/drawingml/2006/main" xmlns:r="http://schemas.openxmlformats.org/officeDocument/2006/relationships" xmlns:p="http://schemas.openxmlformats.org/presentationml/2006/main">
+  <p:cSld>
+    <p:spTree>
+      <p:nvGrpSpPr>
+        <p:cNvPr id="1" name=""/>
+        <p:cNvGrpSpPr/>
+        <p:nvPr/>
+      </p:nvGrpSpPr>
+      <p:grpSpPr>
+        <a:xfrm>
+          <a:off x="0" y="0"/>
+          <a:ext cx="0" cy="0"/>
+          <a:chOff x="0" y="0"/>
+          <a:chExt cx="0" cy="0"/>
+        </a:xfrm>
+      </p:grpSpPr>
+      <p:sp>
+        <p:nvSpPr>
+          <p:cNvPr id="2" name="Title 1"/>
+          <p:cNvSpPr>
+            <a:spLocks noGrp="1"/>
+          </p:cNvSpPr>
+          <p:nvPr>
+            <p:ph type="title"/>
+          </p:nvPr>
+        </p:nvSpPr>
+        <p:spPr/>
+        <p:txBody>
+          <a:bodyPr/>
+          <a:lstStyle/>
+          <a:p>
+            <a:r>
+              <a:rPr lang="en-GB" dirty="0" smtClean="0"/>
+              <a:t>Issues</a:t>
+            </a:r>
+            <a:endParaRPr lang="en-GB" dirty="0"/>
+          </a:p>
+        </p:txBody>
+      </p:sp>
+      <p:sp>
+        <p:nvSpPr>
+          <p:cNvPr id="3" name="Content Placeholder 2"/>
+          <p:cNvSpPr>
+            <a:spLocks noGrp="1"/>
+          </p:cNvSpPr>
+          <p:nvPr>
+            <p:ph idx="1"/>
+          </p:nvPr>
+        </p:nvSpPr>
+        <p:spPr/>
+        <p:txBody>
+          <a:bodyPr/>
+          <a:lstStyle/>
+          <a:p>
+            <a:r>
+              <a:rPr lang="en-GB" dirty="0" smtClean="0"/>
+              <a:t>Does not support method references in Java 8 – they are hard to statically analyse!</a:t>
+            </a:r>
+          </a:p>
+          <a:p>
+            <a:pPr marL="0" indent="0">
+              <a:buNone/>
+            </a:pPr>
+            <a:r>
+              <a:rPr lang="en-GB" dirty="0"/>
+              <a:t> </a:t>
+            </a:r>
+            <a:r>
+              <a:rPr lang="en-GB" dirty="0" smtClean="0"/>
+              <a:t>    e.g. this::</a:t>
+            </a:r>
+            <a:r>
+              <a:rPr lang="en-GB" dirty="0" err="1" smtClean="0"/>
+              <a:t>methodName</a:t>
+            </a:r>
+            <a:endParaRPr lang="en-GB" dirty="0"/>
+          </a:p>
+          <a:p>
+            <a:r>
+              <a:rPr lang="en-GB" dirty="0" smtClean="0"/>
+              <a:t>Does not support the searching by `CONTAINS` clause in the query language</a:t>
+            </a:r>
+          </a:p>
+          <a:p>
+            <a:r>
+              <a:rPr lang="en-GB" dirty="0" smtClean="0"/>
+              <a:t>If two refactoring changes are on the same line, in rare cases, </a:t>
+            </a:r>
+            <a:r>
+              <a:rPr lang="en-GB" dirty="0" err="1" smtClean="0"/>
+              <a:t>csar</a:t>
+            </a:r>
+            <a:r>
+              <a:rPr lang="en-GB" dirty="0" smtClean="0"/>
+              <a:t> will make incorrect changes </a:t>
+            </a:r>
+            <a:r>
+              <a:rPr lang="en-GB" dirty="0" smtClean="0"/>
+              <a:t>*</a:t>
+            </a:r>
+          </a:p>
+          <a:p>
+            <a:r>
+              <a:rPr lang="en-GB" dirty="0" smtClean="0"/>
+              <a:t>.</a:t>
+            </a:r>
+            <a:r>
+              <a:rPr lang="en-GB" dirty="0" err="1" smtClean="0"/>
+              <a:t>csarignore</a:t>
+            </a:r>
+            <a:r>
+              <a:rPr lang="en-GB" dirty="0" smtClean="0"/>
+              <a:t> has </a:t>
+            </a:r>
+            <a:r>
+              <a:rPr lang="en-GB" smtClean="0"/>
+              <a:t>an operational bug </a:t>
+            </a:r>
+            <a:r>
+              <a:rPr lang="en-GB" dirty="0" smtClean="0"/>
+              <a:t>*</a:t>
+            </a:r>
+            <a:endParaRPr lang="en-GB" dirty="0" smtClean="0"/>
+          </a:p>
+          <a:p>
+            <a:r>
+              <a:rPr lang="en-GB" dirty="0" smtClean="0"/>
+              <a:t>Unfulfilled secondary requirements: index project code and integrate into IntelliJ IDEA.</a:t>
+            </a:r>
+          </a:p>
+          <a:p>
+            <a:r>
+              <a:rPr lang="en-GB" dirty="0"/>
+              <a:t>Does not support external libraries, including the Java </a:t>
+            </a:r>
+            <a:r>
+              <a:rPr lang="en-GB" dirty="0" smtClean="0"/>
+              <a:t>API</a:t>
+            </a:r>
+            <a:endParaRPr lang="en-GB" dirty="0"/>
+          </a:p>
+        </p:txBody>
+      </p:sp>
+    </p:spTree>
+    <p:extLst>
+      <p:ext uri="{BB962C8B-B14F-4D97-AF65-F5344CB8AC3E}">
+        <p14:creationId xmlns:p14="http://schemas.microsoft.com/office/powerpoint/2010/main" val="1030829490"/>
+      </p:ext>
+    </p:extLst>
+  </p:cSld>
+  <p:clrMapOvr>
+    <a:masterClrMapping/>
+  </p:clrMapOvr>
+  <p:timing>
+    <p:tnLst>
+      <p:par>
+        <p:cTn id="1" dur="indefinite" restart="never" nodeType="tmRoot"/>
+      </p:par>
+    </p:tnLst>
+  </p:timing>
+</p:sld>
+</file>
+
+<file path=ppt/slides/slide13.xml><?xml version="1.0" encoding="utf-8"?>
+<p:sld xmlns:a="http://schemas.openxmlformats.org/drawingml/2006/main" xmlns:r="http://schemas.openxmlformats.org/officeDocument/2006/relationships" xmlns:p="http://schemas.openxmlformats.org/presentationml/2006/main">
+  <p:cSld>
+    <p:spTree>
+      <p:nvGrpSpPr>
+        <p:cNvPr id="1" name=""/>
+        <p:cNvGrpSpPr/>
+        <p:nvPr/>
+      </p:nvGrpSpPr>
+      <p:grpSpPr>
+        <a:xfrm>
+          <a:off x="0" y="0"/>
+          <a:ext cx="0" cy="0"/>
+          <a:chOff x="0" y="0"/>
+          <a:chExt cx="0" cy="0"/>
+        </a:xfrm>
+      </p:grpSpPr>
+      <p:sp>
+        <p:nvSpPr>
+          <p:cNvPr id="2" name="Title 1"/>
+          <p:cNvSpPr>
+            <a:spLocks noGrp="1"/>
+          </p:cNvSpPr>
+          <p:nvPr>
+            <p:ph type="title"/>
+          </p:nvPr>
+        </p:nvSpPr>
+        <p:spPr/>
+        <p:txBody>
+          <a:bodyPr/>
+          <a:lstStyle/>
+          <a:p>
+            <a:r>
+              <a:rPr lang="en-GB" dirty="0" smtClean="0"/>
+              <a:t>Future work</a:t>
+            </a:r>
+            <a:endParaRPr lang="en-GB" dirty="0"/>
+          </a:p>
+        </p:txBody>
+      </p:sp>
+      <p:sp>
+        <p:nvSpPr>
+          <p:cNvPr id="3" name="Content Placeholder 2"/>
+          <p:cNvSpPr>
+            <a:spLocks noGrp="1"/>
+          </p:cNvSpPr>
+          <p:nvPr>
+            <p:ph idx="1"/>
+          </p:nvPr>
+        </p:nvSpPr>
+        <p:spPr/>
+        <p:txBody>
+          <a:bodyPr/>
+          <a:lstStyle/>
+          <a:p>
+            <a:r>
+              <a:rPr lang="en-GB" dirty="0" smtClean="0"/>
+              <a:t>Better plugins</a:t>
+            </a:r>
+          </a:p>
+          <a:p>
+            <a:pPr lvl="1"/>
+            <a:r>
+              <a:rPr lang="en-GB" dirty="0" smtClean="0"/>
+              <a:t>Better interfacing</a:t>
+            </a:r>
+          </a:p>
+          <a:p>
+            <a:pPr lvl="1"/>
+            <a:r>
+              <a:rPr lang="en-GB" dirty="0" smtClean="0"/>
+              <a:t>Sandboxing (e.g. cannot access files outside of the current project or access the internet)</a:t>
+            </a:r>
+          </a:p>
+          <a:p>
+            <a:r>
+              <a:rPr lang="en-GB" dirty="0"/>
+              <a:t>Secondary requirements: index project code and integrate into IntelliJ IDEA.</a:t>
+            </a:r>
+          </a:p>
+          <a:p>
+            <a:r>
+              <a:rPr lang="en-GB" dirty="0" smtClean="0"/>
+              <a:t>More searching and refactoring functionality</a:t>
+            </a:r>
+          </a:p>
+          <a:p>
+            <a:r>
+              <a:rPr lang="en-GB" dirty="0" smtClean="0"/>
+              <a:t>Implement another language to test language-</a:t>
+            </a:r>
+            <a:r>
+              <a:rPr lang="en-GB" dirty="0" err="1" smtClean="0"/>
+              <a:t>agnositicism</a:t>
+            </a:r>
+            <a:endParaRPr lang="en-GB" dirty="0" smtClean="0"/>
+          </a:p>
+        </p:txBody>
+      </p:sp>
+    </p:spTree>
+    <p:extLst>
+      <p:ext uri="{BB962C8B-B14F-4D97-AF65-F5344CB8AC3E}">
+        <p14:creationId xmlns:p14="http://schemas.microsoft.com/office/powerpoint/2010/main" val="4216775129"/>
+      </p:ext>
+    </p:extLst>
+  </p:cSld>
+  <p:clrMapOvr>
+    <a:masterClrMapping/>
+  </p:clrMapOvr>
+  <p:timing>
+    <p:tnLst>
+      <p:par>
+        <p:cTn id="1" dur="indefinite" restart="never" nodeType="tmRoot"/>
+      </p:par>
+    </p:tnLst>
+  </p:timing>
+</p:sld>
+</file>
+
+<file path=ppt/slides/slide14.xml><?xml version="1.0" encoding="utf-8"?>
+<p:sld xmlns:a="http://schemas.openxmlformats.org/drawingml/2006/main" xmlns:r="http://schemas.openxmlformats.org/officeDocument/2006/relationships" xmlns:p="http://schemas.openxmlformats.org/presentationml/2006/main">
+  <p:cSld>
+    <p:spTree>
+      <p:nvGrpSpPr>
+        <p:cNvPr id="1" name=""/>
+        <p:cNvGrpSpPr/>
+        <p:nvPr/>
+      </p:nvGrpSpPr>
+      <p:grpSpPr>
+        <a:xfrm>
+          <a:off x="0" y="0"/>
+          <a:ext cx="0" cy="0"/>
+          <a:chOff x="0" y="0"/>
+          <a:chExt cx="0" cy="0"/>
+        </a:xfrm>
+      </p:grpSpPr>
+      <p:sp>
+        <p:nvSpPr>
+          <p:cNvPr id="2" name="Title 1"/>
+          <p:cNvSpPr>
+            <a:spLocks noGrp="1"/>
+          </p:cNvSpPr>
+          <p:nvPr>
+            <p:ph type="title"/>
+          </p:nvPr>
+        </p:nvSpPr>
+        <p:spPr/>
+        <p:txBody>
+          <a:bodyPr/>
+          <a:lstStyle/>
+          <a:p>
+            <a:r>
+              <a:rPr lang="en-GB" dirty="0" smtClean="0"/>
+              <a:t>References</a:t>
+            </a:r>
+            <a:endParaRPr lang="en-GB" dirty="0"/>
+          </a:p>
+        </p:txBody>
+      </p:sp>
+      <p:sp>
+        <p:nvSpPr>
+          <p:cNvPr id="3" name="Content Placeholder 2"/>
+          <p:cNvSpPr>
+            <a:spLocks noGrp="1"/>
+          </p:cNvSpPr>
+          <p:nvPr>
+            <p:ph idx="1"/>
+          </p:nvPr>
+        </p:nvSpPr>
+        <p:spPr/>
+        <p:txBody>
+          <a:bodyPr/>
+          <a:lstStyle/>
+          <a:p>
+            <a:r>
+              <a:rPr lang="en-GB" dirty="0" smtClean="0"/>
+              <a:t>Selected External Contributions: </a:t>
+            </a:r>
+            <a:r>
+              <a:rPr lang="en-GB" dirty="0" err="1" smtClean="0"/>
+              <a:t>csar</a:t>
+            </a:r>
+            <a:r>
+              <a:rPr lang="en-GB" dirty="0" smtClean="0"/>
+              <a:t>/design-docs/External Contributions.md</a:t>
+            </a:r>
+          </a:p>
+          <a:p>
+            <a:r>
+              <a:rPr lang="en-GB" dirty="0" smtClean="0"/>
+              <a:t>Popularity of Version Control Software: </a:t>
+            </a:r>
+            <a:r>
+              <a:rPr lang="en-GB" dirty="0" smtClean="0">
+                <a:hlinkClick r:id="rId2"/>
+              </a:rPr>
+              <a:t>https</a:t>
+            </a:r>
+            <a:r>
+              <a:rPr lang="en-GB" dirty="0">
+                <a:hlinkClick r:id="rId2"/>
+              </a:rPr>
+              <a:t>://</a:t>
+            </a:r>
+            <a:r>
+              <a:rPr lang="en-GB" dirty="0" smtClean="0">
+                <a:hlinkClick r:id="rId2"/>
+              </a:rPr>
+              <a:t>rhodecode.com/insights/version-control-systems-2016</a:t>
+            </a:r>
+            <a:endParaRPr lang="en-GB" dirty="0"/>
+          </a:p>
+          <a:p>
+            <a:r>
+              <a:rPr lang="en-GB" dirty="0" smtClean="0"/>
+              <a:t>Standard </a:t>
+            </a:r>
+            <a:r>
+              <a:rPr lang="en-GB" dirty="0"/>
+              <a:t>output stream: </a:t>
+            </a:r>
+            <a:r>
+              <a:rPr lang="en-GB" dirty="0">
+                <a:hlinkClick r:id="rId3"/>
+              </a:rPr>
+              <a:t>https://</a:t>
+            </a:r>
+            <a:r>
+              <a:rPr lang="en-GB" dirty="0" smtClean="0">
+                <a:hlinkClick r:id="rId3"/>
+              </a:rPr>
+              <a:t>docs.oracle.com/javase/7/docs/api/java/lang/System.html</a:t>
+            </a:r>
+            <a:endParaRPr lang="en-GB" dirty="0" smtClean="0"/>
+          </a:p>
+        </p:txBody>
+      </p:sp>
+    </p:spTree>
+    <p:extLst>
+      <p:ext uri="{BB962C8B-B14F-4D97-AF65-F5344CB8AC3E}">
+        <p14:creationId xmlns:p14="http://schemas.microsoft.com/office/powerpoint/2010/main" val="3924298196"/>
+      </p:ext>
+    </p:extLst>
+  </p:cSld>
+  <p:clrMapOvr>
+    <a:masterClrMapping/>
+  </p:clrMapOvr>
+  <p:timing>
+    <p:tnLst>
+      <p:par>
+        <p:cTn id="1" dur="indefinite" restart="never" nodeType="tmRoot"/>
+      </p:par>
+    </p:tnLst>
+  </p:timing>
+</p:sld>
+</file>
+
 <file path=ppt/slides/slide2.xml><?xml version="1.0" encoding="utf-8"?>
 <p:sld xmlns:a="http://schemas.openxmlformats.org/drawingml/2006/main" xmlns:r="http://schemas.openxmlformats.org/officeDocument/2006/relationships" xmlns:p="http://schemas.openxmlformats.org/presentationml/2006/main">
   <p:cSld>
@@ -5561,7 +6902,7 @@
           <a:p>
             <a:r>
               <a:rPr lang="en-GB" dirty="0" smtClean="0"/>
-              <a:t>What is it?</a:t>
+              <a:t>What is the problem?</a:t>
             </a:r>
             <a:endParaRPr lang="en-GB" dirty="0"/>
           </a:p>
@@ -5584,50 +6925,25 @@
           <a:p>
             <a:r>
               <a:rPr lang="en-GB" dirty="0" smtClean="0"/>
-              <a:t>“</a:t>
-            </a:r>
-            <a:r>
-              <a:rPr lang="en-GB" dirty="0" err="1" smtClean="0"/>
-              <a:t>csar</a:t>
-            </a:r>
-            <a:r>
-              <a:rPr lang="en-GB" dirty="0" smtClean="0"/>
-              <a:t> </a:t>
-            </a:r>
-            <a:r>
-              <a:rPr lang="en-GB" dirty="0" smtClean="0"/>
-              <a:t>is a versatile, </a:t>
-            </a:r>
-            <a:r>
-              <a:rPr lang="en-GB" dirty="0"/>
-              <a:t>query-driven, </a:t>
-            </a:r>
-            <a:r>
-              <a:rPr lang="en-GB" dirty="0" smtClean="0"/>
-              <a:t>semantics-based and </a:t>
-            </a:r>
-            <a:r>
-              <a:rPr lang="en-GB" dirty="0"/>
-              <a:t>language-agnostic </a:t>
-            </a:r>
-            <a:r>
-              <a:rPr lang="en-GB" dirty="0" smtClean="0"/>
-              <a:t>code search and refactoring framework</a:t>
-            </a:r>
-            <a:r>
-              <a:rPr lang="en-GB" dirty="0" smtClean="0"/>
-              <a:t>.”</a:t>
-            </a:r>
-            <a:endParaRPr lang="en-GB" dirty="0" smtClean="0"/>
-          </a:p>
-          <a:p>
-            <a:r>
-              <a:rPr lang="en-GB" dirty="0" err="1" smtClean="0"/>
-              <a:t>csar</a:t>
-            </a:r>
-            <a:r>
-              <a:rPr lang="en-GB" dirty="0" smtClean="0"/>
-              <a:t> is a tool for the software development process.</a:t>
+              <a:t>Suppose that you are a software developer working on a big project</a:t>
+            </a:r>
+          </a:p>
+          <a:p>
+            <a:r>
+              <a:rPr lang="en-GB" dirty="0" smtClean="0"/>
+              <a:t>You might be looking (i.e. searching) for some code</a:t>
+            </a:r>
+          </a:p>
+          <a:p>
+            <a:r>
+              <a:rPr lang="en-GB" dirty="0" smtClean="0"/>
+              <a:t>You might want to refactor some code</a:t>
+            </a:r>
+          </a:p>
+          <a:p>
+            <a:r>
+              <a:rPr lang="en-GB" dirty="0" smtClean="0"/>
+              <a:t>You definitely want these to be efficient and reliable</a:t>
             </a:r>
           </a:p>
         </p:txBody>
@@ -5635,7 +6951,7 @@
     </p:spTree>
     <p:extLst>
       <p:ext uri="{BB962C8B-B14F-4D97-AF65-F5344CB8AC3E}">
-        <p14:creationId xmlns:p14="http://schemas.microsoft.com/office/powerpoint/2010/main" val="934049861"/>
+        <p14:creationId xmlns:p14="http://schemas.microsoft.com/office/powerpoint/2010/main" val="2865527978"/>
       </p:ext>
     </p:extLst>
   </p:cSld>
@@ -5686,140 +7002,48 @@
           <a:p>
             <a:r>
               <a:rPr lang="en-GB" dirty="0" smtClean="0"/>
-              <a:t>Why?</a:t>
+              <a:t>What is it?</a:t>
             </a:r>
             <a:endParaRPr lang="en-GB" dirty="0"/>
           </a:p>
         </p:txBody>
       </p:sp>
-      <mc:AlternateContent xmlns:mc="http://schemas.openxmlformats.org/markup-compatibility/2006">
-        <mc:Choice xmlns:a14="http://schemas.microsoft.com/office/drawing/2010/main" Requires="a14">
-          <p:sp>
-            <p:nvSpPr>
-              <p:cNvPr id="3" name="Content Placeholder 2"/>
-              <p:cNvSpPr>
-                <a:spLocks noGrp="1"/>
-              </p:cNvSpPr>
-              <p:nvPr>
-                <p:ph idx="1"/>
-              </p:nvPr>
-            </p:nvSpPr>
-            <p:spPr/>
-            <p:txBody>
-              <a:bodyPr/>
-              <a:lstStyle/>
-              <a:p>
-                <a:r>
-                  <a:rPr lang="en-GB" dirty="0" smtClean="0"/>
-                  <a:t>Basis: Unifying </a:t>
-                </a:r>
-                <a:r>
-                  <a:rPr lang="en-GB" dirty="0"/>
-                  <a:t>searching and </a:t>
-                </a:r>
-                <a:r>
-                  <a:rPr lang="en-GB" dirty="0" smtClean="0"/>
-                  <a:t>refactoring</a:t>
-                </a:r>
-              </a:p>
-              <a:p>
-                <a:r>
-                  <a:rPr lang="en-GB" dirty="0" smtClean="0"/>
-                  <a:t>Semantics-based Searching</a:t>
-                </a:r>
-                <a:endParaRPr lang="en-GB" dirty="0" smtClean="0"/>
-              </a:p>
-              <a:p>
-                <a:r>
-                  <a:rPr lang="en-GB" dirty="0" smtClean="0"/>
-                  <a:t>Query-driven </a:t>
-                </a:r>
-                <a:r>
-                  <a:rPr lang="en-GB" dirty="0" smtClean="0"/>
-                  <a:t>(SQL-</a:t>
-                </a:r>
-                <a:r>
-                  <a:rPr lang="en-GB" dirty="0" err="1" smtClean="0"/>
-                  <a:t>esque</a:t>
-                </a:r>
-                <a:r>
-                  <a:rPr lang="en-GB" dirty="0" smtClean="0"/>
-                  <a:t>)</a:t>
-                </a:r>
-              </a:p>
-              <a:p>
-                <a:r>
-                  <a:rPr lang="en-GB" dirty="0" smtClean="0"/>
-                  <a:t>Extensible </a:t>
-                </a:r>
-                <a14:m>
-                  <m:oMath xmlns:m="http://schemas.openxmlformats.org/officeDocument/2006/math">
-                    <m:r>
-                      <a:rPr lang="en-GB" b="0" i="1" smtClean="0">
-                        <a:latin typeface="Cambria Math" panose="02040503050406030204" pitchFamily="18" charset="0"/>
-                      </a:rPr>
-                      <m:t>⟹</m:t>
-                    </m:r>
-                  </m:oMath>
-                </a14:m>
-                <a:r>
-                  <a:rPr lang="en-GB" dirty="0"/>
-                  <a:t> </a:t>
-                </a:r>
-                <a:r>
-                  <a:rPr lang="en-GB" dirty="0" smtClean="0"/>
-                  <a:t>Language-agnostic</a:t>
-                </a:r>
-                <a:endParaRPr lang="en-GB" dirty="0" smtClean="0"/>
-              </a:p>
-              <a:p>
-                <a:r>
-                  <a:rPr lang="en-GB" dirty="0" smtClean="0"/>
-                  <a:t>Scalable: multi-threaded and efficient.</a:t>
-                </a:r>
-                <a:endParaRPr lang="en-GB" dirty="0" smtClean="0"/>
-              </a:p>
-            </p:txBody>
-          </p:sp>
-        </mc:Choice>
-        <mc:Fallback>
-          <p:sp>
-            <p:nvSpPr>
-              <p:cNvPr id="3" name="Content Placeholder 2"/>
-              <p:cNvSpPr>
-                <a:spLocks noGrp="1" noRot="1" noChangeAspect="1" noMove="1" noResize="1" noEditPoints="1" noAdjustHandles="1" noChangeArrowheads="1" noChangeShapeType="1" noTextEdit="1"/>
-              </p:cNvSpPr>
-              <p:nvPr>
-                <p:ph idx="1"/>
-              </p:nvPr>
-            </p:nvSpPr>
-            <p:spPr>
-              <a:blipFill>
-                <a:blip r:embed="rId2"/>
-                <a:stretch>
-                  <a:fillRect/>
-                </a:stretch>
-              </a:blipFill>
-            </p:spPr>
-            <p:txBody>
-              <a:bodyPr/>
-              <a:lstStyle/>
-              <a:p>
-                <a:r>
-                  <a:rPr lang="en-GB">
-                    <a:noFill/>
-                  </a:rPr>
-                  <a:t> </a:t>
-                </a:r>
-              </a:p>
-            </p:txBody>
-          </p:sp>
-        </mc:Fallback>
-      </mc:AlternateContent>
+      <p:sp>
+        <p:nvSpPr>
+          <p:cNvPr id="3" name="Content Placeholder 2"/>
+          <p:cNvSpPr>
+            <a:spLocks noGrp="1"/>
+          </p:cNvSpPr>
+          <p:nvPr>
+            <p:ph idx="1"/>
+          </p:nvPr>
+        </p:nvSpPr>
+        <p:spPr/>
+        <p:txBody>
+          <a:bodyPr/>
+          <a:lstStyle/>
+          <a:p>
+            <a:r>
+              <a:rPr lang="en-GB" dirty="0" smtClean="0"/>
+              <a:t>A code searching and refactoring framework</a:t>
+            </a:r>
+          </a:p>
+          <a:p>
+            <a:r>
+              <a:rPr lang="en-GB" dirty="0"/>
+              <a:t>A</a:t>
+            </a:r>
+            <a:r>
+              <a:rPr lang="en-GB" dirty="0" smtClean="0"/>
+              <a:t> tool for the software development process</a:t>
+            </a:r>
+          </a:p>
+        </p:txBody>
+      </p:sp>
     </p:spTree>
     <p:extLst>
       <p:ext uri="{BB962C8B-B14F-4D97-AF65-F5344CB8AC3E}">
-        <p14:creationId xmlns:p14="http://schemas.microsoft.com/office/powerpoint/2010/main" val="1964947861"/>
+        <p14:creationId xmlns:p14="http://schemas.microsoft.com/office/powerpoint/2010/main" val="934049861"/>
       </p:ext>
     </p:extLst>
   </p:cSld>
@@ -5870,7 +7094,7 @@
           <a:p>
             <a:r>
               <a:rPr lang="en-GB" dirty="0" smtClean="0"/>
-              <a:t>Design</a:t>
+              <a:t>Why?</a:t>
             </a:r>
             <a:endParaRPr lang="en-GB" dirty="0"/>
           </a:p>
@@ -5888,65 +7112,151 @@
         </p:nvSpPr>
         <p:spPr/>
         <p:txBody>
-          <a:bodyPr/>
+          <a:bodyPr>
+            <a:normAutofit lnSpcReduction="10000"/>
+          </a:bodyPr>
           <a:lstStyle/>
           <a:p>
             <a:r>
-              <a:rPr lang="en-GB" dirty="0" smtClean="0"/>
-              <a:t>Modular Design:</a:t>
-            </a:r>
-          </a:p>
-          <a:p>
-            <a:pPr lvl="1"/>
-            <a:r>
-              <a:rPr lang="en-GB" dirty="0" smtClean="0"/>
-              <a:t>Frontend</a:t>
-            </a:r>
-          </a:p>
-          <a:p>
-            <a:pPr lvl="1"/>
-            <a:r>
-              <a:rPr lang="en-GB" dirty="0" smtClean="0"/>
-              <a:t>API</a:t>
-            </a:r>
-          </a:p>
-          <a:p>
-            <a:pPr lvl="1"/>
-            <a:r>
-              <a:rPr lang="en-GB" dirty="0" smtClean="0"/>
-              <a:t>Plugins</a:t>
-            </a:r>
-          </a:p>
-        </p:txBody>
-      </p:sp>
-      <p:pic>
-        <p:nvPicPr>
-          <p:cNvPr id="4" name="Picture 3"/>
-          <p:cNvPicPr>
-            <a:picLocks noChangeAspect="1"/>
-          </p:cNvPicPr>
-          <p:nvPr/>
-        </p:nvPicPr>
-        <p:blipFill>
-          <a:blip r:embed="rId2"/>
-          <a:stretch>
-            <a:fillRect/>
-          </a:stretch>
-        </p:blipFill>
-        <p:spPr>
-          <a:xfrm>
-            <a:off x="8995843" y="2213974"/>
-            <a:ext cx="2966172" cy="4191009"/>
-          </a:xfrm>
-          <a:prstGeom prst="rect">
-            <a:avLst/>
-          </a:prstGeom>
-        </p:spPr>
-      </p:pic>
+              <a:rPr lang="en-GB" dirty="0"/>
+              <a:t>Unifies searching and refactoring</a:t>
+            </a:r>
+          </a:p>
+          <a:p>
+            <a:r>
+              <a:rPr lang="en-GB" dirty="0" smtClean="0"/>
+              <a:t>Scalable </a:t>
+            </a:r>
+            <a:r>
+              <a:rPr lang="en-GB" dirty="0"/>
+              <a:t>(multi-threaded and efficient</a:t>
+            </a:r>
+            <a:r>
+              <a:rPr lang="en-GB" dirty="0" smtClean="0"/>
+              <a:t>)</a:t>
+            </a:r>
+          </a:p>
+          <a:p>
+            <a:r>
+              <a:rPr lang="en-GB" dirty="0" smtClean="0"/>
+              <a:t>Primary Requirements</a:t>
+            </a:r>
+          </a:p>
+          <a:p>
+            <a:pPr lvl="1">
+              <a:buFont typeface="+mj-lt"/>
+              <a:buAutoNum type="arabicPeriod"/>
+            </a:pPr>
+            <a:r>
+              <a:rPr lang="en-GB" dirty="0"/>
+              <a:t>Query-driven </a:t>
+            </a:r>
+            <a:r>
+              <a:rPr lang="en-GB" dirty="0" smtClean="0"/>
+              <a:t>(SQL-</a:t>
+            </a:r>
+            <a:r>
+              <a:rPr lang="en-GB" dirty="0" err="1" smtClean="0"/>
+              <a:t>esque</a:t>
+            </a:r>
+            <a:r>
+              <a:rPr lang="en-GB" dirty="0" smtClean="0"/>
+              <a:t>)</a:t>
+            </a:r>
+          </a:p>
+          <a:p>
+            <a:pPr lvl="1">
+              <a:buFont typeface="+mj-lt"/>
+              <a:buAutoNum type="arabicPeriod"/>
+            </a:pPr>
+            <a:r>
+              <a:rPr lang="en-GB" dirty="0" smtClean="0"/>
+              <a:t>Semantics-based code searching</a:t>
+            </a:r>
+            <a:endParaRPr lang="en-GB" dirty="0"/>
+          </a:p>
+          <a:p>
+            <a:pPr lvl="1">
+              <a:buFont typeface="+mj-lt"/>
+              <a:buAutoNum type="arabicPeriod"/>
+            </a:pPr>
+            <a:r>
+              <a:rPr lang="en-GB" dirty="0" smtClean="0"/>
+              <a:t>Custom </a:t>
+            </a:r>
+            <a:r>
+              <a:rPr lang="en-GB" dirty="0"/>
+              <a:t>search </a:t>
+            </a:r>
+            <a:r>
+              <a:rPr lang="en-GB" dirty="0" smtClean="0"/>
+              <a:t>domains</a:t>
+            </a:r>
+          </a:p>
+          <a:p>
+            <a:pPr lvl="1">
+              <a:buFont typeface="+mj-lt"/>
+              <a:buAutoNum type="arabicPeriod"/>
+            </a:pPr>
+            <a:r>
+              <a:rPr lang="en-GB" dirty="0" smtClean="0"/>
+              <a:t>Supporting </a:t>
+            </a:r>
+            <a:r>
+              <a:rPr lang="en-GB" dirty="0"/>
+              <a:t>git </a:t>
+            </a:r>
+            <a:r>
+              <a:rPr lang="en-GB" dirty="0" smtClean="0"/>
+              <a:t>repositories</a:t>
+            </a:r>
+            <a:endParaRPr lang="en-GB" dirty="0"/>
+          </a:p>
+          <a:p>
+            <a:pPr lvl="1">
+              <a:buFont typeface="+mj-lt"/>
+              <a:buAutoNum type="arabicPeriod"/>
+            </a:pPr>
+            <a:r>
+              <a:rPr lang="en-GB" dirty="0" smtClean="0"/>
+              <a:t>Refactoring code</a:t>
+            </a:r>
+          </a:p>
+          <a:p>
+            <a:pPr lvl="1">
+              <a:buFont typeface="+mj-lt"/>
+              <a:buAutoNum type="arabicPeriod"/>
+            </a:pPr>
+            <a:r>
+              <a:rPr lang="en-GB" dirty="0" smtClean="0"/>
+              <a:t>Language-agnosticism</a:t>
+            </a:r>
+            <a:endParaRPr lang="en-GB" dirty="0"/>
+          </a:p>
+          <a:p>
+            <a:pPr lvl="1">
+              <a:buFont typeface="+mj-lt"/>
+              <a:buAutoNum type="arabicPeriod"/>
+            </a:pPr>
+            <a:r>
+              <a:rPr lang="en-GB" dirty="0" smtClean="0"/>
+              <a:t>Support </a:t>
+            </a:r>
+            <a:r>
+              <a:rPr lang="en-GB" dirty="0"/>
+              <a:t>for Java </a:t>
+            </a:r>
+            <a:r>
+              <a:rPr lang="en-GB" dirty="0" smtClean="0"/>
+              <a:t>8</a:t>
+            </a:r>
+          </a:p>
+        </p:txBody>
+      </p:sp>
     </p:spTree>
     <p:extLst>
       <p:ext uri="{BB962C8B-B14F-4D97-AF65-F5344CB8AC3E}">
-        <p14:creationId xmlns:p14="http://schemas.microsoft.com/office/powerpoint/2010/main" val="2667307252"/>
+        <p14:creationId xmlns:p14="http://schemas.microsoft.com/office/powerpoint/2010/main" val="3986550396"/>
       </p:ext>
     </p:extLst>
   </p:cSld>
@@ -5997,7 +7307,7 @@
           <a:p>
             <a:r>
               <a:rPr lang="en-GB" dirty="0" smtClean="0"/>
-              <a:t>Scope</a:t>
+              <a:t>Why?</a:t>
             </a:r>
             <a:endParaRPr lang="en-GB" dirty="0"/>
           </a:p>
@@ -6020,48 +7330,51 @@
           <a:p>
             <a:r>
               <a:rPr lang="en-GB" dirty="0" smtClean="0"/>
-              <a:t>Design and implement </a:t>
-            </a:r>
-            <a:r>
-              <a:rPr lang="en-GB" dirty="0" smtClean="0"/>
-              <a:t>a query </a:t>
-            </a:r>
-            <a:r>
-              <a:rPr lang="en-GB" dirty="0" smtClean="0"/>
-              <a:t>language</a:t>
-            </a:r>
-          </a:p>
-          <a:p>
-            <a:r>
-              <a:rPr lang="en-GB" dirty="0" smtClean="0"/>
-              <a:t>Semantics-based Searching</a:t>
-            </a:r>
-            <a:endParaRPr lang="en-GB" dirty="0" smtClean="0"/>
-          </a:p>
-          <a:p>
-            <a:r>
-              <a:rPr lang="en-GB" dirty="0" smtClean="0"/>
-              <a:t>Code Refactoring</a:t>
-            </a:r>
-            <a:endParaRPr lang="en-GB" dirty="0" smtClean="0"/>
-          </a:p>
-          <a:p>
-            <a:r>
-              <a:rPr lang="en-GB" dirty="0" smtClean="0"/>
-              <a:t>Sample implementation for </a:t>
-            </a:r>
-            <a:r>
-              <a:rPr lang="en-GB" dirty="0" smtClean="0"/>
-              <a:t>Java 8</a:t>
-            </a:r>
-            <a:endParaRPr lang="en-GB" dirty="0" smtClean="0"/>
+              <a:t>Secondary Requirements</a:t>
+            </a:r>
+          </a:p>
+          <a:p>
+            <a:pPr lvl="1"/>
+            <a:r>
+              <a:rPr lang="en-GB" dirty="0" smtClean="0"/>
+              <a:t>Support mercurial (hg) and subversion (</a:t>
+            </a:r>
+            <a:r>
+              <a:rPr lang="en-GB" dirty="0" err="1" smtClean="0"/>
+              <a:t>svn</a:t>
+            </a:r>
+            <a:r>
+              <a:rPr lang="en-GB" dirty="0" smtClean="0"/>
+              <a:t>) as well as git</a:t>
+            </a:r>
+          </a:p>
+          <a:p>
+            <a:pPr lvl="1"/>
+            <a:r>
+              <a:rPr lang="en-GB" dirty="0" smtClean="0"/>
+              <a:t>Ignore file to narrow search domain</a:t>
+            </a:r>
+          </a:p>
+          <a:p>
+            <a:pPr lvl="1"/>
+            <a:r>
+              <a:rPr lang="en-GB" dirty="0" smtClean="0"/>
+              <a:t>Index project code</a:t>
+            </a:r>
+          </a:p>
+          <a:p>
+            <a:pPr lvl="1"/>
+            <a:r>
+              <a:rPr lang="en-GB" dirty="0" smtClean="0"/>
+              <a:t>Integrate into an IDE (e.g. IntelliJ IDEA)</a:t>
+            </a:r>
           </a:p>
         </p:txBody>
       </p:sp>
     </p:spTree>
     <p:extLst>
       <p:ext uri="{BB962C8B-B14F-4D97-AF65-F5344CB8AC3E}">
-        <p14:creationId xmlns:p14="http://schemas.microsoft.com/office/powerpoint/2010/main" val="998663269"/>
+        <p14:creationId xmlns:p14="http://schemas.microsoft.com/office/powerpoint/2010/main" val="1259354262"/>
       </p:ext>
     </p:extLst>
   </p:cSld>
@@ -6112,7 +7425,7 @@
           <a:p>
             <a:r>
               <a:rPr lang="en-GB" dirty="0" smtClean="0"/>
-              <a:t>User Experience</a:t>
+              <a:t>Use Cases</a:t>
             </a:r>
             <a:endParaRPr lang="en-GB" dirty="0"/>
           </a:p>
@@ -6130,105 +7443,456 @@
         </p:nvSpPr>
         <p:spPr/>
         <p:txBody>
-          <a:bodyPr/>
+          <a:bodyPr>
+            <a:normAutofit lnSpcReduction="10000"/>
+          </a:bodyPr>
           <a:lstStyle/>
           <a:p>
             <a:r>
               <a:rPr lang="en-GB" dirty="0" smtClean="0"/>
-              <a:t>Invoke a frontend (e.g. CLI):</a:t>
-            </a:r>
-          </a:p>
-          <a:p>
-            <a:pPr marL="0" indent="0" algn="ctr">
+              <a:t>I am going to modify a method and but first want to see how it is used to prevent unintended side effects</a:t>
+            </a:r>
+          </a:p>
+          <a:p>
+            <a:pPr marL="0" indent="0">
               <a:buNone/>
             </a:pPr>
             <a:r>
+              <a:rPr lang="en-GB" dirty="0" smtClean="0"/>
+              <a:t>     </a:t>
+            </a:r>
+            <a:r>
+              <a:rPr lang="en-GB" dirty="0" err="1"/>
+              <a:t>csar</a:t>
+            </a:r>
+            <a:r>
               <a:rPr lang="en-GB" dirty="0"/>
-              <a:t>j</a:t>
-            </a:r>
-            <a:r>
-              <a:rPr lang="en-GB" dirty="0" smtClean="0"/>
-              <a:t>ava </a:t>
+              <a:t>: </a:t>
+            </a:r>
+            <a:r>
+              <a:rPr lang="en-GB" dirty="0">
+                <a:latin typeface="Consolas" panose="020B0609020204030204" pitchFamily="49" charset="0"/>
+              </a:rPr>
+              <a:t>SELECT </a:t>
+            </a:r>
+            <a:r>
+              <a:rPr lang="en-GB" dirty="0" err="1" smtClean="0">
+                <a:latin typeface="Consolas" panose="020B0609020204030204" pitchFamily="49" charset="0"/>
+              </a:rPr>
+              <a:t>method:use:final</a:t>
+            </a:r>
+            <a:r>
+              <a:rPr lang="en-GB" dirty="0" smtClean="0">
+                <a:latin typeface="Consolas" panose="020B0609020204030204" pitchFamily="49" charset="0"/>
+              </a:rPr>
+              <a:t> String </a:t>
+            </a:r>
+            <a:r>
+              <a:rPr lang="en-GB" dirty="0" err="1" smtClean="0">
+                <a:latin typeface="Consolas" panose="020B0609020204030204" pitchFamily="49" charset="0"/>
+              </a:rPr>
+              <a:t>appender</a:t>
+            </a:r>
+            <a:r>
+              <a:rPr lang="en-GB" dirty="0" smtClean="0">
+                <a:latin typeface="Consolas" panose="020B0609020204030204" pitchFamily="49" charset="0"/>
+              </a:rPr>
+              <a:t>(</a:t>
+            </a:r>
+            <a:r>
+              <a:rPr lang="en-GB" dirty="0" err="1" smtClean="0">
+                <a:latin typeface="Consolas" panose="020B0609020204030204" pitchFamily="49" charset="0"/>
+              </a:rPr>
+              <a:t>int</a:t>
+            </a:r>
+            <a:r>
+              <a:rPr lang="en-GB" dirty="0" smtClean="0">
+                <a:latin typeface="Consolas" panose="020B0609020204030204" pitchFamily="49" charset="0"/>
+              </a:rPr>
+              <a:t>, String)</a:t>
+            </a:r>
+            <a:endParaRPr lang="en-GB" dirty="0" smtClean="0"/>
+          </a:p>
+          <a:p>
+            <a:r>
+              <a:rPr lang="en-GB" dirty="0" smtClean="0"/>
+              <a:t>I am going to rename a method and </a:t>
             </a:r>
             <a:r>
               <a:rPr lang="en-GB" dirty="0"/>
-              <a:t>-jar csar.jar SELECT </a:t>
+              <a:t>want to automate </a:t>
+            </a:r>
+            <a:r>
+              <a:rPr lang="en-GB" dirty="0" smtClean="0"/>
+              <a:t>it</a:t>
+            </a:r>
+          </a:p>
+          <a:p>
+            <a:pPr marL="0" indent="0">
+              <a:buNone/>
+            </a:pPr>
+            <a:r>
+              <a:rPr lang="en-GB" dirty="0" smtClean="0"/>
+              <a:t>     e.g. </a:t>
+            </a:r>
+            <a:r>
+              <a:rPr lang="en-GB" dirty="0" smtClean="0">
+                <a:solidFill>
+                  <a:srgbClr val="00B0F0"/>
+                </a:solidFill>
+                <a:latin typeface="Consolas" panose="020B0609020204030204" pitchFamily="49" charset="0"/>
+              </a:rPr>
+              <a:t>public</a:t>
+            </a:r>
+            <a:r>
+              <a:rPr lang="en-GB" dirty="0" smtClean="0">
+                <a:latin typeface="Consolas" panose="020B0609020204030204" pitchFamily="49" charset="0"/>
+              </a:rPr>
+              <a:t> </a:t>
+            </a:r>
+            <a:r>
+              <a:rPr lang="en-GB" dirty="0" err="1" smtClean="0">
+                <a:solidFill>
+                  <a:srgbClr val="00B0F0"/>
+                </a:solidFill>
+                <a:latin typeface="Consolas" panose="020B0609020204030204" pitchFamily="49" charset="0"/>
+              </a:rPr>
+              <a:t>int</a:t>
+            </a:r>
+            <a:r>
+              <a:rPr lang="en-GB" dirty="0" smtClean="0">
+                <a:solidFill>
+                  <a:srgbClr val="00B0F0"/>
+                </a:solidFill>
+                <a:latin typeface="Consolas" panose="020B0609020204030204" pitchFamily="49" charset="0"/>
+              </a:rPr>
+              <a:t> </a:t>
+            </a:r>
+            <a:r>
+              <a:rPr lang="en-GB" dirty="0" smtClean="0">
+                <a:latin typeface="Consolas" panose="020B0609020204030204" pitchFamily="49" charset="0"/>
+              </a:rPr>
+              <a:t>add(</a:t>
+            </a:r>
+            <a:r>
+              <a:rPr lang="en-GB" dirty="0" err="1" smtClean="0">
+                <a:solidFill>
+                  <a:srgbClr val="00B0F0"/>
+                </a:solidFill>
+                <a:latin typeface="Consolas" panose="020B0609020204030204" pitchFamily="49" charset="0"/>
+              </a:rPr>
+              <a:t>int</a:t>
+            </a:r>
+            <a:r>
+              <a:rPr lang="en-GB" dirty="0" smtClean="0">
+                <a:latin typeface="Consolas" panose="020B0609020204030204" pitchFamily="49" charset="0"/>
+              </a:rPr>
+              <a:t> a, </a:t>
+            </a:r>
+            <a:r>
+              <a:rPr lang="en-GB" dirty="0" err="1" smtClean="0">
+                <a:solidFill>
+                  <a:srgbClr val="00B0F0"/>
+                </a:solidFill>
+                <a:latin typeface="Consolas" panose="020B0609020204030204" pitchFamily="49" charset="0"/>
+              </a:rPr>
+              <a:t>int</a:t>
+            </a:r>
+            <a:r>
+              <a:rPr lang="en-GB" dirty="0" smtClean="0">
+                <a:latin typeface="Consolas" panose="020B0609020204030204" pitchFamily="49" charset="0"/>
+              </a:rPr>
+              <a:t> b, </a:t>
+            </a:r>
+            <a:r>
+              <a:rPr lang="en-GB" dirty="0" err="1" smtClean="0">
+                <a:solidFill>
+                  <a:srgbClr val="00B0F0"/>
+                </a:solidFill>
+                <a:latin typeface="Consolas" panose="020B0609020204030204" pitchFamily="49" charset="0"/>
+              </a:rPr>
+              <a:t>int</a:t>
+            </a:r>
+            <a:r>
+              <a:rPr lang="en-GB" dirty="0" smtClean="0">
+                <a:solidFill>
+                  <a:srgbClr val="00B0F0"/>
+                </a:solidFill>
+                <a:latin typeface="Consolas" panose="020B0609020204030204" pitchFamily="49" charset="0"/>
+              </a:rPr>
+              <a:t> </a:t>
+            </a:r>
+            <a:r>
+              <a:rPr lang="en-GB" dirty="0" smtClean="0">
+                <a:latin typeface="Consolas" panose="020B0609020204030204" pitchFamily="49" charset="0"/>
+              </a:rPr>
+              <a:t>c, </a:t>
+            </a:r>
+            <a:r>
+              <a:rPr lang="en-GB" dirty="0" err="1" smtClean="0">
+                <a:solidFill>
+                  <a:srgbClr val="00B0F0"/>
+                </a:solidFill>
+                <a:latin typeface="Consolas" panose="020B0609020204030204" pitchFamily="49" charset="0"/>
+              </a:rPr>
+              <a:t>int</a:t>
+            </a:r>
+            <a:r>
+              <a:rPr lang="en-GB" dirty="0" smtClean="0">
+                <a:latin typeface="Consolas" panose="020B0609020204030204" pitchFamily="49" charset="0"/>
+              </a:rPr>
+              <a:t> d) { </a:t>
+            </a:r>
+            <a:r>
+              <a:rPr lang="en-GB" dirty="0" smtClean="0">
+                <a:solidFill>
+                  <a:srgbClr val="00B0F0"/>
+                </a:solidFill>
+                <a:latin typeface="Consolas" panose="020B0609020204030204" pitchFamily="49" charset="0"/>
+              </a:rPr>
+              <a:t>return</a:t>
+            </a:r>
+            <a:r>
+              <a:rPr lang="en-GB" dirty="0" smtClean="0">
+                <a:latin typeface="Consolas" panose="020B0609020204030204" pitchFamily="49" charset="0"/>
+              </a:rPr>
+              <a:t> a + … + d; }</a:t>
+            </a:r>
+          </a:p>
+          <a:p>
+            <a:pPr marL="0" indent="0">
+              <a:buNone/>
+            </a:pPr>
+            <a:r>
+              <a:rPr lang="en-GB" dirty="0" smtClean="0"/>
+              <a:t>     </a:t>
             </a:r>
             <a:r>
               <a:rPr lang="en-GB" dirty="0" err="1" smtClean="0"/>
-              <a:t>method:def:ADD</a:t>
-            </a:r>
-            <a:r>
-              <a:rPr lang="en-GB" dirty="0" smtClean="0"/>
+              <a:t>csar</a:t>
+            </a:r>
+            <a:r>
+              <a:rPr lang="en-GB" dirty="0" smtClean="0"/>
+              <a:t>: </a:t>
+            </a:r>
+            <a:r>
+              <a:rPr lang="en-GB" dirty="0" smtClean="0">
+                <a:latin typeface="Consolas" panose="020B0609020204030204" pitchFamily="49" charset="0"/>
+              </a:rPr>
+              <a:t>SELECT </a:t>
+            </a:r>
+            <a:r>
+              <a:rPr lang="en-GB" dirty="0" err="1" smtClean="0">
+                <a:latin typeface="Consolas" panose="020B0609020204030204" pitchFamily="49" charset="0"/>
+              </a:rPr>
+              <a:t>method:def:public</a:t>
+            </a:r>
+            <a:r>
+              <a:rPr lang="en-GB" dirty="0" smtClean="0">
+                <a:latin typeface="Consolas" panose="020B0609020204030204" pitchFamily="49" charset="0"/>
+              </a:rPr>
               <a:t> </a:t>
             </a:r>
             <a:r>
+              <a:rPr lang="en-GB" dirty="0" err="1" smtClean="0">
+                <a:latin typeface="Consolas" panose="020B0609020204030204" pitchFamily="49" charset="0"/>
+              </a:rPr>
+              <a:t>int</a:t>
+            </a:r>
+            <a:r>
+              <a:rPr lang="en-GB" dirty="0" smtClean="0">
+                <a:latin typeface="Consolas" panose="020B0609020204030204" pitchFamily="49" charset="0"/>
+              </a:rPr>
+              <a:t> add(4) REFACTOR </a:t>
+            </a:r>
+            <a:r>
+              <a:rPr lang="en-GB" dirty="0" err="1" smtClean="0">
+                <a:latin typeface="Consolas" panose="020B0609020204030204" pitchFamily="49" charset="0"/>
+              </a:rPr>
+              <a:t>rename:sum</a:t>
+            </a:r>
+            <a:endParaRPr lang="en-GB" dirty="0" smtClean="0">
+              <a:latin typeface="Consolas" panose="020B0609020204030204" pitchFamily="49" charset="0"/>
+            </a:endParaRPr>
+          </a:p>
+          <a:p>
+            <a:r>
+              <a:rPr lang="en-GB" dirty="0" smtClean="0"/>
+              <a:t>I am going to modify a method signature to reduce redundancies and want to automate it</a:t>
+            </a:r>
+          </a:p>
+          <a:p>
+            <a:pPr marL="0" indent="0">
+              <a:buNone/>
+            </a:pPr>
+            <a:r>
               <a:rPr lang="en-GB" dirty="0"/>
-              <a:t>REFACTOR </a:t>
+              <a:t> </a:t>
+            </a:r>
+            <a:r>
+              <a:rPr lang="en-GB" dirty="0" smtClean="0"/>
+              <a:t>    e.g. </a:t>
+            </a:r>
+            <a:r>
+              <a:rPr lang="en-GB" dirty="0" smtClean="0">
+                <a:solidFill>
+                  <a:srgbClr val="00B0F0"/>
+                </a:solidFill>
+                <a:latin typeface="Consolas" panose="020B0609020204030204" pitchFamily="49" charset="0"/>
+              </a:rPr>
+              <a:t>public</a:t>
+            </a:r>
+            <a:r>
+              <a:rPr lang="en-GB" dirty="0" smtClean="0">
+                <a:latin typeface="Consolas" panose="020B0609020204030204" pitchFamily="49" charset="0"/>
+              </a:rPr>
+              <a:t> </a:t>
+            </a:r>
+            <a:r>
+              <a:rPr lang="en-GB" dirty="0" err="1" smtClean="0">
+                <a:solidFill>
+                  <a:srgbClr val="00B0F0"/>
+                </a:solidFill>
+                <a:latin typeface="Consolas" panose="020B0609020204030204" pitchFamily="49" charset="0"/>
+              </a:rPr>
+              <a:t>int</a:t>
+            </a:r>
+            <a:r>
+              <a:rPr lang="en-GB" dirty="0" smtClean="0">
+                <a:latin typeface="Consolas" panose="020B0609020204030204" pitchFamily="49" charset="0"/>
+              </a:rPr>
+              <a:t> double(</a:t>
+            </a:r>
+            <a:r>
+              <a:rPr lang="en-GB" dirty="0" err="1" smtClean="0">
+                <a:solidFill>
+                  <a:srgbClr val="00B0F0"/>
+                </a:solidFill>
+                <a:latin typeface="Consolas" panose="020B0609020204030204" pitchFamily="49" charset="0"/>
+              </a:rPr>
+              <a:t>int</a:t>
+            </a:r>
+            <a:r>
+              <a:rPr lang="en-GB" dirty="0" smtClean="0">
+                <a:latin typeface="Consolas" panose="020B0609020204030204" pitchFamily="49" charset="0"/>
+              </a:rPr>
+              <a:t> a, </a:t>
+            </a:r>
+            <a:r>
+              <a:rPr lang="en-GB" dirty="0" err="1" smtClean="0">
+                <a:solidFill>
+                  <a:srgbClr val="00B0F0"/>
+                </a:solidFill>
+                <a:latin typeface="Consolas" panose="020B0609020204030204" pitchFamily="49" charset="0"/>
+              </a:rPr>
+              <a:t>int</a:t>
+            </a:r>
+            <a:r>
+              <a:rPr lang="en-GB" dirty="0" smtClean="0">
+                <a:latin typeface="Consolas" panose="020B0609020204030204" pitchFamily="49" charset="0"/>
+              </a:rPr>
+              <a:t> b) { </a:t>
+            </a:r>
+            <a:r>
+              <a:rPr lang="en-GB" dirty="0" smtClean="0">
+                <a:solidFill>
+                  <a:srgbClr val="00B0F0"/>
+                </a:solidFill>
+                <a:latin typeface="Consolas" panose="020B0609020204030204" pitchFamily="49" charset="0"/>
+              </a:rPr>
+              <a:t>return</a:t>
+            </a:r>
+            <a:r>
+              <a:rPr lang="en-GB" dirty="0" smtClean="0">
+                <a:latin typeface="Consolas" panose="020B0609020204030204" pitchFamily="49" charset="0"/>
+              </a:rPr>
+              <a:t> </a:t>
+            </a:r>
+            <a:r>
+              <a:rPr lang="en-GB" dirty="0" smtClean="0">
+                <a:solidFill>
+                  <a:srgbClr val="FFC000"/>
+                </a:solidFill>
+                <a:latin typeface="Consolas" panose="020B0609020204030204" pitchFamily="49" charset="0"/>
+              </a:rPr>
+              <a:t>2</a:t>
+            </a:r>
+            <a:r>
+              <a:rPr lang="en-GB" dirty="0" smtClean="0">
+                <a:latin typeface="Consolas" panose="020B0609020204030204" pitchFamily="49" charset="0"/>
+              </a:rPr>
+              <a:t> * a; }</a:t>
+            </a:r>
+          </a:p>
+          <a:p>
+            <a:pPr marL="0" indent="0">
+              <a:buNone/>
+            </a:pPr>
+            <a:r>
+              <a:rPr lang="en-GB" dirty="0"/>
+              <a:t> </a:t>
+            </a:r>
+            <a:r>
+              <a:rPr lang="en-GB" dirty="0" smtClean="0"/>
+              <a:t>    </a:t>
             </a:r>
             <a:r>
               <a:rPr lang="en-GB" dirty="0" err="1" smtClean="0"/>
-              <a:t>RENAME:add</a:t>
-            </a:r>
-            <a:r>
-              <a:rPr lang="en-GB" dirty="0" smtClean="0"/>
-              <a:t> -t 4</a:t>
-            </a:r>
-          </a:p>
-          <a:p>
-            <a:r>
-              <a:rPr lang="en-GB" dirty="0" smtClean="0"/>
-              <a:t>Outputs: </a:t>
-            </a:r>
-            <a:r>
-              <a:rPr lang="en-GB" dirty="0" smtClean="0"/>
-              <a:t>search results and then refactor </a:t>
-            </a:r>
-            <a:r>
-              <a:rPr lang="en-GB" dirty="0" smtClean="0"/>
-              <a:t>results (on ‘standard’ output stream)</a:t>
-            </a:r>
-          </a:p>
-          <a:p>
-            <a:r>
-              <a:rPr lang="en-GB" dirty="0" smtClean="0"/>
-              <a:t>Note: debugging info is </a:t>
-            </a:r>
-            <a:r>
-              <a:rPr lang="en-GB" dirty="0"/>
-              <a:t>available </a:t>
-            </a:r>
-            <a:r>
-              <a:rPr lang="en-GB" dirty="0" smtClean="0"/>
-              <a:t>(on </a:t>
-            </a:r>
-            <a:r>
-              <a:rPr lang="en-GB" dirty="0"/>
-              <a:t>the ‘standard’ error output </a:t>
-            </a:r>
-            <a:r>
-              <a:rPr lang="en-GB" dirty="0" smtClean="0"/>
-              <a:t>stream)</a:t>
-            </a:r>
-            <a:endParaRPr lang="en-GB" dirty="0" smtClean="0"/>
-          </a:p>
-          <a:p>
-            <a:r>
-              <a:rPr lang="en-GB" dirty="0" smtClean="0"/>
-              <a:t>Configurable output schema: plain text, JSON, or your own</a:t>
-            </a:r>
-            <a:r>
-              <a:rPr lang="en-GB" dirty="0" smtClean="0"/>
-              <a:t>!</a:t>
-            </a:r>
-            <a:endParaRPr lang="en-GB" dirty="0" smtClean="0"/>
+              <a:t>csar</a:t>
+            </a:r>
+            <a:r>
+              <a:rPr lang="en-GB" dirty="0" smtClean="0"/>
+              <a:t>: </a:t>
+            </a:r>
+            <a:r>
+              <a:rPr lang="en-GB" dirty="0" smtClean="0">
+                <a:latin typeface="Consolas" panose="020B0609020204030204" pitchFamily="49" charset="0"/>
+              </a:rPr>
+              <a:t>SELECT </a:t>
+            </a:r>
+            <a:r>
+              <a:rPr lang="en-GB" dirty="0" err="1" smtClean="0">
+                <a:latin typeface="Consolas" panose="020B0609020204030204" pitchFamily="49" charset="0"/>
+              </a:rPr>
+              <a:t>method:def:public</a:t>
+            </a:r>
+            <a:r>
+              <a:rPr lang="en-GB" dirty="0" smtClean="0">
+                <a:latin typeface="Consolas" panose="020B0609020204030204" pitchFamily="49" charset="0"/>
+              </a:rPr>
+              <a:t> </a:t>
+            </a:r>
+            <a:r>
+              <a:rPr lang="en-GB" dirty="0" err="1" smtClean="0">
+                <a:latin typeface="Consolas" panose="020B0609020204030204" pitchFamily="49" charset="0"/>
+              </a:rPr>
+              <a:t>int</a:t>
+            </a:r>
+            <a:r>
+              <a:rPr lang="en-GB" dirty="0" smtClean="0">
+                <a:latin typeface="Consolas" panose="020B0609020204030204" pitchFamily="49" charset="0"/>
+              </a:rPr>
+              <a:t> double(2) REFACTOR </a:t>
+            </a:r>
+            <a:r>
+              <a:rPr lang="en-GB" dirty="0" err="1" smtClean="0">
+                <a:latin typeface="Consolas" panose="020B0609020204030204" pitchFamily="49" charset="0"/>
+              </a:rPr>
+              <a:t>changeparam:int</a:t>
+            </a:r>
+            <a:r>
+              <a:rPr lang="en-GB" dirty="0" smtClean="0">
+                <a:latin typeface="Consolas" panose="020B0609020204030204" pitchFamily="49" charset="0"/>
+              </a:rPr>
+              <a:t> a</a:t>
+            </a:r>
           </a:p>
         </p:txBody>
       </p:sp>
     </p:spTree>
     <p:extLst>
       <p:ext uri="{BB962C8B-B14F-4D97-AF65-F5344CB8AC3E}">
-        <p14:creationId xmlns:p14="http://schemas.microsoft.com/office/powerpoint/2010/main" val="1727412427"/>
+        <p14:creationId xmlns:p14="http://schemas.microsoft.com/office/powerpoint/2010/main" val="920492033"/>
       </p:ext>
     </p:extLst>
   </p:cSld>
@@ -6238,7 +7902,356 @@
   <p:timing>
     <p:tnLst>
       <p:par>
-        <p:cTn id="1" dur="indefinite" restart="never" nodeType="tmRoot"/>
+        <p:cTn id="1" dur="indefinite" restart="never" nodeType="tmRoot">
+          <p:childTnLst>
+            <p:seq concurrent="1" nextAc="seek">
+              <p:cTn id="2" dur="indefinite" nodeType="mainSeq">
+                <p:childTnLst>
+                  <p:par>
+                    <p:cTn id="3" fill="hold">
+                      <p:stCondLst>
+                        <p:cond delay="indefinite"/>
+                      </p:stCondLst>
+                      <p:childTnLst>
+                        <p:par>
+                          <p:cTn id="4" fill="hold">
+                            <p:stCondLst>
+                              <p:cond delay="0"/>
+                            </p:stCondLst>
+                            <p:childTnLst>
+                              <p:par>
+                                <p:cTn id="5" presetID="10" presetClass="entr" presetSubtype="0" fill="hold" nodeType="clickEffect">
+                                  <p:stCondLst>
+                                    <p:cond delay="0"/>
+                                  </p:stCondLst>
+                                  <p:childTnLst>
+                                    <p:set>
+                                      <p:cBhvr>
+                                        <p:cTn id="6" dur="1" fill="hold">
+                                          <p:stCondLst>
+                                            <p:cond delay="0"/>
+                                          </p:stCondLst>
+                                        </p:cTn>
+                                        <p:tgtEl>
+                                          <p:spTgt spid="3">
+                                            <p:txEl>
+                                              <p:pRg st="0" end="0"/>
+                                            </p:txEl>
+                                          </p:spTgt>
+                                        </p:tgtEl>
+                                        <p:attrNameLst>
+                                          <p:attrName>style.visibility</p:attrName>
+                                        </p:attrNameLst>
+                                      </p:cBhvr>
+                                      <p:to>
+                                        <p:strVal val="visible"/>
+                                      </p:to>
+                                    </p:set>
+                                    <p:animEffect transition="in" filter="fade">
+                                      <p:cBhvr>
+                                        <p:cTn id="7" dur="500"/>
+                                        <p:tgtEl>
+                                          <p:spTgt spid="3">
+                                            <p:txEl>
+                                              <p:pRg st="0" end="0"/>
+                                            </p:txEl>
+                                          </p:spTgt>
+                                        </p:tgtEl>
+                                      </p:cBhvr>
+                                    </p:animEffect>
+                                  </p:childTnLst>
+                                </p:cTn>
+                              </p:par>
+                              <p:par>
+                                <p:cTn id="8" presetID="10" presetClass="entr" presetSubtype="0" fill="hold" nodeType="withEffect">
+                                  <p:stCondLst>
+                                    <p:cond delay="0"/>
+                                  </p:stCondLst>
+                                  <p:childTnLst>
+                                    <p:set>
+                                      <p:cBhvr>
+                                        <p:cTn id="9" dur="1" fill="hold">
+                                          <p:stCondLst>
+                                            <p:cond delay="0"/>
+                                          </p:stCondLst>
+                                        </p:cTn>
+                                        <p:tgtEl>
+                                          <p:spTgt spid="3">
+                                            <p:txEl>
+                                              <p:pRg st="1" end="1"/>
+                                            </p:txEl>
+                                          </p:spTgt>
+                                        </p:tgtEl>
+                                        <p:attrNameLst>
+                                          <p:attrName>style.visibility</p:attrName>
+                                        </p:attrNameLst>
+                                      </p:cBhvr>
+                                      <p:to>
+                                        <p:strVal val="visible"/>
+                                      </p:to>
+                                    </p:set>
+                                    <p:animEffect transition="in" filter="fade">
+                                      <p:cBhvr>
+                                        <p:cTn id="10" dur="500"/>
+                                        <p:tgtEl>
+                                          <p:spTgt spid="3">
+                                            <p:txEl>
+                                              <p:pRg st="1" end="1"/>
+                                            </p:txEl>
+                                          </p:spTgt>
+                                        </p:tgtEl>
+                                      </p:cBhvr>
+                                    </p:animEffect>
+                                  </p:childTnLst>
+                                </p:cTn>
+                              </p:par>
+                            </p:childTnLst>
+                          </p:cTn>
+                        </p:par>
+                      </p:childTnLst>
+                    </p:cTn>
+                  </p:par>
+                  <p:par>
+                    <p:cTn id="11" fill="hold">
+                      <p:stCondLst>
+                        <p:cond delay="indefinite"/>
+                      </p:stCondLst>
+                      <p:childTnLst>
+                        <p:par>
+                          <p:cTn id="12" fill="hold">
+                            <p:stCondLst>
+                              <p:cond delay="0"/>
+                            </p:stCondLst>
+                            <p:childTnLst>
+                              <p:par>
+                                <p:cTn id="13" presetID="1" presetClass="entr" presetSubtype="0" fill="hold" nodeType="clickEffect">
+                                  <p:stCondLst>
+                                    <p:cond delay="0"/>
+                                  </p:stCondLst>
+                                  <p:childTnLst>
+                                    <p:set>
+                                      <p:cBhvr>
+                                        <p:cTn id="14" dur="1" fill="hold">
+                                          <p:stCondLst>
+                                            <p:cond delay="0"/>
+                                          </p:stCondLst>
+                                        </p:cTn>
+                                        <p:tgtEl>
+                                          <p:spTgt spid="3">
+                                            <p:txEl>
+                                              <p:pRg st="2" end="2"/>
+                                            </p:txEl>
+                                          </p:spTgt>
+                                        </p:tgtEl>
+                                        <p:attrNameLst>
+                                          <p:attrName>style.visibility</p:attrName>
+                                        </p:attrNameLst>
+                                      </p:cBhvr>
+                                      <p:to>
+                                        <p:strVal val="visible"/>
+                                      </p:to>
+                                    </p:set>
+                                  </p:childTnLst>
+                                </p:cTn>
+                              </p:par>
+                              <p:par>
+                                <p:cTn id="15" presetID="1" presetClass="entr" presetSubtype="0" fill="hold" nodeType="withEffect">
+                                  <p:stCondLst>
+                                    <p:cond delay="0"/>
+                                  </p:stCondLst>
+                                  <p:childTnLst>
+                                    <p:set>
+                                      <p:cBhvr>
+                                        <p:cTn id="16" dur="1" fill="hold">
+                                          <p:stCondLst>
+                                            <p:cond delay="0"/>
+                                          </p:stCondLst>
+                                        </p:cTn>
+                                        <p:tgtEl>
+                                          <p:spTgt spid="3">
+                                            <p:txEl>
+                                              <p:pRg st="3" end="3"/>
+                                            </p:txEl>
+                                          </p:spTgt>
+                                        </p:tgtEl>
+                                        <p:attrNameLst>
+                                          <p:attrName>style.visibility</p:attrName>
+                                        </p:attrNameLst>
+                                      </p:cBhvr>
+                                      <p:to>
+                                        <p:strVal val="visible"/>
+                                      </p:to>
+                                    </p:set>
+                                  </p:childTnLst>
+                                </p:cTn>
+                              </p:par>
+                              <p:par>
+                                <p:cTn id="17" presetID="1" presetClass="entr" presetSubtype="0" fill="hold" nodeType="withEffect">
+                                  <p:stCondLst>
+                                    <p:cond delay="0"/>
+                                  </p:stCondLst>
+                                  <p:childTnLst>
+                                    <p:set>
+                                      <p:cBhvr>
+                                        <p:cTn id="18" dur="1" fill="hold">
+                                          <p:stCondLst>
+                                            <p:cond delay="0"/>
+                                          </p:stCondLst>
+                                        </p:cTn>
+                                        <p:tgtEl>
+                                          <p:spTgt spid="3">
+                                            <p:txEl>
+                                              <p:pRg st="4" end="4"/>
+                                            </p:txEl>
+                                          </p:spTgt>
+                                        </p:tgtEl>
+                                        <p:attrNameLst>
+                                          <p:attrName>style.visibility</p:attrName>
+                                        </p:attrNameLst>
+                                      </p:cBhvr>
+                                      <p:to>
+                                        <p:strVal val="visible"/>
+                                      </p:to>
+                                    </p:set>
+                                  </p:childTnLst>
+                                </p:cTn>
+                              </p:par>
+                            </p:childTnLst>
+                          </p:cTn>
+                        </p:par>
+                      </p:childTnLst>
+                    </p:cTn>
+                  </p:par>
+                  <p:par>
+                    <p:cTn id="19" fill="hold">
+                      <p:stCondLst>
+                        <p:cond delay="indefinite"/>
+                      </p:stCondLst>
+                      <p:childTnLst>
+                        <p:par>
+                          <p:cTn id="20" fill="hold">
+                            <p:stCondLst>
+                              <p:cond delay="0"/>
+                            </p:stCondLst>
+                            <p:childTnLst>
+                              <p:par>
+                                <p:cTn id="21" presetID="1" presetClass="entr" presetSubtype="0" fill="hold" nodeType="clickEffect">
+                                  <p:stCondLst>
+                                    <p:cond delay="0"/>
+                                  </p:stCondLst>
+                                  <p:childTnLst>
+                                    <p:set>
+                                      <p:cBhvr>
+                                        <p:cTn id="22" dur="1" fill="hold">
+                                          <p:stCondLst>
+                                            <p:cond delay="0"/>
+                                          </p:stCondLst>
+                                        </p:cTn>
+                                        <p:tgtEl>
+                                          <p:spTgt spid="3">
+                                            <p:txEl>
+                                              <p:pRg st="5" end="5"/>
+                                            </p:txEl>
+                                          </p:spTgt>
+                                        </p:tgtEl>
+                                        <p:attrNameLst>
+                                          <p:attrName>style.visibility</p:attrName>
+                                        </p:attrNameLst>
+                                      </p:cBhvr>
+                                      <p:to>
+                                        <p:strVal val="visible"/>
+                                      </p:to>
+                                    </p:set>
+                                  </p:childTnLst>
+                                </p:cTn>
+                              </p:par>
+                              <p:par>
+                                <p:cTn id="23" presetID="1" presetClass="entr" presetSubtype="0" fill="hold" nodeType="withEffect">
+                                  <p:stCondLst>
+                                    <p:cond delay="0"/>
+                                  </p:stCondLst>
+                                  <p:childTnLst>
+                                    <p:set>
+                                      <p:cBhvr>
+                                        <p:cTn id="24" dur="1" fill="hold">
+                                          <p:stCondLst>
+                                            <p:cond delay="0"/>
+                                          </p:stCondLst>
+                                        </p:cTn>
+                                        <p:tgtEl>
+                                          <p:spTgt spid="3">
+                                            <p:txEl>
+                                              <p:pRg st="6" end="6"/>
+                                            </p:txEl>
+                                          </p:spTgt>
+                                        </p:tgtEl>
+                                        <p:attrNameLst>
+                                          <p:attrName>style.visibility</p:attrName>
+                                        </p:attrNameLst>
+                                      </p:cBhvr>
+                                      <p:to>
+                                        <p:strVal val="visible"/>
+                                      </p:to>
+                                    </p:set>
+                                  </p:childTnLst>
+                                </p:cTn>
+                              </p:par>
+                              <p:par>
+                                <p:cTn id="25" presetID="1" presetClass="entr" presetSubtype="0" fill="hold" nodeType="withEffect">
+                                  <p:stCondLst>
+                                    <p:cond delay="0"/>
+                                  </p:stCondLst>
+                                  <p:childTnLst>
+                                    <p:set>
+                                      <p:cBhvr>
+                                        <p:cTn id="26" dur="1" fill="hold">
+                                          <p:stCondLst>
+                                            <p:cond delay="0"/>
+                                          </p:stCondLst>
+                                        </p:cTn>
+                                        <p:tgtEl>
+                                          <p:spTgt spid="3">
+                                            <p:txEl>
+                                              <p:pRg st="7" end="7"/>
+                                            </p:txEl>
+                                          </p:spTgt>
+                                        </p:tgtEl>
+                                        <p:attrNameLst>
+                                          <p:attrName>style.visibility</p:attrName>
+                                        </p:attrNameLst>
+                                      </p:cBhvr>
+                                      <p:to>
+                                        <p:strVal val="visible"/>
+                                      </p:to>
+                                    </p:set>
+                                  </p:childTnLst>
+                                </p:cTn>
+                              </p:par>
+                            </p:childTnLst>
+                          </p:cTn>
+                        </p:par>
+                      </p:childTnLst>
+                    </p:cTn>
+                  </p:par>
+                </p:childTnLst>
+              </p:cTn>
+              <p:prevCondLst>
+                <p:cond evt="onPrev" delay="0">
+                  <p:tgtEl>
+                    <p:sldTgt/>
+                  </p:tgtEl>
+                </p:cond>
+              </p:prevCondLst>
+              <p:nextCondLst>
+                <p:cond evt="onNext" delay="0">
+                  <p:tgtEl>
+                    <p:sldTgt/>
+                  </p:tgtEl>
+                </p:cond>
+              </p:nextCondLst>
+            </p:seq>
+          </p:childTnLst>
+        </p:cTn>
       </p:par>
     </p:tnLst>
   </p:timing>
@@ -6279,7 +8292,7 @@
           <a:p>
             <a:r>
               <a:rPr lang="en-GB" dirty="0" smtClean="0"/>
-              <a:t>Achievements – Successes</a:t>
+              <a:t>High-level Structure</a:t>
             </a:r>
             <a:endParaRPr lang="en-GB" dirty="0"/>
           </a:p>
@@ -6297,125 +8310,75 @@
         </p:nvSpPr>
         <p:spPr/>
         <p:txBody>
-          <a:bodyPr>
-            <a:normAutofit/>
-          </a:bodyPr>
+          <a:bodyPr/>
           <a:lstStyle/>
           <a:p>
             <a:r>
-              <a:rPr lang="en-GB" dirty="0" smtClean="0"/>
-              <a:t>Support </a:t>
-            </a:r>
-            <a:r>
-              <a:rPr lang="en-GB" dirty="0"/>
-              <a:t>for git, hg</a:t>
-            </a:r>
-            <a:r>
-              <a:rPr lang="en-GB" dirty="0" smtClean="0"/>
-              <a:t>, </a:t>
-            </a:r>
-            <a:r>
-              <a:rPr lang="en-GB" dirty="0"/>
-              <a:t>and </a:t>
-            </a:r>
-            <a:r>
               <a:rPr lang="en-GB" dirty="0" err="1" smtClean="0"/>
-              <a:t>svn</a:t>
-            </a:r>
-            <a:r>
-              <a:rPr lang="en-GB" dirty="0" smtClean="0"/>
-              <a:t> </a:t>
-            </a:r>
-            <a:r>
-              <a:rPr lang="en-GB" dirty="0" smtClean="0"/>
-              <a:t>repositories</a:t>
-            </a:r>
-          </a:p>
-          <a:p>
-            <a:r>
-              <a:rPr lang="en-GB" dirty="0" smtClean="0"/>
-              <a:t>Implemented query language</a:t>
-            </a:r>
-            <a:endParaRPr lang="en-GB" dirty="0" smtClean="0"/>
-          </a:p>
-          <a:p>
-            <a:r>
-              <a:rPr lang="en-GB" dirty="0" smtClean="0"/>
-              <a:t>Implemented support for Java 8</a:t>
+              <a:t>csar</a:t>
+            </a:r>
+            <a:r>
+              <a:rPr lang="en-GB" dirty="0" smtClean="0"/>
+              <a:t> is designed in a modular way</a:t>
+            </a:r>
+          </a:p>
+          <a:p>
+            <a:r>
+              <a:rPr lang="en-GB" dirty="0" smtClean="0"/>
+              <a:t>These modules can be described as:</a:t>
             </a:r>
           </a:p>
           <a:p>
             <a:pPr lvl="1"/>
             <a:r>
-              <a:rPr lang="en-GB" dirty="0"/>
-              <a:t>Searching for methods (definitions and usages)</a:t>
+              <a:rPr lang="en-GB" dirty="0" smtClean="0"/>
+              <a:t>Frontend</a:t>
             </a:r>
           </a:p>
           <a:p>
             <a:pPr lvl="1"/>
             <a:r>
-              <a:rPr lang="en-GB" dirty="0"/>
-              <a:t>Refactoring for methods (renaming and changing parameters</a:t>
-            </a:r>
-            <a:r>
-              <a:rPr lang="en-GB" dirty="0" smtClean="0"/>
-              <a:t>)</a:t>
+              <a:rPr lang="en-GB" dirty="0" smtClean="0"/>
+              <a:t>API</a:t>
             </a:r>
           </a:p>
           <a:p>
             <a:pPr lvl="1"/>
             <a:r>
               <a:rPr lang="en-GB" dirty="0" smtClean="0"/>
-              <a:t>Post-processing</a:t>
-            </a:r>
-          </a:p>
-          <a:p>
-            <a:pPr lvl="2"/>
-            <a:r>
-              <a:rPr lang="en-GB" dirty="0" smtClean="0"/>
-              <a:t>Map m</a:t>
-            </a:r>
-            <a:r>
-              <a:rPr lang="en-GB" dirty="0" smtClean="0"/>
-              <a:t>ethod usages </a:t>
-            </a:r>
-            <a:r>
-              <a:rPr lang="en-GB" dirty="0" smtClean="0"/>
-              <a:t>to method </a:t>
-            </a:r>
-            <a:r>
-              <a:rPr lang="en-GB" dirty="0" smtClean="0"/>
-              <a:t>definitions</a:t>
-            </a:r>
-            <a:endParaRPr lang="en-GB" dirty="0" smtClean="0"/>
-          </a:p>
-          <a:p>
-            <a:pPr lvl="2"/>
-            <a:r>
-              <a:rPr lang="en-GB" dirty="0" smtClean="0"/>
-              <a:t>Type hierarchy generation</a:t>
-            </a:r>
-          </a:p>
-          <a:p>
-            <a:pPr lvl="2"/>
-            <a:r>
-              <a:rPr lang="en-GB" dirty="0" smtClean="0"/>
-              <a:t>Qualified name resolving</a:t>
-            </a:r>
-          </a:p>
-          <a:p>
-            <a:pPr lvl="2"/>
-            <a:r>
-              <a:rPr lang="en-GB" dirty="0" smtClean="0"/>
-              <a:t>Expression type resolving</a:t>
-            </a:r>
-          </a:p>
-        </p:txBody>
-      </p:sp>
+              <a:t>Plugins (multiple modules)</a:t>
+            </a:r>
+          </a:p>
+        </p:txBody>
+      </p:sp>
+      <p:pic>
+        <p:nvPicPr>
+          <p:cNvPr id="4" name="Picture 3"/>
+          <p:cNvPicPr>
+            <a:picLocks noChangeAspect="1"/>
+          </p:cNvPicPr>
+          <p:nvPr/>
+        </p:nvPicPr>
+        <p:blipFill>
+          <a:blip r:embed="rId2"/>
+          <a:stretch>
+            <a:fillRect/>
+          </a:stretch>
+        </p:blipFill>
+        <p:spPr>
+          <a:xfrm>
+            <a:off x="6410584" y="534804"/>
+            <a:ext cx="4146579" cy="5858848"/>
+          </a:xfrm>
+          <a:prstGeom prst="rect">
+            <a:avLst/>
+          </a:prstGeom>
+        </p:spPr>
+      </p:pic>
     </p:spTree>
     <p:extLst>
       <p:ext uri="{BB962C8B-B14F-4D97-AF65-F5344CB8AC3E}">
-        <p14:creationId xmlns:p14="http://schemas.microsoft.com/office/powerpoint/2010/main" val="2479752326"/>
+        <p14:creationId xmlns:p14="http://schemas.microsoft.com/office/powerpoint/2010/main" val="2667307252"/>
       </p:ext>
     </p:extLst>
   </p:cSld>
@@ -6466,7 +8429,7 @@
           <a:p>
             <a:r>
               <a:rPr lang="en-GB" dirty="0" smtClean="0"/>
-              <a:t>Achievements – Selected External Contributions</a:t>
+              <a:t>How it works</a:t>
             </a:r>
             <a:endParaRPr lang="en-GB" dirty="0"/>
           </a:p>
@@ -6485,163 +8448,114 @@
         <p:spPr/>
         <p:txBody>
           <a:bodyPr>
-            <a:normAutofit/>
+            <a:normAutofit lnSpcReduction="10000"/>
           </a:bodyPr>
           <a:lstStyle/>
           <a:p>
             <a:r>
+              <a:rPr lang="en-GB" dirty="0" err="1" smtClean="0"/>
+              <a:t>csar</a:t>
+            </a:r>
+            <a:r>
+              <a:rPr lang="en-GB" dirty="0" smtClean="0"/>
+              <a:t>-frontend invoked with user input</a:t>
+            </a:r>
+          </a:p>
+          <a:p>
+            <a:r>
               <a:rPr lang="en-GB" dirty="0" err="1"/>
-              <a:t>antlr</a:t>
+              <a:t>csar</a:t>
             </a:r>
             <a:r>
               <a:rPr lang="en-GB" dirty="0"/>
-              <a:t>/grammars-v4 (</a:t>
-            </a:r>
-            <a:r>
-              <a:rPr lang="en-GB" dirty="0">
-                <a:hlinkClick r:id="rId2"/>
-              </a:rPr>
-              <a:t>https://github.com/antlr/grammars-v4</a:t>
-            </a:r>
-            <a:r>
-              <a:rPr lang="en-GB" dirty="0" smtClean="0">
-                <a:hlinkClick r:id="rId2"/>
-              </a:rPr>
-              <a:t>/</a:t>
-            </a:r>
-            <a:r>
-              <a:rPr lang="en-GB" dirty="0" smtClean="0"/>
-              <a:t>): 2,500</a:t>
-            </a:r>
-            <a:r>
-              <a:rPr lang="en-GB" smtClean="0"/>
-              <a:t>+ stars</a:t>
+              <a:t>-frontend </a:t>
+            </a:r>
+            <a:r>
+              <a:rPr lang="en-GB" dirty="0" smtClean="0"/>
+              <a:t>invokes </a:t>
+            </a:r>
+            <a:r>
+              <a:rPr lang="en-GB" dirty="0" err="1" smtClean="0"/>
+              <a:t>csar-api</a:t>
             </a:r>
             <a:endParaRPr lang="en-GB" dirty="0" smtClean="0"/>
           </a:p>
           <a:p>
+            <a:r>
+              <a:rPr lang="en-GB" dirty="0" err="1" smtClean="0"/>
+              <a:t>csar-api</a:t>
+            </a:r>
+            <a:r>
+              <a:rPr lang="en-GB" dirty="0" smtClean="0"/>
+              <a:t> carries out the following tasks:</a:t>
+            </a:r>
+          </a:p>
+          <a:p>
             <a:pPr lvl="1"/>
             <a:r>
-              <a:rPr lang="en-GB" dirty="0"/>
-              <a:t>Disallow local </a:t>
-            </a:r>
-            <a:r>
-              <a:rPr lang="en-GB" dirty="0" err="1"/>
-              <a:t>enums</a:t>
-            </a:r>
-            <a:r>
-              <a:rPr lang="en-GB" dirty="0"/>
-              <a:t>/annotations in Java8PT </a:t>
-            </a:r>
-            <a:r>
-              <a:rPr lang="en-GB" dirty="0" smtClean="0"/>
-              <a:t>grammar</a:t>
+              <a:rPr lang="en-GB" dirty="0" smtClean="0"/>
+              <a:t>Load plugins</a:t>
             </a:r>
           </a:p>
           <a:p>
             <a:pPr lvl="1"/>
             <a:r>
-              <a:rPr lang="en-GB" dirty="0"/>
-              <a:t>Allow method reference leading with `this` in Java8PT grammar + minor </a:t>
-            </a:r>
-            <a:r>
-              <a:rPr lang="en-GB" dirty="0" smtClean="0"/>
-              <a:t>reformatting</a:t>
+              <a:rPr lang="en-GB" dirty="0" smtClean="0"/>
+              <a:t>Parse </a:t>
+            </a:r>
+            <a:r>
+              <a:rPr lang="en-GB" dirty="0" err="1" smtClean="0"/>
+              <a:t>csar</a:t>
+            </a:r>
+            <a:r>
+              <a:rPr lang="en-GB" dirty="0" smtClean="0"/>
+              <a:t> query</a:t>
             </a:r>
           </a:p>
           <a:p>
             <a:pPr lvl="1"/>
             <a:r>
-              <a:rPr lang="en-GB" dirty="0"/>
-              <a:t>Improve Java8PT </a:t>
-            </a:r>
-            <a:r>
-              <a:rPr lang="en-GB" dirty="0" err="1"/>
-              <a:t>methodReference</a:t>
-            </a:r>
-            <a:r>
-              <a:rPr lang="en-GB" dirty="0"/>
-              <a:t> </a:t>
-            </a:r>
-            <a:r>
-              <a:rPr lang="en-GB" dirty="0" smtClean="0"/>
-              <a:t>rule</a:t>
+              <a:rPr lang="en-GB" dirty="0" smtClean="0"/>
+              <a:t>Parse project code</a:t>
+            </a:r>
+          </a:p>
+          <a:p>
+            <a:pPr lvl="1"/>
+            <a:r>
+              <a:rPr lang="en-GB" dirty="0" smtClean="0"/>
+              <a:t>Post-process project code</a:t>
+            </a:r>
+          </a:p>
+          <a:p>
+            <a:pPr lvl="1"/>
+            <a:r>
+              <a:rPr lang="en-GB" dirty="0" smtClean="0"/>
+              <a:t>Search project code</a:t>
+            </a:r>
+          </a:p>
+          <a:p>
+            <a:pPr lvl="1"/>
+            <a:r>
+              <a:rPr lang="en-GB" dirty="0" smtClean="0"/>
+              <a:t>Refactor project code (if applicable)</a:t>
             </a:r>
           </a:p>
           <a:p>
             <a:r>
               <a:rPr lang="en-GB" dirty="0" err="1" smtClean="0"/>
-              <a:t>JCommander</a:t>
-            </a:r>
-            <a:r>
-              <a:rPr lang="en-GB" dirty="0" smtClean="0"/>
-              <a:t> </a:t>
-            </a:r>
-            <a:r>
-              <a:rPr lang="en-GB" dirty="0"/>
-              <a:t>(</a:t>
-            </a:r>
-            <a:r>
-              <a:rPr lang="en-GB" dirty="0">
-                <a:hlinkClick r:id="rId3"/>
-              </a:rPr>
-              <a:t>https://</a:t>
-            </a:r>
-            <a:r>
-              <a:rPr lang="en-GB" dirty="0" smtClean="0">
-                <a:hlinkClick r:id="rId3"/>
-              </a:rPr>
-              <a:t>github.com/cbeust/jcommander</a:t>
-            </a:r>
-            <a:r>
-              <a:rPr lang="en-GB" dirty="0" smtClean="0">
-                <a:hlinkClick r:id="rId3"/>
-              </a:rPr>
-              <a:t>/</a:t>
-            </a:r>
-            <a:r>
-              <a:rPr lang="en-GB" dirty="0" smtClean="0"/>
-              <a:t>): 1,000+ stars</a:t>
-            </a:r>
-            <a:endParaRPr lang="en-GB" dirty="0" smtClean="0"/>
-          </a:p>
-          <a:p>
-            <a:pPr lvl="1"/>
-            <a:r>
-              <a:rPr lang="en-GB" dirty="0" smtClean="0"/>
-              <a:t>Flexible </a:t>
-            </a:r>
-            <a:r>
-              <a:rPr lang="en-GB" dirty="0"/>
-              <a:t>usage </a:t>
-            </a:r>
-            <a:r>
-              <a:rPr lang="en-GB" dirty="0" smtClean="0"/>
-              <a:t>formatting</a:t>
-            </a:r>
-          </a:p>
-          <a:p>
-            <a:pPr lvl="1"/>
-            <a:r>
-              <a:rPr lang="en-GB" dirty="0" smtClean="0"/>
-              <a:t>Fix </a:t>
-            </a:r>
-            <a:r>
-              <a:rPr lang="en-GB" dirty="0"/>
-              <a:t>locale-related issues in usage formatter </a:t>
-            </a:r>
-            <a:r>
-              <a:rPr lang="en-GB" dirty="0" smtClean="0"/>
-              <a:t>tests</a:t>
-            </a:r>
-            <a:endParaRPr lang="en-GB" dirty="0" smtClean="0"/>
+              <a:t>csar</a:t>
+            </a:r>
+            <a:r>
+              <a:rPr lang="en-GB" dirty="0" smtClean="0"/>
+              <a:t>-frontend prints search and then refactor results</a:t>
+            </a:r>
           </a:p>
         </p:txBody>
       </p:sp>
     </p:spTree>
     <p:extLst>
       <p:ext uri="{BB962C8B-B14F-4D97-AF65-F5344CB8AC3E}">
-        <p14:creationId xmlns:p14="http://schemas.microsoft.com/office/powerpoint/2010/main" val="1661368123"/>
+        <p14:creationId xmlns:p14="http://schemas.microsoft.com/office/powerpoint/2010/main" val="1384608834"/>
       </p:ext>
     </p:extLst>
   </p:cSld>
@@ -6692,7 +8606,7 @@
           <a:p>
             <a:r>
               <a:rPr lang="en-GB" dirty="0" smtClean="0"/>
-              <a:t>References</a:t>
+              <a:t>Achievements – Successes</a:t>
             </a:r>
             <a:endParaRPr lang="en-GB" dirty="0"/>
           </a:p>
@@ -6708,84 +8622,156 @@
             <p:ph idx="1"/>
           </p:nvPr>
         </p:nvSpPr>
-        <p:spPr/>
-        <p:txBody>
-          <a:bodyPr/>
+        <p:spPr>
+          <a:xfrm>
+            <a:off x="818712" y="2222287"/>
+            <a:ext cx="10554574" cy="4045509"/>
+          </a:xfrm>
+        </p:spPr>
+        <p:txBody>
+          <a:bodyPr>
+            <a:normAutofit fontScale="92500" lnSpcReduction="10000"/>
+          </a:bodyPr>
           <a:lstStyle/>
           <a:p>
             <a:r>
               <a:rPr lang="en-GB" dirty="0" smtClean="0"/>
-              <a:t>Selected External Contributions: </a:t>
+              <a:t>Support </a:t>
+            </a:r>
+            <a:r>
+              <a:rPr lang="en-GB" dirty="0"/>
+              <a:t>for git, </a:t>
+            </a:r>
+            <a:r>
+              <a:rPr lang="en-GB" dirty="0" smtClean="0"/>
+              <a:t>mercurial (hg), </a:t>
+            </a:r>
+            <a:r>
+              <a:rPr lang="en-GB" dirty="0"/>
+              <a:t>and </a:t>
+            </a:r>
+            <a:r>
+              <a:rPr lang="en-GB" dirty="0" smtClean="0"/>
+              <a:t>subversion (</a:t>
             </a:r>
             <a:r>
               <a:rPr lang="en-GB" dirty="0" err="1" smtClean="0"/>
-              <a:t>csar</a:t>
-            </a:r>
-            <a:r>
-              <a:rPr lang="en-GB" dirty="0" smtClean="0"/>
-              <a:t>/design-docs/External Contributions.md</a:t>
-            </a:r>
-          </a:p>
-          <a:p>
-            <a:r>
-              <a:rPr lang="en-GB" dirty="0" smtClean="0"/>
-              <a:t>Popularity of Version Control Software: </a:t>
-            </a:r>
-            <a:r>
-              <a:rPr lang="en-GB" dirty="0" smtClean="0">
-                <a:hlinkClick r:id="rId2"/>
-              </a:rPr>
-              <a:t>https</a:t>
-            </a:r>
-            <a:r>
-              <a:rPr lang="en-GB" dirty="0">
-                <a:hlinkClick r:id="rId2"/>
-              </a:rPr>
-              <a:t>://</a:t>
-            </a:r>
-            <a:r>
-              <a:rPr lang="en-GB" dirty="0" smtClean="0">
-                <a:hlinkClick r:id="rId2"/>
-              </a:rPr>
-              <a:t>rhodecode.com/insights/version-control-systems-2016</a:t>
+              <a:t>svn</a:t>
+            </a:r>
+            <a:r>
+              <a:rPr lang="en-GB" dirty="0" smtClean="0"/>
+              <a:t>) repositories</a:t>
+            </a:r>
+          </a:p>
+          <a:p>
+            <a:r>
+              <a:rPr lang="en-GB" dirty="0" smtClean="0"/>
+              <a:t>Implemented query language</a:t>
+            </a:r>
+          </a:p>
+          <a:p>
+            <a:r>
+              <a:rPr lang="en-GB" dirty="0" smtClean="0"/>
+              <a:t>Implemented support for Java 8</a:t>
+            </a:r>
+          </a:p>
+          <a:p>
+            <a:pPr lvl="1"/>
+            <a:r>
+              <a:rPr lang="en-GB" dirty="0"/>
+              <a:t>Searching for methods (definitions and usages)</a:t>
+            </a:r>
+          </a:p>
+          <a:p>
+            <a:pPr lvl="1"/>
+            <a:r>
+              <a:rPr lang="en-GB" dirty="0" smtClean="0"/>
+              <a:t>Post-processing:</a:t>
+            </a:r>
+          </a:p>
+          <a:p>
+            <a:pPr lvl="2"/>
+            <a:r>
+              <a:rPr lang="en-GB" dirty="0" smtClean="0"/>
+              <a:t>Map method usages to method definitions</a:t>
+            </a:r>
+          </a:p>
+          <a:p>
+            <a:pPr lvl="2"/>
+            <a:r>
+              <a:rPr lang="en-GB" dirty="0" smtClean="0"/>
+              <a:t>Type hierarchy resolver</a:t>
+            </a:r>
+          </a:p>
+          <a:p>
+            <a:pPr lvl="2"/>
+            <a:r>
+              <a:rPr lang="en-GB" dirty="0" smtClean="0"/>
+              <a:t>Overridden methods resolver</a:t>
+            </a:r>
+          </a:p>
+          <a:p>
+            <a:pPr lvl="2"/>
+            <a:r>
+              <a:rPr lang="en-GB" dirty="0" smtClean="0"/>
+              <a:t>Qualified name resolver</a:t>
+            </a:r>
+          </a:p>
+          <a:p>
+            <a:pPr lvl="2"/>
+            <a:r>
+              <a:rPr lang="en-GB" dirty="0" smtClean="0"/>
+              <a:t>Expression type resolver</a:t>
+            </a:r>
+          </a:p>
+          <a:p>
+            <a:pPr lvl="1"/>
+            <a:r>
+              <a:rPr lang="en-GB" dirty="0"/>
+              <a:t>Refactoring for methods (renaming and changing parameters</a:t>
+            </a:r>
+            <a:r>
+              <a:rPr lang="en-GB" dirty="0" smtClean="0"/>
+              <a:t>)</a:t>
+            </a:r>
+          </a:p>
+          <a:p>
+            <a:r>
+              <a:rPr lang="en-GB" dirty="0" smtClean="0"/>
+              <a:t>Scalability (multi-threading)</a:t>
             </a:r>
             <a:endParaRPr lang="en-GB" dirty="0"/>
           </a:p>
-          <a:p>
-            <a:r>
-              <a:rPr lang="en-GB" dirty="0" smtClean="0"/>
-              <a:t>Standard </a:t>
-            </a:r>
-            <a:r>
-              <a:rPr lang="en-GB" dirty="0"/>
-              <a:t>output stream: </a:t>
-            </a:r>
-            <a:r>
-              <a:rPr lang="en-GB" dirty="0">
-                <a:hlinkClick r:id="rId3"/>
-              </a:rPr>
-              <a:t>https://</a:t>
-            </a:r>
-            <a:r>
-              <a:rPr lang="en-GB" dirty="0" smtClean="0">
-                <a:hlinkClick r:id="rId3"/>
-              </a:rPr>
-              <a:t>docs.oracle.com/javase/7/docs/api/java/lang/System.html</a:t>
-            </a:r>
-            <a:endParaRPr lang="en-GB" dirty="0" smtClean="0"/>
-          </a:p>
-          <a:p>
-            <a:r>
-              <a:rPr lang="en-GB" dirty="0" smtClean="0"/>
-              <a:t>..</a:t>
-            </a:r>
-          </a:p>
-        </p:txBody>
-      </p:sp>
+        </p:txBody>
+      </p:sp>
+      <p:pic>
+        <p:nvPicPr>
+          <p:cNvPr id="12" name="Picture 11"/>
+          <p:cNvPicPr>
+            <a:picLocks noChangeAspect="1"/>
+          </p:cNvPicPr>
+          <p:nvPr/>
+        </p:nvPicPr>
+        <p:blipFill>
+          <a:blip r:embed="rId2"/>
+          <a:stretch>
+            <a:fillRect/>
+          </a:stretch>
+        </p:blipFill>
+        <p:spPr>
+          <a:xfrm>
+            <a:off x="7984894" y="2035665"/>
+            <a:ext cx="4019550" cy="3019425"/>
+          </a:xfrm>
+          <a:prstGeom prst="rect">
+            <a:avLst/>
+          </a:prstGeom>
+        </p:spPr>
+      </p:pic>
     </p:spTree>
     <p:extLst>
       <p:ext uri="{BB962C8B-B14F-4D97-AF65-F5344CB8AC3E}">
-        <p14:creationId xmlns:p14="http://schemas.microsoft.com/office/powerpoint/2010/main" val="3924298196"/>
+        <p14:creationId xmlns:p14="http://schemas.microsoft.com/office/powerpoint/2010/main" val="2479752326"/>
       </p:ext>
     </p:extLst>
   </p:cSld>
@@ -7037,4 +9023,265 @@
     </a:ext>
   </a:extLst>
 </a:theme>
+</file>
+
+<file path=ppt/theme/theme2.xml><?xml version="1.0" encoding="utf-8"?>
+<a:theme xmlns:a="http://schemas.openxmlformats.org/drawingml/2006/main" name="Office Theme">
+  <a:themeElements>
+    <a:clrScheme name="Office">
+      <a:dk1>
+        <a:sysClr val="windowText" lastClr="000000"/>
+      </a:dk1>
+      <a:lt1>
+        <a:sysClr val="window" lastClr="FFFFFF"/>
+      </a:lt1>
+      <a:dk2>
+        <a:srgbClr val="44546A"/>
+      </a:dk2>
+      <a:lt2>
+        <a:srgbClr val="E7E6E6"/>
+      </a:lt2>
+      <a:accent1>
+        <a:srgbClr val="5B9BD5"/>
+      </a:accent1>
+      <a:accent2>
+        <a:srgbClr val="ED7D31"/>
+      </a:accent2>
+      <a:accent3>
+        <a:srgbClr val="A5A5A5"/>
+      </a:accent3>
+      <a:accent4>
+        <a:srgbClr val="FFC000"/>
+      </a:accent4>
+      <a:accent5>
+        <a:srgbClr val="4472C4"/>
+      </a:accent5>
+      <a:accent6>
+        <a:srgbClr val="70AD47"/>
+      </a:accent6>
+      <a:hlink>
+        <a:srgbClr val="0563C1"/>
+      </a:hlink>
+      <a:folHlink>
+        <a:srgbClr val="954F72"/>
+      </a:folHlink>
+    </a:clrScheme>
+    <a:fontScheme name="Office">
+      <a:majorFont>
+        <a:latin typeface="Calibri Light" panose="020F0302020204030204"/>
+        <a:ea typeface=""/>
+        <a:cs typeface=""/>
+        <a:font script="Jpan" typeface="游ゴシック Light"/>
+        <a:font script="Hang" typeface="맑은 고딕"/>
+        <a:font script="Hans" typeface="等线 Light"/>
+        <a:font script="Hant" typeface="新細明體"/>
+        <a:font script="Arab" typeface="Times New Roman"/>
+        <a:font script="Hebr" typeface="Times New Roman"/>
+        <a:font script="Thai" typeface="Angsana New"/>
+        <a:font script="Ethi" typeface="Nyala"/>
+        <a:font script="Beng" typeface="Vrinda"/>
+        <a:font script="Gujr" typeface="Shruti"/>
+        <a:font script="Khmr" typeface="MoolBoran"/>
+        <a:font script="Knda" typeface="Tunga"/>
+        <a:font script="Guru" typeface="Raavi"/>
+        <a:font script="Cans" typeface="Euphemia"/>
+        <a:font script="Cher" typeface="Plantagenet Cherokee"/>
+        <a:font script="Yiii" typeface="Microsoft Yi Baiti"/>
+        <a:font script="Tibt" typeface="Microsoft Himalaya"/>
+        <a:font script="Thaa" typeface="MV Boli"/>
+        <a:font script="Deva" typeface="Mangal"/>
+        <a:font script="Telu" typeface="Gautami"/>
+        <a:font script="Taml" typeface="Latha"/>
+        <a:font script="Syrc" typeface="Estrangelo Edessa"/>
+        <a:font script="Orya" typeface="Kalinga"/>
+        <a:font script="Mlym" typeface="Kartika"/>
+        <a:font script="Laoo" typeface="DokChampa"/>
+        <a:font script="Sinh" typeface="Iskoola Pota"/>
+        <a:font script="Mong" typeface="Mongolian Baiti"/>
+        <a:font script="Viet" typeface="Times New Roman"/>
+        <a:font script="Uigh" typeface="Microsoft Uighur"/>
+        <a:font script="Geor" typeface="Sylfaen"/>
+      </a:majorFont>
+      <a:minorFont>
+        <a:latin typeface="Calibri" panose="020F0502020204030204"/>
+        <a:ea typeface=""/>
+        <a:cs typeface=""/>
+        <a:font script="Jpan" typeface="游ゴシック"/>
+        <a:font script="Hang" typeface="맑은 고딕"/>
+        <a:font script="Hans" typeface="等线"/>
+        <a:font script="Hant" typeface="新細明體"/>
+        <a:font script="Arab" typeface="Arial"/>
+        <a:font script="Hebr" typeface="Arial"/>
+        <a:font script="Thai" typeface="Cordia New"/>
+        <a:font script="Ethi" typeface="Nyala"/>
+        <a:font script="Beng" typeface="Vrinda"/>
+        <a:font script="Gujr" typeface="Shruti"/>
+        <a:font script="Khmr" typeface="DaunPenh"/>
+        <a:font script="Knda" typeface="Tunga"/>
+        <a:font script="Guru" typeface="Raavi"/>
+        <a:font script="Cans" typeface="Euphemia"/>
+        <a:font script="Cher" typeface="Plantagenet Cherokee"/>
+        <a:font script="Yiii" typeface="Microsoft Yi Baiti"/>
+        <a:font script="Tibt" typeface="Microsoft Himalaya"/>
+        <a:font script="Thaa" typeface="MV Boli"/>
+        <a:font script="Deva" typeface="Mangal"/>
+        <a:font script="Telu" typeface="Gautami"/>
+        <a:font script="Taml" typeface="Latha"/>
+        <a:font script="Syrc" typeface="Estrangelo Edessa"/>
+        <a:font script="Orya" typeface="Kalinga"/>
+        <a:font script="Mlym" typeface="Kartika"/>
+        <a:font script="Laoo" typeface="DokChampa"/>
+        <a:font script="Sinh" typeface="Iskoola Pota"/>
+        <a:font script="Mong" typeface="Mongolian Baiti"/>
+        <a:font script="Viet" typeface="Arial"/>
+        <a:font script="Uigh" typeface="Microsoft Uighur"/>
+        <a:font script="Geor" typeface="Sylfaen"/>
+      </a:minorFont>
+    </a:fontScheme>
+    <a:fmtScheme name="Office">
+      <a:fillStyleLst>
+        <a:solidFill>
+          <a:schemeClr val="phClr"/>
+        </a:solidFill>
+        <a:gradFill rotWithShape="1">
+          <a:gsLst>
+            <a:gs pos="0">
+              <a:schemeClr val="phClr">
+                <a:lumMod val="110000"/>
+                <a:satMod val="105000"/>
+                <a:tint val="67000"/>
+              </a:schemeClr>
+            </a:gs>
+            <a:gs pos="50000">
+              <a:schemeClr val="phClr">
+                <a:lumMod val="105000"/>
+                <a:satMod val="103000"/>
+                <a:tint val="73000"/>
+              </a:schemeClr>
+            </a:gs>
+            <a:gs pos="100000">
+              <a:schemeClr val="phClr">
+                <a:lumMod val="105000"/>
+                <a:satMod val="109000"/>
+                <a:tint val="81000"/>
+              </a:schemeClr>
+            </a:gs>
+          </a:gsLst>
+          <a:lin ang="5400000" scaled="0"/>
+        </a:gradFill>
+        <a:gradFill rotWithShape="1">
+          <a:gsLst>
+            <a:gs pos="0">
+              <a:schemeClr val="phClr">
+                <a:satMod val="103000"/>
+                <a:lumMod val="102000"/>
+                <a:tint val="94000"/>
+              </a:schemeClr>
+            </a:gs>
+            <a:gs pos="50000">
+              <a:schemeClr val="phClr">
+                <a:satMod val="110000"/>
+                <a:lumMod val="100000"/>
+                <a:shade val="100000"/>
+              </a:schemeClr>
+            </a:gs>
+            <a:gs pos="100000">
+              <a:schemeClr val="phClr">
+                <a:lumMod val="99000"/>
+                <a:satMod val="120000"/>
+                <a:shade val="78000"/>
+              </a:schemeClr>
+            </a:gs>
+          </a:gsLst>
+          <a:lin ang="5400000" scaled="0"/>
+        </a:gradFill>
+      </a:fillStyleLst>
+      <a:lnStyleLst>
+        <a:ln w="6350" cap="flat" cmpd="sng" algn="ctr">
+          <a:solidFill>
+            <a:schemeClr val="phClr"/>
+          </a:solidFill>
+          <a:prstDash val="solid"/>
+          <a:miter lim="800000"/>
+        </a:ln>
+        <a:ln w="12700" cap="flat" cmpd="sng" algn="ctr">
+          <a:solidFill>
+            <a:schemeClr val="phClr"/>
+          </a:solidFill>
+          <a:prstDash val="solid"/>
+          <a:miter lim="800000"/>
+        </a:ln>
+        <a:ln w="19050" cap="flat" cmpd="sng" algn="ctr">
+          <a:solidFill>
+            <a:schemeClr val="phClr"/>
+          </a:solidFill>
+          <a:prstDash val="solid"/>
+          <a:miter lim="800000"/>
+        </a:ln>
+      </a:lnStyleLst>
+      <a:effectStyleLst>
+        <a:effectStyle>
+          <a:effectLst/>
+        </a:effectStyle>
+        <a:effectStyle>
+          <a:effectLst/>
+        </a:effectStyle>
+        <a:effectStyle>
+          <a:effectLst>
+            <a:outerShdw blurRad="57150" dist="19050" dir="5400000" algn="ctr" rotWithShape="0">
+              <a:srgbClr val="000000">
+                <a:alpha val="63000"/>
+              </a:srgbClr>
+            </a:outerShdw>
+          </a:effectLst>
+        </a:effectStyle>
+      </a:effectStyleLst>
+      <a:bgFillStyleLst>
+        <a:solidFill>
+          <a:schemeClr val="phClr"/>
+        </a:solidFill>
+        <a:solidFill>
+          <a:schemeClr val="phClr">
+            <a:tint val="95000"/>
+            <a:satMod val="170000"/>
+          </a:schemeClr>
+        </a:solidFill>
+        <a:gradFill rotWithShape="1">
+          <a:gsLst>
+            <a:gs pos="0">
+              <a:schemeClr val="phClr">
+                <a:tint val="93000"/>
+                <a:satMod val="150000"/>
+                <a:shade val="98000"/>
+                <a:lumMod val="102000"/>
+              </a:schemeClr>
+            </a:gs>
+            <a:gs pos="50000">
+              <a:schemeClr val="phClr">
+                <a:tint val="98000"/>
+                <a:satMod val="130000"/>
+                <a:shade val="90000"/>
+                <a:lumMod val="103000"/>
+              </a:schemeClr>
+            </a:gs>
+            <a:gs pos="100000">
+              <a:schemeClr val="phClr">
+                <a:shade val="63000"/>
+                <a:satMod val="120000"/>
+              </a:schemeClr>
+            </a:gs>
+          </a:gsLst>
+          <a:lin ang="5400000" scaled="0"/>
+        </a:gradFill>
+      </a:bgFillStyleLst>
+    </a:fmtScheme>
+  </a:themeElements>
+  <a:objectDefaults/>
+  <a:extraClrSchemeLst/>
+  <a:extLst>
+    <a:ext uri="{05A4C25C-085E-4340-85A3-A5531E510DB2}">
+      <thm15:themeFamily xmlns:thm15="http://schemas.microsoft.com/office/thememl/2012/main" name="Office Theme" id="{62F939B6-93AF-4DB8-9C6B-D6C7DFDC589F}" vid="{4A3C46E8-61CC-4603-A589-7422A47A8E4A}"/>
+    </a:ext>
+  </a:extLst>
+</a:theme>
 </file>
--- a/design-docs/Viva.pptx
+++ b/design-docs/Viva.pptx
@@ -210,7 +210,7 @@
           <a:p>
             <a:fld id="{C5FBD2BB-C938-4B2F-AEFC-A8470FAAE4D4}" type="datetimeFigureOut">
               <a:rPr lang="en-GB" smtClean="0"/>
-              <a:t>01/05/2018</a:t>
+              <a:t>02/05/2018</a:t>
             </a:fld>
             <a:endParaRPr lang="en-GB"/>
           </a:p>
@@ -522,9 +522,40 @@
           <a:bodyPr/>
           <a:lstStyle/>
           <a:p>
-            <a:r>
-              <a:rPr lang="en-GB" dirty="0" smtClean="0"/>
-              <a:t>* This is not mentioned in the report because it was not known at the time.</a:t>
+            <a:pPr marL="171450" indent="-171450">
+              <a:buFont typeface="Arial" panose="020B0604020202020204" pitchFamily="34" charset="0"/>
+              <a:buChar char="•"/>
+            </a:pPr>
+            <a:r>
+              <a:rPr lang="en-GB" dirty="0" smtClean="0"/>
+              <a:t>This (issue *) is </a:t>
+            </a:r>
+            <a:r>
+              <a:rPr lang="en-GB" dirty="0" smtClean="0"/>
+              <a:t>not mentioned in the report because it was not known at the </a:t>
+            </a:r>
+            <a:r>
+              <a:rPr lang="en-GB" dirty="0" smtClean="0"/>
+              <a:t>time,</a:t>
+            </a:r>
+            <a:r>
+              <a:rPr lang="en-GB" baseline="0" dirty="0" smtClean="0"/>
+              <a:t> furthermore it is an unlikely occurrence.</a:t>
+            </a:r>
+            <a:endParaRPr lang="en-GB" dirty="0" smtClean="0"/>
+          </a:p>
+          <a:p>
+            <a:pPr marL="171450" indent="-171450">
+              <a:buFont typeface="Arial" panose="020B0604020202020204" pitchFamily="34" charset="0"/>
+              <a:buChar char="•"/>
+            </a:pPr>
+            <a:r>
+              <a:rPr lang="en-GB" dirty="0" smtClean="0"/>
+              <a:t>This</a:t>
+            </a:r>
+            <a:r>
+              <a:rPr lang="en-GB" baseline="0" dirty="0" smtClean="0"/>
+              <a:t> will occur when a change parameters change is made on a line containing two such changes, where one change deletes the other, so then when the second change is applied it will break the consistency of the code.</a:t>
             </a:r>
             <a:endParaRPr lang="en-GB" dirty="0"/>
           </a:p>
@@ -661,7 +692,7 @@
           <a:effectLst/>
           <a:extLst>
             <a:ext uri="{91240B29-F687-4f45-9708-019B960494DF}">
-              <a14:hiddenLine xmlns:a14="http://schemas.microsoft.com/office/drawing/2010/main" xmlns="" w="9525">
+              <a14:hiddenLine xmlns="" xmlns:a14="http://schemas.microsoft.com/office/drawing/2010/main" w="9525">
                 <a:solidFill>
                   <a:srgbClr val="000000"/>
                 </a:solidFill>
@@ -853,7 +884,7 @@
           <a:p>
             <a:fld id="{8743BC9A-4EBD-418F-9131-3AD27218D0EC}" type="datetimeFigureOut">
               <a:rPr lang="en-GB" smtClean="0"/>
-              <a:t>01/05/2018</a:t>
+              <a:t>02/05/2018</a:t>
             </a:fld>
             <a:endParaRPr lang="en-GB"/>
           </a:p>
@@ -1176,7 +1207,7 @@
           <a:p>
             <a:fld id="{8743BC9A-4EBD-418F-9131-3AD27218D0EC}" type="datetimeFigureOut">
               <a:rPr lang="en-GB" smtClean="0"/>
-              <a:t>01/05/2018</a:t>
+              <a:t>02/05/2018</a:t>
             </a:fld>
             <a:endParaRPr lang="en-GB"/>
           </a:p>
@@ -1664,7 +1695,7 @@
           <a:p>
             <a:fld id="{8743BC9A-4EBD-418F-9131-3AD27218D0EC}" type="datetimeFigureOut">
               <a:rPr lang="en-GB" smtClean="0"/>
-              <a:t>01/05/2018</a:t>
+              <a:t>02/05/2018</a:t>
             </a:fld>
             <a:endParaRPr lang="en-GB"/>
           </a:p>
@@ -2033,7 +2064,7 @@
           <a:p>
             <a:fld id="{8743BC9A-4EBD-418F-9131-3AD27218D0EC}" type="datetimeFigureOut">
               <a:rPr lang="en-GB" smtClean="0"/>
-              <a:t>01/05/2018</a:t>
+              <a:t>02/05/2018</a:t>
             </a:fld>
             <a:endParaRPr lang="en-GB"/>
           </a:p>
@@ -2188,7 +2219,7 @@
           <a:ln/>
           <a:extLst>
             <a:ext uri="{91240B29-F687-4f45-9708-019B960494DF}">
-              <a14:hiddenLine xmlns:a14="http://schemas.microsoft.com/office/drawing/2010/main" xmlns="" w="9525">
+              <a14:hiddenLine xmlns="" xmlns:a14="http://schemas.microsoft.com/office/drawing/2010/main" w="9525">
                 <a:solidFill>
                   <a:srgbClr val="000000"/>
                 </a:solidFill>
@@ -2306,7 +2337,7 @@
           <a:p>
             <a:fld id="{8743BC9A-4EBD-418F-9131-3AD27218D0EC}" type="datetimeFigureOut">
               <a:rPr lang="en-GB" smtClean="0"/>
-              <a:t>01/05/2018</a:t>
+              <a:t>02/05/2018</a:t>
             </a:fld>
             <a:endParaRPr lang="en-GB"/>
           </a:p>
@@ -2463,7 +2494,7 @@
           <a:ln/>
           <a:extLst>
             <a:ext uri="{91240B29-F687-4f45-9708-019B960494DF}">
-              <a14:hiddenLine xmlns:a14="http://schemas.microsoft.com/office/drawing/2010/main" xmlns="" w="9525">
+              <a14:hiddenLine xmlns="" xmlns:a14="http://schemas.microsoft.com/office/drawing/2010/main" w="9525">
                 <a:solidFill>
                   <a:srgbClr val="000000"/>
                 </a:solidFill>
@@ -2591,7 +2622,7 @@
           <a:p>
             <a:fld id="{8743BC9A-4EBD-418F-9131-3AD27218D0EC}" type="datetimeFigureOut">
               <a:rPr lang="en-GB" smtClean="0"/>
-              <a:t>01/05/2018</a:t>
+              <a:t>02/05/2018</a:t>
             </a:fld>
             <a:endParaRPr lang="en-GB"/>
           </a:p>
@@ -2751,7 +2782,7 @@
           <a:ln/>
           <a:extLst>
             <a:ext uri="{91240B29-F687-4f45-9708-019B960494DF}">
-              <a14:hiddenLine xmlns:a14="http://schemas.microsoft.com/office/drawing/2010/main" xmlns="" w="9525">
+              <a14:hiddenLine xmlns="" xmlns:a14="http://schemas.microsoft.com/office/drawing/2010/main" w="9525">
                 <a:solidFill>
                   <a:srgbClr val="000000"/>
                 </a:solidFill>
@@ -2879,7 +2910,7 @@
           <a:p>
             <a:fld id="{8743BC9A-4EBD-418F-9131-3AD27218D0EC}" type="datetimeFigureOut">
               <a:rPr lang="en-GB" smtClean="0"/>
-              <a:t>01/05/2018</a:t>
+              <a:t>02/05/2018</a:t>
             </a:fld>
             <a:endParaRPr lang="en-GB"/>
           </a:p>
@@ -3222,7 +3253,7 @@
           <a:p>
             <a:fld id="{8743BC9A-4EBD-418F-9131-3AD27218D0EC}" type="datetimeFigureOut">
               <a:rPr lang="en-GB" smtClean="0"/>
-              <a:t>01/05/2018</a:t>
+              <a:t>02/05/2018</a:t>
             </a:fld>
             <a:endParaRPr lang="en-GB"/>
           </a:p>
@@ -3382,7 +3413,7 @@
           <a:ln/>
           <a:extLst>
             <a:ext uri="{91240B29-F687-4f45-9708-019B960494DF}">
-              <a14:hiddenLine xmlns:a14="http://schemas.microsoft.com/office/drawing/2010/main" xmlns="" w="9525">
+              <a14:hiddenLine xmlns="" xmlns:a14="http://schemas.microsoft.com/office/drawing/2010/main" w="9525">
                 <a:solidFill>
                   <a:srgbClr val="000000"/>
                 </a:solidFill>
@@ -3566,7 +3597,7 @@
           <a:p>
             <a:fld id="{8743BC9A-4EBD-418F-9131-3AD27218D0EC}" type="datetimeFigureOut">
               <a:rPr lang="en-GB" smtClean="0"/>
-              <a:t>01/05/2018</a:t>
+              <a:t>02/05/2018</a:t>
             </a:fld>
             <a:endParaRPr lang="en-GB"/>
           </a:p>
@@ -3721,7 +3752,7 @@
           <a:ln/>
           <a:extLst>
             <a:ext uri="{91240B29-F687-4f45-9708-019B960494DF}">
-              <a14:hiddenLine xmlns:a14="http://schemas.microsoft.com/office/drawing/2010/main" xmlns="" w="9525">
+              <a14:hiddenLine xmlns="" xmlns:a14="http://schemas.microsoft.com/office/drawing/2010/main" w="9525">
                 <a:solidFill>
                   <a:srgbClr val="000000"/>
                 </a:solidFill>
@@ -4043,7 +4074,7 @@
           <a:p>
             <a:fld id="{8743BC9A-4EBD-418F-9131-3AD27218D0EC}" type="datetimeFigureOut">
               <a:rPr lang="en-GB" smtClean="0"/>
-              <a:t>01/05/2018</a:t>
+              <a:t>02/05/2018</a:t>
             </a:fld>
             <a:endParaRPr lang="en-GB"/>
           </a:p>
@@ -4198,7 +4229,7 @@
           <a:ln/>
           <a:extLst>
             <a:ext uri="{91240B29-F687-4f45-9708-019B960494DF}">
-              <a14:hiddenLine xmlns:a14="http://schemas.microsoft.com/office/drawing/2010/main" xmlns="" w="9525">
+              <a14:hiddenLine xmlns="" xmlns:a14="http://schemas.microsoft.com/office/drawing/2010/main" w="9525">
                 <a:solidFill>
                   <a:srgbClr val="000000"/>
                 </a:solidFill>
@@ -4264,7 +4295,7 @@
           <a:p>
             <a:fld id="{8743BC9A-4EBD-418F-9131-3AD27218D0EC}" type="datetimeFigureOut">
               <a:rPr lang="en-GB" smtClean="0"/>
-              <a:t>01/05/2018</a:t>
+              <a:t>02/05/2018</a:t>
             </a:fld>
             <a:endParaRPr lang="en-GB"/>
           </a:p>
@@ -4359,7 +4390,7 @@
           <a:p>
             <a:fld id="{8743BC9A-4EBD-418F-9131-3AD27218D0EC}" type="datetimeFigureOut">
               <a:rPr lang="en-GB" smtClean="0"/>
-              <a:t>01/05/2018</a:t>
+              <a:t>02/05/2018</a:t>
             </a:fld>
             <a:endParaRPr lang="en-GB"/>
           </a:p>
@@ -4627,7 +4658,7 @@
           <a:ln/>
           <a:extLst>
             <a:ext uri="{91240B29-F687-4f45-9708-019B960494DF}">
-              <a14:hiddenLine xmlns:a14="http://schemas.microsoft.com/office/drawing/2010/main" xmlns="" w="9525">
+              <a14:hiddenLine xmlns="" xmlns:a14="http://schemas.microsoft.com/office/drawing/2010/main" w="9525">
                 <a:solidFill>
                   <a:srgbClr val="000000"/>
                 </a:solidFill>
@@ -4826,7 +4857,7 @@
           <a:p>
             <a:fld id="{8743BC9A-4EBD-418F-9131-3AD27218D0EC}" type="datetimeFigureOut">
               <a:rPr lang="en-GB" smtClean="0"/>
-              <a:t>01/05/2018</a:t>
+              <a:t>02/05/2018</a:t>
             </a:fld>
             <a:endParaRPr lang="en-GB"/>
           </a:p>
@@ -5139,7 +5170,7 @@
           <a:p>
             <a:fld id="{8743BC9A-4EBD-418F-9131-3AD27218D0EC}" type="datetimeFigureOut">
               <a:rPr lang="en-GB" smtClean="0"/>
-              <a:t>01/05/2018</a:t>
+              <a:t>02/05/2018</a:t>
             </a:fld>
             <a:endParaRPr lang="en-GB"/>
           </a:p>
@@ -5409,7 +5440,7 @@
           <a:p>
             <a:fld id="{8743BC9A-4EBD-418F-9131-3AD27218D0EC}" type="datetimeFigureOut">
               <a:rPr lang="en-GB" smtClean="0"/>
-              <a:t>01/05/2018</a:t>
+              <a:t>02/05/2018</a:t>
             </a:fld>
             <a:endParaRPr lang="en-GB"/>
           </a:p>
@@ -5992,6 +6023,46 @@
       </p:grpSpPr>
       <p:sp>
         <p:nvSpPr>
+          <p:cNvPr id="4" name="Rectangle 3"/>
+          <p:cNvSpPr/>
+          <p:nvPr/>
+        </p:nvSpPr>
+        <p:spPr>
+          <a:xfrm>
+            <a:off x="2092569" y="3965331"/>
+            <a:ext cx="3815862" cy="430823"/>
+          </a:xfrm>
+          <a:prstGeom prst="rect">
+            <a:avLst/>
+          </a:prstGeom>
+        </p:spPr>
+        <p:style>
+          <a:lnRef idx="2">
+            <a:schemeClr val="accent1">
+              <a:shade val="50000"/>
+            </a:schemeClr>
+          </a:lnRef>
+          <a:fillRef idx="1">
+            <a:schemeClr val="accent1"/>
+          </a:fillRef>
+          <a:effectRef idx="0">
+            <a:schemeClr val="accent1"/>
+          </a:effectRef>
+          <a:fontRef idx="minor">
+            <a:schemeClr val="lt1"/>
+          </a:fontRef>
+        </p:style>
+        <p:txBody>
+          <a:bodyPr rtlCol="0" anchor="ctr"/>
+          <a:lstStyle/>
+          <a:p>
+            <a:pPr algn="ctr"/>
+            <a:endParaRPr lang="en-GB"/>
+          </a:p>
+        </p:txBody>
+      </p:sp>
+      <p:sp>
+        <p:nvSpPr>
           <p:cNvPr id="2" name="Title 1"/>
           <p:cNvSpPr>
             <a:spLocks noGrp="1"/>
@@ -6041,7 +6112,31 @@
           <a:p>
             <a:r>
               <a:rPr lang="en-GB" dirty="0" smtClean="0"/>
-              <a:t>Suppose you have the following expression, can you predict in what class the method c might be in?</a:t>
+              <a:t>Suppose you have the following expression, can you </a:t>
+            </a:r>
+            <a:r>
+              <a:rPr lang="en-GB" dirty="0" smtClean="0"/>
+              <a:t>tell </a:t>
+            </a:r>
+            <a:r>
+              <a:rPr lang="en-GB" dirty="0" smtClean="0"/>
+              <a:t>in </a:t>
+            </a:r>
+            <a:r>
+              <a:rPr lang="en-GB" dirty="0" smtClean="0"/>
+              <a:t>which class </a:t>
+            </a:r>
+            <a:r>
+              <a:rPr lang="en-GB" dirty="0" smtClean="0"/>
+              <a:t>the method c </a:t>
+            </a:r>
+            <a:r>
+              <a:rPr lang="en-GB" dirty="0" smtClean="0"/>
+              <a:t>might be </a:t>
+            </a:r>
+            <a:r>
+              <a:rPr lang="en-GB" dirty="0" smtClean="0"/>
+              <a:t>in?</a:t>
             </a:r>
             <a:endParaRPr lang="en-GB" dirty="0"/>
           </a:p>
@@ -6152,7 +6247,7 @@
           <a:p>
             <a:r>
               <a:rPr lang="en-GB" dirty="0" smtClean="0"/>
-              <a:t>Resolving the LHS of these expressions is necessary, hence the expression type resolver</a:t>
+              <a:t>The type of its LHS is where the method c should be, hence the expression type resolver</a:t>
             </a:r>
           </a:p>
         </p:txBody>
@@ -6270,20 +6365,16 @@
           <a:p>
             <a:pPr lvl="1"/>
             <a:r>
-              <a:rPr lang="en-GB" dirty="0"/>
+              <a:rPr lang="en-GB" dirty="0" smtClean="0"/>
               <a:t>Disallow local </a:t>
             </a:r>
             <a:r>
-              <a:rPr lang="en-GB" dirty="0" err="1"/>
+              <a:rPr lang="en-GB" dirty="0" err="1" smtClean="0"/>
               <a:t>enums</a:t>
             </a:r>
             <a:r>
-              <a:rPr lang="en-GB" dirty="0"/>
-              <a:t>/annotations in </a:t>
-            </a:r>
-            <a:r>
-              <a:rPr lang="en-GB" dirty="0" smtClean="0"/>
-              <a:t>Java 8 grammar</a:t>
+              <a:rPr lang="en-GB" dirty="0" smtClean="0"/>
+              <a:t>/annotations in Java 8 grammar</a:t>
             </a:r>
           </a:p>
           <a:p>
@@ -6297,12 +6388,8 @@
               <a:t>methodReference</a:t>
             </a:r>
             <a:r>
-              <a:rPr lang="en-GB" dirty="0"/>
-              <a:t> rule in Java 8 </a:t>
-            </a:r>
-            <a:r>
-              <a:rPr lang="en-GB" dirty="0" smtClean="0"/>
-              <a:t>grammar</a:t>
+              <a:rPr lang="en-GB" dirty="0" smtClean="0"/>
+              <a:t> rule in Java 8 grammar</a:t>
             </a:r>
           </a:p>
           <a:p>
@@ -6312,23 +6399,13 @@
             </a:r>
             <a:r>
               <a:rPr lang="en-GB" dirty="0" smtClean="0"/>
-              <a:t> </a:t>
-            </a:r>
-            <a:r>
-              <a:rPr lang="en-GB" dirty="0"/>
-              <a:t>(</a:t>
-            </a:r>
-            <a:r>
-              <a:rPr lang="en-GB" dirty="0">
-                <a:hlinkClick r:id="rId3"/>
-              </a:rPr>
-              <a:t>https://</a:t>
+              <a:t> (</a:t>
             </a:r>
             <a:r>
               <a:rPr lang="en-GB" dirty="0" smtClean="0">
                 <a:hlinkClick r:id="rId3"/>
               </a:rPr>
-              <a:t>github.com/cbeust/jcommander/</a:t>
+              <a:t>https://github.com/cbeust/jcommander/</a:t>
             </a:r>
             <a:r>
               <a:rPr lang="en-GB" dirty="0" smtClean="0"/>
@@ -6534,7 +6611,15 @@
           <a:p>
             <a:r>
               <a:rPr lang="en-GB" dirty="0" smtClean="0"/>
-              <a:t>If two refactoring changes are on the same line, in rare cases, </a:t>
+              <a:t>If </a:t>
+            </a:r>
+            <a:r>
+              <a:rPr lang="en-GB" dirty="0" smtClean="0"/>
+              <a:t>two change parameters-related code changes </a:t>
+            </a:r>
+            <a:r>
+              <a:rPr lang="en-GB" dirty="0" smtClean="0"/>
+              <a:t>are on the same line, in rare cases, </a:t>
             </a:r>
             <a:r>
               <a:rPr lang="en-GB" dirty="0" err="1" smtClean="0"/>
@@ -6542,35 +6627,8 @@
             </a:r>
             <a:r>
               <a:rPr lang="en-GB" dirty="0" smtClean="0"/>
-              <a:t> will make incorrect changes </a:t>
-            </a:r>
-            <a:r>
-              <a:rPr lang="en-GB" dirty="0" smtClean="0"/>
-              <a:t>*</a:t>
-            </a:r>
-          </a:p>
-          <a:p>
-            <a:r>
-              <a:rPr lang="en-GB" dirty="0" smtClean="0"/>
-              <a:t>.</a:t>
-            </a:r>
-            <a:r>
-              <a:rPr lang="en-GB" dirty="0" err="1" smtClean="0"/>
-              <a:t>csarignore</a:t>
-            </a:r>
-            <a:r>
-              <a:rPr lang="en-GB" dirty="0" smtClean="0"/>
-              <a:t> has </a:t>
-            </a:r>
-            <a:r>
-              <a:rPr lang="en-GB" smtClean="0"/>
-              <a:t>an operational bug </a:t>
-            </a:r>
-            <a:r>
-              <a:rPr lang="en-GB" dirty="0" smtClean="0"/>
-              <a:t>*</a:t>
-            </a:r>
-            <a:endParaRPr lang="en-GB" dirty="0" smtClean="0"/>
+              <a:t> will make incorrect changes *</a:t>
+            </a:r>
           </a:p>
           <a:p>
             <a:r>
@@ -6668,7 +6726,25 @@
           <a:p>
             <a:r>
               <a:rPr lang="en-GB" dirty="0" smtClean="0"/>
-              <a:t>Better plugins</a:t>
+              <a:t>A more complete </a:t>
+            </a:r>
+            <a:r>
+              <a:rPr lang="en-GB" dirty="0" err="1" smtClean="0"/>
+              <a:t>csar</a:t>
+            </a:r>
+            <a:r>
+              <a:rPr lang="en-GB" dirty="0" smtClean="0"/>
+              <a:t> query language</a:t>
+            </a:r>
+          </a:p>
+          <a:p>
+            <a:r>
+              <a:rPr lang="en-GB" dirty="0" smtClean="0"/>
+              <a:t>Better </a:t>
+            </a:r>
+            <a:r>
+              <a:rPr lang="en-GB" dirty="0" smtClean="0"/>
+              <a:t>plugins</a:t>
             </a:r>
           </a:p>
           <a:p>
@@ -6694,17 +6770,36 @@
           <a:p>
             <a:r>
               <a:rPr lang="en-GB" dirty="0" smtClean="0"/>
-              <a:t>More searching and refactoring functionality</a:t>
-            </a:r>
-          </a:p>
-          <a:p>
-            <a:r>
-              <a:rPr lang="en-GB" dirty="0" smtClean="0"/>
-              <a:t>Implement another language to test language-</a:t>
+              <a:t>More searching and refactoring </a:t>
+            </a:r>
+            <a:r>
+              <a:rPr lang="en-GB" dirty="0" smtClean="0"/>
+              <a:t>functionality</a:t>
+            </a:r>
+          </a:p>
+          <a:p>
+            <a:r>
+              <a:rPr lang="en-GB" dirty="0" smtClean="0"/>
+              <a:t>Maintain coding conventions when refactoring</a:t>
+            </a:r>
+            <a:endParaRPr lang="en-GB" dirty="0" smtClean="0"/>
+          </a:p>
+          <a:p>
+            <a:r>
+              <a:rPr lang="en-GB" dirty="0" smtClean="0"/>
+              <a:t>Implement another language to test </a:t>
+            </a:r>
+            <a:r>
+              <a:rPr lang="en-GB" dirty="0" smtClean="0"/>
+              <a:t>language-</a:t>
             </a:r>
             <a:r>
               <a:rPr lang="en-GB" dirty="0" err="1" smtClean="0"/>
               <a:t>agnositicism</a:t>
+            </a:r>
+            <a:r>
+              <a:rPr lang="en-GB" dirty="0" smtClean="0"/>
+              <a:t> (preferably a dynamic programming language)</a:t>
             </a:r>
             <a:endParaRPr lang="en-GB" dirty="0" smtClean="0"/>
           </a:p>
@@ -6925,25 +7020,34 @@
           <a:p>
             <a:r>
               <a:rPr lang="en-GB" dirty="0" smtClean="0"/>
-              <a:t>Suppose that you are a software developer working on a big project</a:t>
-            </a:r>
-          </a:p>
-          <a:p>
-            <a:r>
-              <a:rPr lang="en-GB" dirty="0" smtClean="0"/>
-              <a:t>You might be looking (i.e. searching) for some code</a:t>
-            </a:r>
-          </a:p>
-          <a:p>
-            <a:r>
-              <a:rPr lang="en-GB" dirty="0" smtClean="0"/>
-              <a:t>You might want to refactor some code</a:t>
-            </a:r>
-          </a:p>
-          <a:p>
-            <a:r>
-              <a:rPr lang="en-GB" dirty="0" smtClean="0"/>
-              <a:t>You definitely want these to be efficient and reliable</a:t>
+              <a:t>Suppose that you are a software developer working on a </a:t>
+            </a:r>
+            <a:r>
+              <a:rPr lang="en-GB" dirty="0" smtClean="0"/>
+              <a:t>project</a:t>
+            </a:r>
+          </a:p>
+          <a:p>
+            <a:r>
+              <a:rPr lang="en-GB" dirty="0" smtClean="0"/>
+              <a:t>It is very common for developers to search for code</a:t>
+            </a:r>
+          </a:p>
+          <a:p>
+            <a:r>
+              <a:rPr lang="en-GB" dirty="0" smtClean="0"/>
+              <a:t>And sometimes, to then refactor it</a:t>
+            </a:r>
+            <a:endParaRPr lang="en-GB" dirty="0" smtClean="0"/>
+          </a:p>
+          <a:p>
+            <a:r>
+              <a:rPr lang="en-GB" dirty="0" smtClean="0"/>
+              <a:t>Furthermore, these operations should be: simple, efficient, </a:t>
+            </a:r>
+            <a:r>
+              <a:rPr lang="en-GB" dirty="0" smtClean="0"/>
+              <a:t>and reliable</a:t>
             </a:r>
           </a:p>
         </p:txBody>
@@ -7030,12 +7134,8 @@
           </a:p>
           <a:p>
             <a:r>
-              <a:rPr lang="en-GB" dirty="0"/>
-              <a:t>A</a:t>
-            </a:r>
-            <a:r>
-              <a:rPr lang="en-GB" dirty="0" smtClean="0"/>
-              <a:t> tool for the software development process</a:t>
+              <a:rPr lang="en-GB" dirty="0" smtClean="0"/>
+              <a:t>A tool for the software development process</a:t>
             </a:r>
           </a:p>
         </p:txBody>
@@ -7094,7 +7194,7 @@
           <a:p>
             <a:r>
               <a:rPr lang="en-GB" dirty="0" smtClean="0"/>
-              <a:t>Why?</a:t>
+              <a:t>What should it do?</a:t>
             </a:r>
             <a:endParaRPr lang="en-GB" dirty="0"/>
           </a:p>
@@ -7113,29 +7213,9 @@
         <p:spPr/>
         <p:txBody>
           <a:bodyPr>
-            <a:normAutofit lnSpcReduction="10000"/>
+            <a:normAutofit/>
           </a:bodyPr>
           <a:lstStyle/>
-          <a:p>
-            <a:r>
-              <a:rPr lang="en-GB" dirty="0"/>
-              <a:t>Unifies searching and refactoring</a:t>
-            </a:r>
-          </a:p>
-          <a:p>
-            <a:r>
-              <a:rPr lang="en-GB" dirty="0" smtClean="0"/>
-              <a:t>Scalable </a:t>
-            </a:r>
-            <a:r>
-              <a:rPr lang="en-GB" dirty="0"/>
-              <a:t>(multi-threaded and efficient</a:t>
-            </a:r>
-            <a:r>
-              <a:rPr lang="en-GB" dirty="0" smtClean="0"/>
-              <a:t>)</a:t>
-            </a:r>
-          </a:p>
           <a:p>
             <a:r>
               <a:rPr lang="en-GB" dirty="0" smtClean="0"/>
@@ -7171,7 +7251,11 @@
             </a:pPr>
             <a:r>
               <a:rPr lang="en-GB" dirty="0" smtClean="0"/>
-              <a:t>Semantics-based code searching</a:t>
+              <a:t>Semantics-based code </a:t>
+            </a:r>
+            <a:r>
+              <a:rPr lang="en-GB" dirty="0" smtClean="0"/>
+              <a:t>search</a:t>
             </a:r>
             <a:endParaRPr lang="en-GB" dirty="0"/>
           </a:p>
@@ -7200,7 +7284,7 @@
             </a:pPr>
             <a:r>
               <a:rPr lang="en-GB" dirty="0" smtClean="0"/>
-              <a:t>Supporting </a:t>
+              <a:t>Support </a:t>
             </a:r>
             <a:r>
               <a:rPr lang="en-GB" dirty="0"/>
@@ -7219,7 +7303,11 @@
             </a:pPr>
             <a:r>
               <a:rPr lang="en-GB" dirty="0" smtClean="0"/>
-              <a:t>Refactoring code</a:t>
+              <a:t>Refactor </a:t>
+            </a:r>
+            <a:r>
+              <a:rPr lang="en-GB" dirty="0" smtClean="0"/>
+              <a:t>code</a:t>
             </a:r>
           </a:p>
           <a:p>
@@ -7306,8 +7394,8 @@
           <a:lstStyle/>
           <a:p>
             <a:r>
-              <a:rPr lang="en-GB" dirty="0" smtClean="0"/>
-              <a:t>Why?</a:t>
+              <a:rPr lang="en-GB" dirty="0"/>
+              <a:t>What should it do?</a:t>
             </a:r>
             <a:endParaRPr lang="en-GB" dirty="0"/>
           </a:p>
@@ -7352,7 +7440,7 @@
             <a:pPr lvl="1"/>
             <a:r>
               <a:rPr lang="en-GB" dirty="0" smtClean="0"/>
-              <a:t>Ignore file to narrow search domain</a:t>
+              <a:t>Use ignore files to narrow search domain</a:t>
             </a:r>
           </a:p>
           <a:p>
@@ -7368,6 +7456,31 @@
               <a:rPr lang="en-GB" dirty="0" smtClean="0"/>
               <a:t>Integrate into an IDE (e.g. IntelliJ IDEA)</a:t>
             </a:r>
+          </a:p>
+          <a:p>
+            <a:r>
+              <a:rPr lang="en-GB" dirty="0" smtClean="0"/>
+              <a:t>Non-functional Requirements</a:t>
+            </a:r>
+          </a:p>
+          <a:p>
+            <a:pPr lvl="1"/>
+            <a:r>
+              <a:rPr lang="en-GB" dirty="0"/>
+              <a:t>Unifies searching and refactoring</a:t>
+            </a:r>
+          </a:p>
+          <a:p>
+            <a:pPr lvl="1"/>
+            <a:r>
+              <a:rPr lang="en-GB" dirty="0"/>
+              <a:t>Scalable (multi-threaded and efficient</a:t>
+            </a:r>
+            <a:r>
+              <a:rPr lang="en-GB" dirty="0" smtClean="0"/>
+              <a:t>)</a:t>
+            </a:r>
+            <a:endParaRPr lang="en-GB" dirty="0"/>
           </a:p>
         </p:txBody>
       </p:sp>
@@ -7450,6 +7563,12 @@
           <a:p>
             <a:r>
               <a:rPr lang="en-GB" dirty="0" smtClean="0"/>
+              <a:t>I want to automate the following:</a:t>
+            </a:r>
+          </a:p>
+          <a:p>
+            <a:r>
+              <a:rPr lang="en-GB" dirty="0" smtClean="0"/>
               <a:t>I am going to modify a method and but first want to see how it is used to prevent unintended side effects</a:t>
             </a:r>
           </a:p>
@@ -7516,15 +7635,7 @@
           <a:p>
             <a:r>
               <a:rPr lang="en-GB" dirty="0" smtClean="0"/>
-              <a:t>I am going to rename a method and </a:t>
-            </a:r>
-            <a:r>
-              <a:rPr lang="en-GB" dirty="0"/>
-              <a:t>want to automate </a:t>
-            </a:r>
-            <a:r>
-              <a:rPr lang="en-GB" dirty="0" smtClean="0"/>
-              <a:t>it</a:t>
+              <a:t>I am going to rename a method</a:t>
             </a:r>
           </a:p>
           <a:p>
@@ -7656,7 +7767,7 @@
               <a:rPr lang="en-GB" dirty="0" smtClean="0">
                 <a:latin typeface="Consolas" panose="020B0609020204030204" pitchFamily="49" charset="0"/>
               </a:rPr>
-              <a:t> a + … + d; }</a:t>
+              <a:t> a + b + c + d; }</a:t>
             </a:r>
           </a:p>
           <a:p>
@@ -7718,7 +7829,7 @@
           <a:p>
             <a:r>
               <a:rPr lang="en-GB" dirty="0" smtClean="0"/>
-              <a:t>I am going to modify a method signature to reduce redundancies and want to automate it</a:t>
+              <a:t>I am going to modify a method signature to reduce redundancies</a:t>
             </a:r>
           </a:p>
           <a:p>
@@ -7935,7 +8046,7 @@
                                         <p:tgtEl>
                                           <p:spTgt spid="3">
                                             <p:txEl>
-                                              <p:pRg st="0" end="0"/>
+                                              <p:pRg st="1" end="1"/>
                                             </p:txEl>
                                           </p:spTgt>
                                         </p:tgtEl>
@@ -7950,49 +8061,6 @@
                                     <p:animEffect transition="in" filter="fade">
                                       <p:cBhvr>
                                         <p:cTn id="7" dur="500"/>
-                                        <p:tgtEl>
-                                          <p:spTgt spid="3">
-                                            <p:txEl>
-                                              <p:pRg st="0" end="0"/>
-                                            </p:txEl>
-                                          </p:spTgt>
-                                        </p:tgtEl>
-                                      </p:cBhvr>
-                                    </p:animEffect>
-                                  </p:childTnLst>
-                                </p:cTn>
-                              </p:par>
-                              <p:par>
-                                <p:cTn id="8" presetID="10" presetClass="entr" presetSubtype="0" fill="hold" nodeType="withEffect">
-                                  <p:stCondLst>
-                                    <p:cond delay="0"/>
-                                  </p:stCondLst>
-                                  <p:childTnLst>
-                                    <p:set>
-                                      <p:cBhvr>
-                                        <p:cTn id="9" dur="1" fill="hold">
-                                          <p:stCondLst>
-                                            <p:cond delay="0"/>
-                                          </p:stCondLst>
-                                        </p:cTn>
-                                        <p:tgtEl>
-                                          <p:spTgt spid="3">
-                                            <p:txEl>
-                                              <p:pRg st="1" end="1"/>
-                                            </p:txEl>
-                                          </p:spTgt>
-                                        </p:tgtEl>
-                                        <p:attrNameLst>
-                                          <p:attrName>style.visibility</p:attrName>
-                                        </p:attrNameLst>
-                                      </p:cBhvr>
-                                      <p:to>
-                                        <p:strVal val="visible"/>
-                                      </p:to>
-                                    </p:set>
-                                    <p:animEffect transition="in" filter="fade">
-                                      <p:cBhvr>
-                                        <p:cTn id="10" dur="500"/>
                                         <p:tgtEl>
                                           <p:spTgt spid="3">
                                             <p:txEl>
@@ -8012,19 +8080,62 @@
                     </p:cTn>
                   </p:par>
                   <p:par>
-                    <p:cTn id="11" fill="hold">
+                    <p:cTn id="8" fill="hold">
                       <p:stCondLst>
                         <p:cond delay="indefinite"/>
                       </p:stCondLst>
                       <p:childTnLst>
                         <p:par>
-                          <p:cTn id="12" fill="hold">
+                          <p:cTn id="9" fill="hold">
                             <p:stCondLst>
                               <p:cond delay="0"/>
                             </p:stCondLst>
                             <p:childTnLst>
                               <p:par>
-                                <p:cTn id="13" presetID="1" presetClass="entr" presetSubtype="0" fill="hold" nodeType="clickEffect">
+                                <p:cTn id="10" presetID="10" presetClass="entr" presetSubtype="0" fill="hold" nodeType="clickEffect">
+                                  <p:stCondLst>
+                                    <p:cond delay="0"/>
+                                  </p:stCondLst>
+                                  <p:childTnLst>
+                                    <p:set>
+                                      <p:cBhvr>
+                                        <p:cTn id="11" dur="1" fill="hold">
+                                          <p:stCondLst>
+                                            <p:cond delay="0"/>
+                                          </p:stCondLst>
+                                        </p:cTn>
+                                        <p:tgtEl>
+                                          <p:spTgt spid="3">
+                                            <p:txEl>
+                                              <p:pRg st="0" end="0"/>
+                                            </p:txEl>
+                                          </p:spTgt>
+                                        </p:tgtEl>
+                                        <p:attrNameLst>
+                                          <p:attrName>style.visibility</p:attrName>
+                                        </p:attrNameLst>
+                                      </p:cBhvr>
+                                      <p:to>
+                                        <p:strVal val="visible"/>
+                                      </p:to>
+                                    </p:set>
+                                    <p:animEffect transition="in" filter="fade">
+                                      <p:cBhvr>
+                                        <p:cTn id="12" dur="500"/>
+                                        <p:tgtEl>
+                                          <p:spTgt spid="3">
+                                            <p:txEl>
+                                              <p:pRg st="0" end="0"/>
+                                            </p:txEl>
+                                          </p:spTgt>
+                                        </p:tgtEl>
+                                      </p:cBhvr>
+                                    </p:animEffect>
+                                  </p:childTnLst>
+                                </p:cTn>
+                              </p:par>
+                              <p:par>
+                                <p:cTn id="13" presetID="10" presetClass="entr" presetSubtype="0" fill="hold" nodeType="withEffect">
                                   <p:stCondLst>
                                     <p:cond delay="0"/>
                                   </p:stCondLst>
@@ -8051,18 +8162,48 @@
                                         <p:strVal val="visible"/>
                                       </p:to>
                                     </p:set>
+                                    <p:animEffect transition="in" filter="fade">
+                                      <p:cBhvr>
+                                        <p:cTn id="15" dur="500"/>
+                                        <p:tgtEl>
+                                          <p:spTgt spid="3">
+                                            <p:txEl>
+                                              <p:pRg st="2" end="2"/>
+                                            </p:txEl>
+                                          </p:spTgt>
+                                        </p:tgtEl>
+                                      </p:cBhvr>
+                                    </p:animEffect>
                                   </p:childTnLst>
                                 </p:cTn>
                               </p:par>
+                            </p:childTnLst>
+                          </p:cTn>
+                        </p:par>
+                      </p:childTnLst>
+                    </p:cTn>
+                  </p:par>
+                  <p:par>
+                    <p:cTn id="16" fill="hold">
+                      <p:stCondLst>
+                        <p:cond delay="indefinite"/>
+                      </p:stCondLst>
+                      <p:childTnLst>
+                        <p:par>
+                          <p:cTn id="17" fill="hold">
+                            <p:stCondLst>
+                              <p:cond delay="0"/>
+                            </p:stCondLst>
+                            <p:childTnLst>
                               <p:par>
-                                <p:cTn id="15" presetID="1" presetClass="entr" presetSubtype="0" fill="hold" nodeType="withEffect">
+                                <p:cTn id="18" presetID="1" presetClass="entr" presetSubtype="0" fill="hold" nodeType="clickEffect">
                                   <p:stCondLst>
                                     <p:cond delay="0"/>
                                   </p:stCondLst>
                                   <p:childTnLst>
                                     <p:set>
                                       <p:cBhvr>
-                                        <p:cTn id="16" dur="1" fill="hold">
+                                        <p:cTn id="19" dur="1" fill="hold">
                                           <p:stCondLst>
                                             <p:cond delay="0"/>
                                           </p:stCondLst>
@@ -8086,14 +8227,14 @@
                                 </p:cTn>
                               </p:par>
                               <p:par>
-                                <p:cTn id="17" presetID="1" presetClass="entr" presetSubtype="0" fill="hold" nodeType="withEffect">
+                                <p:cTn id="20" presetID="1" presetClass="entr" presetSubtype="0" fill="hold" nodeType="withEffect">
                                   <p:stCondLst>
                                     <p:cond delay="0"/>
                                   </p:stCondLst>
                                   <p:childTnLst>
                                     <p:set>
                                       <p:cBhvr>
-                                        <p:cTn id="18" dur="1" fill="hold">
+                                        <p:cTn id="21" dur="1" fill="hold">
                                           <p:stCondLst>
                                             <p:cond delay="0"/>
                                           </p:stCondLst>
@@ -8116,33 +8257,15 @@
                                   </p:childTnLst>
                                 </p:cTn>
                               </p:par>
-                            </p:childTnLst>
-                          </p:cTn>
-                        </p:par>
-                      </p:childTnLst>
-                    </p:cTn>
-                  </p:par>
-                  <p:par>
-                    <p:cTn id="19" fill="hold">
-                      <p:stCondLst>
-                        <p:cond delay="indefinite"/>
-                      </p:stCondLst>
-                      <p:childTnLst>
-                        <p:par>
-                          <p:cTn id="20" fill="hold">
-                            <p:stCondLst>
-                              <p:cond delay="0"/>
-                            </p:stCondLst>
-                            <p:childTnLst>
                               <p:par>
-                                <p:cTn id="21" presetID="1" presetClass="entr" presetSubtype="0" fill="hold" nodeType="clickEffect">
+                                <p:cTn id="22" presetID="1" presetClass="entr" presetSubtype="0" fill="hold" nodeType="withEffect">
                                   <p:stCondLst>
                                     <p:cond delay="0"/>
                                   </p:stCondLst>
                                   <p:childTnLst>
                                     <p:set>
                                       <p:cBhvr>
-                                        <p:cTn id="22" dur="1" fill="hold">
+                                        <p:cTn id="23" dur="1" fill="hold">
                                           <p:stCondLst>
                                             <p:cond delay="0"/>
                                           </p:stCondLst>
@@ -8165,15 +8288,33 @@
                                   </p:childTnLst>
                                 </p:cTn>
                               </p:par>
+                            </p:childTnLst>
+                          </p:cTn>
+                        </p:par>
+                      </p:childTnLst>
+                    </p:cTn>
+                  </p:par>
+                  <p:par>
+                    <p:cTn id="24" fill="hold">
+                      <p:stCondLst>
+                        <p:cond delay="indefinite"/>
+                      </p:stCondLst>
+                      <p:childTnLst>
+                        <p:par>
+                          <p:cTn id="25" fill="hold">
+                            <p:stCondLst>
+                              <p:cond delay="0"/>
+                            </p:stCondLst>
+                            <p:childTnLst>
                               <p:par>
-                                <p:cTn id="23" presetID="1" presetClass="entr" presetSubtype="0" fill="hold" nodeType="withEffect">
+                                <p:cTn id="26" presetID="1" presetClass="entr" presetSubtype="0" fill="hold" nodeType="clickEffect">
                                   <p:stCondLst>
                                     <p:cond delay="0"/>
                                   </p:stCondLst>
                                   <p:childTnLst>
                                     <p:set>
                                       <p:cBhvr>
-                                        <p:cTn id="24" dur="1" fill="hold">
+                                        <p:cTn id="27" dur="1" fill="hold">
                                           <p:stCondLst>
                                             <p:cond delay="0"/>
                                           </p:stCondLst>
@@ -8196,15 +8337,33 @@
                                   </p:childTnLst>
                                 </p:cTn>
                               </p:par>
+                            </p:childTnLst>
+                          </p:cTn>
+                        </p:par>
+                      </p:childTnLst>
+                    </p:cTn>
+                  </p:par>
+                  <p:par>
+                    <p:cTn id="28" fill="hold">
+                      <p:stCondLst>
+                        <p:cond delay="indefinite"/>
+                      </p:stCondLst>
+                      <p:childTnLst>
+                        <p:par>
+                          <p:cTn id="29" fill="hold">
+                            <p:stCondLst>
+                              <p:cond delay="0"/>
+                            </p:stCondLst>
+                            <p:childTnLst>
                               <p:par>
-                                <p:cTn id="25" presetID="1" presetClass="entr" presetSubtype="0" fill="hold" nodeType="withEffect">
+                                <p:cTn id="30" presetID="1" presetClass="entr" presetSubtype="0" fill="hold" nodeType="clickEffect">
                                   <p:stCondLst>
                                     <p:cond delay="0"/>
                                   </p:stCondLst>
                                   <p:childTnLst>
                                     <p:set>
                                       <p:cBhvr>
-                                        <p:cTn id="26" dur="1" fill="hold">
+                                        <p:cTn id="31" dur="1" fill="hold">
                                           <p:stCondLst>
                                             <p:cond delay="0"/>
                                           </p:stCondLst>
@@ -8213,6 +8372,37 @@
                                           <p:spTgt spid="3">
                                             <p:txEl>
                                               <p:pRg st="7" end="7"/>
+                                            </p:txEl>
+                                          </p:spTgt>
+                                        </p:tgtEl>
+                                        <p:attrNameLst>
+                                          <p:attrName>style.visibility</p:attrName>
+                                        </p:attrNameLst>
+                                      </p:cBhvr>
+                                      <p:to>
+                                        <p:strVal val="visible"/>
+                                      </p:to>
+                                    </p:set>
+                                  </p:childTnLst>
+                                </p:cTn>
+                              </p:par>
+                              <p:par>
+                                <p:cTn id="32" presetID="1" presetClass="entr" presetSubtype="0" fill="hold" nodeType="withEffect">
+                                  <p:stCondLst>
+                                    <p:cond delay="0"/>
+                                  </p:stCondLst>
+                                  <p:childTnLst>
+                                    <p:set>
+                                      <p:cBhvr>
+                                        <p:cTn id="33" dur="1" fill="hold">
+                                          <p:stCondLst>
+                                            <p:cond delay="0"/>
+                                          </p:stCondLst>
+                                        </p:cTn>
+                                        <p:tgtEl>
+                                          <p:spTgt spid="3">
+                                            <p:txEl>
+                                              <p:pRg st="8" end="8"/>
                                             </p:txEl>
                                           </p:spTgt>
                                         </p:tgtEl>
@@ -8319,7 +8509,7 @@
             </a:r>
             <a:r>
               <a:rPr lang="en-GB" dirty="0" smtClean="0"/>
-              <a:t> is designed in a modular way</a:t>
+              <a:t> is comprised of modules</a:t>
             </a:r>
           </a:p>
           <a:p>
@@ -8458,21 +8648,30 @@
             </a:r>
             <a:r>
               <a:rPr lang="en-GB" dirty="0" smtClean="0"/>
-              <a:t>-frontend invoked with user input</a:t>
-            </a:r>
-          </a:p>
-          <a:p>
-            <a:r>
-              <a:rPr lang="en-GB" dirty="0" err="1"/>
+              <a:t>-frontend invoked with user </a:t>
+            </a:r>
+            <a:r>
+              <a:rPr lang="en-GB" dirty="0" smtClean="0"/>
+              <a:t>input (a </a:t>
+            </a:r>
+            <a:r>
+              <a:rPr lang="en-GB" dirty="0" err="1" smtClean="0"/>
               <a:t>csar</a:t>
             </a:r>
             <a:r>
-              <a:rPr lang="en-GB" dirty="0"/>
-              <a:t>-frontend </a:t>
-            </a:r>
-            <a:r>
-              <a:rPr lang="en-GB" dirty="0" smtClean="0"/>
-              <a:t>invokes </a:t>
+              <a:rPr lang="en-GB" dirty="0" smtClean="0"/>
+              <a:t> query and some command-line arguments)</a:t>
+            </a:r>
+            <a:endParaRPr lang="en-GB" dirty="0" smtClean="0"/>
+          </a:p>
+          <a:p>
+            <a:r>
+              <a:rPr lang="en-GB" dirty="0" err="1" smtClean="0"/>
+              <a:t>csar</a:t>
+            </a:r>
+            <a:r>
+              <a:rPr lang="en-GB" dirty="0" smtClean="0"/>
+              <a:t>-frontend invokes </a:t>
             </a:r>
             <a:r>
               <a:rPr lang="en-GB" dirty="0" err="1" smtClean="0"/>
@@ -8547,7 +8746,15 @@
             </a:r>
             <a:r>
               <a:rPr lang="en-GB" dirty="0" smtClean="0"/>
-              <a:t>-frontend prints search and then refactor results</a:t>
+              <a:t>-frontend </a:t>
+            </a:r>
+            <a:r>
+              <a:rPr lang="en-GB" dirty="0" smtClean="0"/>
+              <a:t>formats and prints </a:t>
+            </a:r>
+            <a:r>
+              <a:rPr lang="en-GB" dirty="0" smtClean="0"/>
+              <a:t>search and then refactor results</a:t>
             </a:r>
           </a:p>
         </p:txBody>
@@ -8630,49 +8837,38 @@
         </p:spPr>
         <p:txBody>
           <a:bodyPr>
-            <a:normAutofit fontScale="92500" lnSpcReduction="10000"/>
+            <a:normAutofit fontScale="92500" lnSpcReduction="20000"/>
           </a:bodyPr>
           <a:lstStyle/>
           <a:p>
             <a:r>
               <a:rPr lang="en-GB" dirty="0" smtClean="0"/>
-              <a:t>Support </a:t>
-            </a:r>
-            <a:r>
-              <a:rPr lang="en-GB" dirty="0"/>
-              <a:t>for git, </a:t>
-            </a:r>
-            <a:r>
-              <a:rPr lang="en-GB" dirty="0" smtClean="0"/>
-              <a:t>mercurial (hg), </a:t>
-            </a:r>
-            <a:r>
-              <a:rPr lang="en-GB" dirty="0"/>
-              <a:t>and </a:t>
-            </a:r>
-            <a:r>
-              <a:rPr lang="en-GB" dirty="0" smtClean="0"/>
-              <a:t>subversion (</a:t>
+              <a:t>Cross-platform</a:t>
+            </a:r>
+            <a:endParaRPr lang="en-GB" dirty="0" smtClean="0"/>
+          </a:p>
+          <a:p>
+            <a:r>
+              <a:rPr lang="en-GB" dirty="0" smtClean="0"/>
+              <a:t>Implemented </a:t>
             </a:r>
             <a:r>
               <a:rPr lang="en-GB" dirty="0" err="1" smtClean="0"/>
-              <a:t>svn</a:t>
-            </a:r>
-            <a:r>
-              <a:rPr lang="en-GB" dirty="0" smtClean="0"/>
-              <a:t>) repositories</a:t>
-            </a:r>
-          </a:p>
-          <a:p>
-            <a:r>
-              <a:rPr lang="en-GB" dirty="0" smtClean="0"/>
-              <a:t>Implemented query language</a:t>
-            </a:r>
-          </a:p>
-          <a:p>
-            <a:r>
-              <a:rPr lang="en-GB" dirty="0" smtClean="0"/>
-              <a:t>Implemented support for Java 8</a:t>
+              <a:t>csar</a:t>
+            </a:r>
+            <a:r>
+              <a:rPr lang="en-GB" dirty="0" smtClean="0"/>
+              <a:t> query language</a:t>
+            </a:r>
+          </a:p>
+          <a:p>
+            <a:r>
+              <a:rPr lang="en-GB" dirty="0" smtClean="0"/>
+              <a:t>Implemented a plugin for Java </a:t>
+            </a:r>
+            <a:r>
+              <a:rPr lang="en-GB" dirty="0" smtClean="0"/>
+              <a:t>8</a:t>
             </a:r>
           </a:p>
           <a:p>
@@ -8737,8 +8933,35 @@
           </a:p>
           <a:p>
             <a:r>
-              <a:rPr lang="en-GB" dirty="0" smtClean="0"/>
-              <a:t>Scalability (multi-threading)</a:t>
+              <a:rPr lang="en-GB" dirty="0"/>
+              <a:t>Support for git, hg, and </a:t>
+            </a:r>
+            <a:r>
+              <a:rPr lang="en-GB" dirty="0" err="1"/>
+              <a:t>svn</a:t>
+            </a:r>
+            <a:r>
+              <a:rPr lang="en-GB" dirty="0"/>
+              <a:t> </a:t>
+            </a:r>
+            <a:r>
+              <a:rPr lang="en-GB" dirty="0" smtClean="0"/>
+              <a:t>repositories</a:t>
+            </a:r>
+            <a:endParaRPr lang="en-GB" dirty="0" smtClean="0"/>
+          </a:p>
+          <a:p>
+            <a:r>
+              <a:rPr lang="en-GB" dirty="0" smtClean="0"/>
+              <a:t>Scalability </a:t>
+            </a:r>
+            <a:r>
+              <a:rPr lang="en-GB" dirty="0" smtClean="0"/>
+              <a:t>(</a:t>
+            </a:r>
+            <a:r>
+              <a:rPr lang="en-GB" dirty="0" smtClean="0"/>
+              <a:t>multi-threaded)</a:t>
             </a:r>
             <a:endParaRPr lang="en-GB" dirty="0"/>
           </a:p>
